--- a/CPP.pptx
+++ b/CPP.pptx
@@ -11,8 +11,9 @@
     <p:sldId id="259" r:id="rId5"/>
     <p:sldId id="260" r:id="rId6"/>
     <p:sldId id="261" r:id="rId7"/>
-    <p:sldId id="262" r:id="rId8"/>
-    <p:sldId id="263" r:id="rId9"/>
+    <p:sldId id="264" r:id="rId8"/>
+    <p:sldId id="262" r:id="rId9"/>
+    <p:sldId id="263" r:id="rId10"/>
   </p:sldIdLst>
   <p:sldSz cx="9144000" cy="6858000" type="screen4x3"/>
   <p:notesSz cx="6858000" cy="9144000"/>
@@ -111,6 +112,22 @@
       </a:defRPr>
     </a:lvl9pPr>
   </p:defaultTextStyle>
+  <p:extLst>
+    <p:ext uri="{EFAFB233-063F-42B5-8137-9DF3F51BA10A}">
+      <p15:sldGuideLst xmlns:p15="http://schemas.microsoft.com/office/powerpoint/2012/main">
+        <p15:guide id="1" orient="horz" pos="2160">
+          <p15:clr>
+            <a:srgbClr val="A4A3A4"/>
+          </p15:clr>
+        </p15:guide>
+        <p15:guide id="2" pos="2880">
+          <p15:clr>
+            <a:srgbClr val="A4A3A4"/>
+          </p15:clr>
+        </p15:guide>
+      </p15:sldGuideLst>
+    </p:ext>
+  </p:extLst>
 </p:presentation>
 </file>
 
@@ -152,10 +169,9 @@
           <a:lstStyle/>
           <a:p>
             <a:r>
-              <a:rPr lang="fr-FR" smtClean="0"/>
+              <a:rPr lang="fr-FR"/>
               <a:t>Cliquez pour modifier le style du titre</a:t>
             </a:r>
-            <a:endParaRPr lang="fr-FR"/>
           </a:p>
         </p:txBody>
       </p:sp>
@@ -271,10 +287,9 @@
           </a:lstStyle>
           <a:p>
             <a:r>
-              <a:rPr lang="fr-FR" smtClean="0"/>
+              <a:rPr lang="fr-FR"/>
               <a:t>Cliquez pour modifier le style des sous-titres du masque</a:t>
             </a:r>
-            <a:endParaRPr lang="fr-FR"/>
           </a:p>
         </p:txBody>
       </p:sp>
@@ -384,10 +399,9 @@
           <a:lstStyle/>
           <a:p>
             <a:r>
-              <a:rPr lang="fr-FR" smtClean="0"/>
+              <a:rPr lang="fr-FR"/>
               <a:t>Cliquez pour modifier le style du titre</a:t>
             </a:r>
-            <a:endParaRPr lang="fr-FR"/>
           </a:p>
         </p:txBody>
       </p:sp>
@@ -408,38 +422,37 @@
           <a:p>
             <a:pPr lvl="0"/>
             <a:r>
-              <a:rPr lang="fr-FR" smtClean="0"/>
+              <a:rPr lang="fr-FR"/>
               <a:t>Cliquez pour modifier les styles du texte du masque</a:t>
             </a:r>
           </a:p>
           <a:p>
             <a:pPr lvl="1"/>
             <a:r>
-              <a:rPr lang="fr-FR" smtClean="0"/>
+              <a:rPr lang="fr-FR"/>
               <a:t>Deuxième niveau</a:t>
             </a:r>
           </a:p>
           <a:p>
             <a:pPr lvl="2"/>
             <a:r>
-              <a:rPr lang="fr-FR" smtClean="0"/>
+              <a:rPr lang="fr-FR"/>
               <a:t>Troisième niveau</a:t>
             </a:r>
           </a:p>
           <a:p>
             <a:pPr lvl="3"/>
             <a:r>
-              <a:rPr lang="fr-FR" smtClean="0"/>
+              <a:rPr lang="fr-FR"/>
               <a:t>Quatrième niveau</a:t>
             </a:r>
           </a:p>
           <a:p>
             <a:pPr lvl="4"/>
             <a:r>
-              <a:rPr lang="fr-FR" smtClean="0"/>
+              <a:rPr lang="fr-FR"/>
               <a:t>Cinquième niveau</a:t>
             </a:r>
-            <a:endParaRPr lang="fr-FR"/>
           </a:p>
         </p:txBody>
       </p:sp>
@@ -554,10 +567,9 @@
           <a:lstStyle/>
           <a:p>
             <a:r>
-              <a:rPr lang="fr-FR" smtClean="0"/>
+              <a:rPr lang="fr-FR"/>
               <a:t>Cliquez pour modifier le style du titre</a:t>
             </a:r>
-            <a:endParaRPr lang="fr-FR"/>
           </a:p>
         </p:txBody>
       </p:sp>
@@ -583,38 +595,37 @@
           <a:p>
             <a:pPr lvl="0"/>
             <a:r>
-              <a:rPr lang="fr-FR" smtClean="0"/>
+              <a:rPr lang="fr-FR"/>
               <a:t>Cliquez pour modifier les styles du texte du masque</a:t>
             </a:r>
           </a:p>
           <a:p>
             <a:pPr lvl="1"/>
             <a:r>
-              <a:rPr lang="fr-FR" smtClean="0"/>
+              <a:rPr lang="fr-FR"/>
               <a:t>Deuxième niveau</a:t>
             </a:r>
           </a:p>
           <a:p>
             <a:pPr lvl="2"/>
             <a:r>
-              <a:rPr lang="fr-FR" smtClean="0"/>
+              <a:rPr lang="fr-FR"/>
               <a:t>Troisième niveau</a:t>
             </a:r>
           </a:p>
           <a:p>
             <a:pPr lvl="3"/>
             <a:r>
-              <a:rPr lang="fr-FR" smtClean="0"/>
+              <a:rPr lang="fr-FR"/>
               <a:t>Quatrième niveau</a:t>
             </a:r>
           </a:p>
           <a:p>
             <a:pPr lvl="4"/>
             <a:r>
-              <a:rPr lang="fr-FR" smtClean="0"/>
+              <a:rPr lang="fr-FR"/>
               <a:t>Cinquième niveau</a:t>
             </a:r>
-            <a:endParaRPr lang="fr-FR"/>
           </a:p>
         </p:txBody>
       </p:sp>
@@ -724,10 +735,9 @@
           <a:lstStyle/>
           <a:p>
             <a:r>
-              <a:rPr lang="fr-FR" smtClean="0"/>
+              <a:rPr lang="fr-FR"/>
               <a:t>Cliquez pour modifier le style du titre</a:t>
             </a:r>
-            <a:endParaRPr lang="fr-FR"/>
           </a:p>
         </p:txBody>
       </p:sp>
@@ -748,38 +758,37 @@
           <a:p>
             <a:pPr lvl="0"/>
             <a:r>
-              <a:rPr lang="fr-FR" smtClean="0"/>
+              <a:rPr lang="fr-FR"/>
               <a:t>Cliquez pour modifier les styles du texte du masque</a:t>
             </a:r>
           </a:p>
           <a:p>
             <a:pPr lvl="1"/>
             <a:r>
-              <a:rPr lang="fr-FR" smtClean="0"/>
+              <a:rPr lang="fr-FR"/>
               <a:t>Deuxième niveau</a:t>
             </a:r>
           </a:p>
           <a:p>
             <a:pPr lvl="2"/>
             <a:r>
-              <a:rPr lang="fr-FR" smtClean="0"/>
+              <a:rPr lang="fr-FR"/>
               <a:t>Troisième niveau</a:t>
             </a:r>
           </a:p>
           <a:p>
             <a:pPr lvl="3"/>
             <a:r>
-              <a:rPr lang="fr-FR" smtClean="0"/>
+              <a:rPr lang="fr-FR"/>
               <a:t>Quatrième niveau</a:t>
             </a:r>
           </a:p>
           <a:p>
             <a:pPr lvl="4"/>
             <a:r>
-              <a:rPr lang="fr-FR" smtClean="0"/>
+              <a:rPr lang="fr-FR"/>
               <a:t>Cinquième niveau</a:t>
             </a:r>
-            <a:endParaRPr lang="fr-FR"/>
           </a:p>
         </p:txBody>
       </p:sp>
@@ -898,10 +907,9 @@
           </a:lstStyle>
           <a:p>
             <a:r>
-              <a:rPr lang="fr-FR" smtClean="0"/>
+              <a:rPr lang="fr-FR"/>
               <a:t>Cliquez pour modifier le style du titre</a:t>
             </a:r>
-            <a:endParaRPr lang="fr-FR"/>
           </a:p>
         </p:txBody>
       </p:sp>
@@ -1018,7 +1026,7 @@
           <a:p>
             <a:pPr lvl="0"/>
             <a:r>
-              <a:rPr lang="fr-FR" smtClean="0"/>
+              <a:rPr lang="fr-FR"/>
               <a:t>Cliquez pour modifier les styles du texte du masque</a:t>
             </a:r>
           </a:p>
@@ -1130,10 +1138,9 @@
           <a:lstStyle/>
           <a:p>
             <a:r>
-              <a:rPr lang="fr-FR" smtClean="0"/>
+              <a:rPr lang="fr-FR"/>
               <a:t>Cliquez pour modifier le style du titre</a:t>
             </a:r>
-            <a:endParaRPr lang="fr-FR"/>
           </a:p>
         </p:txBody>
       </p:sp>
@@ -1187,38 +1194,37 @@
           <a:p>
             <a:pPr lvl="0"/>
             <a:r>
-              <a:rPr lang="fr-FR" smtClean="0"/>
+              <a:rPr lang="fr-FR"/>
               <a:t>Cliquez pour modifier les styles du texte du masque</a:t>
             </a:r>
           </a:p>
           <a:p>
             <a:pPr lvl="1"/>
             <a:r>
-              <a:rPr lang="fr-FR" smtClean="0"/>
+              <a:rPr lang="fr-FR"/>
               <a:t>Deuxième niveau</a:t>
             </a:r>
           </a:p>
           <a:p>
             <a:pPr lvl="2"/>
             <a:r>
-              <a:rPr lang="fr-FR" smtClean="0"/>
+              <a:rPr lang="fr-FR"/>
               <a:t>Troisième niveau</a:t>
             </a:r>
           </a:p>
           <a:p>
             <a:pPr lvl="3"/>
             <a:r>
-              <a:rPr lang="fr-FR" smtClean="0"/>
+              <a:rPr lang="fr-FR"/>
               <a:t>Quatrième niveau</a:t>
             </a:r>
           </a:p>
           <a:p>
             <a:pPr lvl="4"/>
             <a:r>
-              <a:rPr lang="fr-FR" smtClean="0"/>
+              <a:rPr lang="fr-FR"/>
               <a:t>Cinquième niveau</a:t>
             </a:r>
-            <a:endParaRPr lang="fr-FR"/>
           </a:p>
         </p:txBody>
       </p:sp>
@@ -1272,38 +1278,37 @@
           <a:p>
             <a:pPr lvl="0"/>
             <a:r>
-              <a:rPr lang="fr-FR" smtClean="0"/>
+              <a:rPr lang="fr-FR"/>
               <a:t>Cliquez pour modifier les styles du texte du masque</a:t>
             </a:r>
           </a:p>
           <a:p>
             <a:pPr lvl="1"/>
             <a:r>
-              <a:rPr lang="fr-FR" smtClean="0"/>
+              <a:rPr lang="fr-FR"/>
               <a:t>Deuxième niveau</a:t>
             </a:r>
           </a:p>
           <a:p>
             <a:pPr lvl="2"/>
             <a:r>
-              <a:rPr lang="fr-FR" smtClean="0"/>
+              <a:rPr lang="fr-FR"/>
               <a:t>Troisième niveau</a:t>
             </a:r>
           </a:p>
           <a:p>
             <a:pPr lvl="3"/>
             <a:r>
-              <a:rPr lang="fr-FR" smtClean="0"/>
+              <a:rPr lang="fr-FR"/>
               <a:t>Quatrième niveau</a:t>
             </a:r>
           </a:p>
           <a:p>
             <a:pPr lvl="4"/>
             <a:r>
-              <a:rPr lang="fr-FR" smtClean="0"/>
+              <a:rPr lang="fr-FR"/>
               <a:t>Cinquième niveau</a:t>
             </a:r>
-            <a:endParaRPr lang="fr-FR"/>
           </a:p>
         </p:txBody>
       </p:sp>
@@ -1417,10 +1422,9 @@
           </a:lstStyle>
           <a:p>
             <a:r>
-              <a:rPr lang="fr-FR" smtClean="0"/>
+              <a:rPr lang="fr-FR"/>
               <a:t>Cliquez pour modifier le style du titre</a:t>
             </a:r>
-            <a:endParaRPr lang="fr-FR"/>
           </a:p>
         </p:txBody>
       </p:sp>
@@ -1483,7 +1487,7 @@
           <a:p>
             <a:pPr lvl="0"/>
             <a:r>
-              <a:rPr lang="fr-FR" smtClean="0"/>
+              <a:rPr lang="fr-FR"/>
               <a:t>Cliquez pour modifier les styles du texte du masque</a:t>
             </a:r>
           </a:p>
@@ -1539,38 +1543,37 @@
           <a:p>
             <a:pPr lvl="0"/>
             <a:r>
-              <a:rPr lang="fr-FR" smtClean="0"/>
+              <a:rPr lang="fr-FR"/>
               <a:t>Cliquez pour modifier les styles du texte du masque</a:t>
             </a:r>
           </a:p>
           <a:p>
             <a:pPr lvl="1"/>
             <a:r>
-              <a:rPr lang="fr-FR" smtClean="0"/>
+              <a:rPr lang="fr-FR"/>
               <a:t>Deuxième niveau</a:t>
             </a:r>
           </a:p>
           <a:p>
             <a:pPr lvl="2"/>
             <a:r>
-              <a:rPr lang="fr-FR" smtClean="0"/>
+              <a:rPr lang="fr-FR"/>
               <a:t>Troisième niveau</a:t>
             </a:r>
           </a:p>
           <a:p>
             <a:pPr lvl="3"/>
             <a:r>
-              <a:rPr lang="fr-FR" smtClean="0"/>
+              <a:rPr lang="fr-FR"/>
               <a:t>Quatrième niveau</a:t>
             </a:r>
           </a:p>
           <a:p>
             <a:pPr lvl="4"/>
             <a:r>
-              <a:rPr lang="fr-FR" smtClean="0"/>
+              <a:rPr lang="fr-FR"/>
               <a:t>Cinquième niveau</a:t>
             </a:r>
-            <a:endParaRPr lang="fr-FR"/>
           </a:p>
         </p:txBody>
       </p:sp>
@@ -1633,7 +1636,7 @@
           <a:p>
             <a:pPr lvl="0"/>
             <a:r>
-              <a:rPr lang="fr-FR" smtClean="0"/>
+              <a:rPr lang="fr-FR"/>
               <a:t>Cliquez pour modifier les styles du texte du masque</a:t>
             </a:r>
           </a:p>
@@ -1689,38 +1692,37 @@
           <a:p>
             <a:pPr lvl="0"/>
             <a:r>
-              <a:rPr lang="fr-FR" smtClean="0"/>
+              <a:rPr lang="fr-FR"/>
               <a:t>Cliquez pour modifier les styles du texte du masque</a:t>
             </a:r>
           </a:p>
           <a:p>
             <a:pPr lvl="1"/>
             <a:r>
-              <a:rPr lang="fr-FR" smtClean="0"/>
+              <a:rPr lang="fr-FR"/>
               <a:t>Deuxième niveau</a:t>
             </a:r>
           </a:p>
           <a:p>
             <a:pPr lvl="2"/>
             <a:r>
-              <a:rPr lang="fr-FR" smtClean="0"/>
+              <a:rPr lang="fr-FR"/>
               <a:t>Troisième niveau</a:t>
             </a:r>
           </a:p>
           <a:p>
             <a:pPr lvl="3"/>
             <a:r>
-              <a:rPr lang="fr-FR" smtClean="0"/>
+              <a:rPr lang="fr-FR"/>
               <a:t>Quatrième niveau</a:t>
             </a:r>
           </a:p>
           <a:p>
             <a:pPr lvl="4"/>
             <a:r>
-              <a:rPr lang="fr-FR" smtClean="0"/>
+              <a:rPr lang="fr-FR"/>
               <a:t>Cinquième niveau</a:t>
             </a:r>
-            <a:endParaRPr lang="fr-FR"/>
           </a:p>
         </p:txBody>
       </p:sp>
@@ -1830,10 +1832,9 @@
           <a:lstStyle/>
           <a:p>
             <a:r>
-              <a:rPr lang="fr-FR" smtClean="0"/>
+              <a:rPr lang="fr-FR"/>
               <a:t>Cliquez pour modifier le style du titre</a:t>
             </a:r>
-            <a:endParaRPr lang="fr-FR"/>
           </a:p>
         </p:txBody>
       </p:sp>
@@ -2042,10 +2043,9 @@
           </a:lstStyle>
           <a:p>
             <a:r>
-              <a:rPr lang="fr-FR" smtClean="0"/>
+              <a:rPr lang="fr-FR"/>
               <a:t>Cliquez pour modifier le style du titre</a:t>
             </a:r>
-            <a:endParaRPr lang="fr-FR"/>
           </a:p>
         </p:txBody>
       </p:sp>
@@ -2099,38 +2099,37 @@
           <a:p>
             <a:pPr lvl="0"/>
             <a:r>
-              <a:rPr lang="fr-FR" smtClean="0"/>
+              <a:rPr lang="fr-FR"/>
               <a:t>Cliquez pour modifier les styles du texte du masque</a:t>
             </a:r>
           </a:p>
           <a:p>
             <a:pPr lvl="1"/>
             <a:r>
-              <a:rPr lang="fr-FR" smtClean="0"/>
+              <a:rPr lang="fr-FR"/>
               <a:t>Deuxième niveau</a:t>
             </a:r>
           </a:p>
           <a:p>
             <a:pPr lvl="2"/>
             <a:r>
-              <a:rPr lang="fr-FR" smtClean="0"/>
+              <a:rPr lang="fr-FR"/>
               <a:t>Troisième niveau</a:t>
             </a:r>
           </a:p>
           <a:p>
             <a:pPr lvl="3"/>
             <a:r>
-              <a:rPr lang="fr-FR" smtClean="0"/>
+              <a:rPr lang="fr-FR"/>
               <a:t>Quatrième niveau</a:t>
             </a:r>
           </a:p>
           <a:p>
             <a:pPr lvl="4"/>
             <a:r>
-              <a:rPr lang="fr-FR" smtClean="0"/>
+              <a:rPr lang="fr-FR"/>
               <a:t>Cinquième niveau</a:t>
             </a:r>
-            <a:endParaRPr lang="fr-FR"/>
           </a:p>
         </p:txBody>
       </p:sp>
@@ -2193,7 +2192,7 @@
           <a:p>
             <a:pPr lvl="0"/>
             <a:r>
-              <a:rPr lang="fr-FR" smtClean="0"/>
+              <a:rPr lang="fr-FR"/>
               <a:t>Cliquez pour modifier les styles du texte du masque</a:t>
             </a:r>
           </a:p>
@@ -2314,10 +2313,9 @@
           </a:lstStyle>
           <a:p>
             <a:r>
-              <a:rPr lang="fr-FR" smtClean="0"/>
+              <a:rPr lang="fr-FR"/>
               <a:t>Cliquez pour modifier le style du titre</a:t>
             </a:r>
-            <a:endParaRPr lang="fr-FR"/>
           </a:p>
         </p:txBody>
       </p:sp>
@@ -2441,7 +2439,7 @@
           <a:p>
             <a:pPr lvl="0"/>
             <a:r>
-              <a:rPr lang="fr-FR" smtClean="0"/>
+              <a:rPr lang="fr-FR"/>
               <a:t>Cliquez pour modifier les styles du texte du masque</a:t>
             </a:r>
           </a:p>
@@ -2568,10 +2566,9 @@
           <a:lstStyle/>
           <a:p>
             <a:r>
-              <a:rPr lang="fr-FR" smtClean="0"/>
+              <a:rPr lang="fr-FR"/>
               <a:t>Cliquez pour modifier le style du titre</a:t>
             </a:r>
-            <a:endParaRPr lang="fr-FR"/>
           </a:p>
         </p:txBody>
       </p:sp>
@@ -2602,38 +2599,37 @@
           <a:p>
             <a:pPr lvl="0"/>
             <a:r>
-              <a:rPr lang="fr-FR" smtClean="0"/>
+              <a:rPr lang="fr-FR"/>
               <a:t>Cliquez pour modifier les styles du texte du masque</a:t>
             </a:r>
           </a:p>
           <a:p>
             <a:pPr lvl="1"/>
             <a:r>
-              <a:rPr lang="fr-FR" smtClean="0"/>
+              <a:rPr lang="fr-FR"/>
               <a:t>Deuxième niveau</a:t>
             </a:r>
           </a:p>
           <a:p>
             <a:pPr lvl="2"/>
             <a:r>
-              <a:rPr lang="fr-FR" smtClean="0"/>
+              <a:rPr lang="fr-FR"/>
               <a:t>Troisième niveau</a:t>
             </a:r>
           </a:p>
           <a:p>
             <a:pPr lvl="3"/>
             <a:r>
-              <a:rPr lang="fr-FR" smtClean="0"/>
+              <a:rPr lang="fr-FR"/>
               <a:t>Quatrième niveau</a:t>
             </a:r>
           </a:p>
           <a:p>
             <a:pPr lvl="4"/>
             <a:r>
-              <a:rPr lang="fr-FR" smtClean="0"/>
+              <a:rPr lang="fr-FR"/>
               <a:t>Cinquième niveau</a:t>
             </a:r>
-            <a:endParaRPr lang="fr-FR"/>
           </a:p>
         </p:txBody>
       </p:sp>
@@ -3058,10 +3054,9 @@
           <a:lstStyle/>
           <a:p>
             <a:r>
-              <a:rPr lang="fr-FR" dirty="0" smtClean="0"/>
+              <a:rPr lang="fr-FR" dirty="0"/>
               <a:t>C++</a:t>
             </a:r>
-            <a:endParaRPr lang="fr-FR" dirty="0"/>
           </a:p>
         </p:txBody>
       </p:sp>
@@ -3081,27 +3076,22 @@
           <a:lstStyle/>
           <a:p>
             <a:r>
-              <a:rPr lang="fr-FR" dirty="0" smtClean="0">
+              <a:rPr lang="fr-FR" dirty="0">
                 <a:hlinkClick r:id="rId2"/>
               </a:rPr>
               <a:t>matthias.colin@gmail.com</a:t>
             </a:r>
-            <a:endParaRPr lang="fr-FR" dirty="0" smtClean="0"/>
-          </a:p>
-          <a:p>
-            <a:r>
-              <a:rPr lang="fr-FR" dirty="0" err="1"/>
-              <a:t>j</a:t>
-            </a:r>
-            <a:r>
-              <a:rPr lang="fr-FR" dirty="0" err="1" smtClean="0"/>
-              <a:t>uly</a:t>
-            </a:r>
-            <a:r>
-              <a:rPr lang="fr-FR" dirty="0" smtClean="0"/>
+            <a:endParaRPr lang="fr-FR" dirty="0"/>
+          </a:p>
+          <a:p>
+            <a:r>
+              <a:rPr lang="fr-FR" dirty="0" err="1"/>
+              <a:t>july</a:t>
+            </a:r>
+            <a:r>
+              <a:rPr lang="fr-FR" dirty="0"/>
               <a:t> 2019</a:t>
             </a:r>
-            <a:endParaRPr lang="fr-FR" dirty="0"/>
           </a:p>
         </p:txBody>
       </p:sp>
@@ -3146,7 +3136,7 @@
           <a:lstStyle/>
           <a:p>
             <a:r>
-              <a:rPr lang="fr-FR" dirty="0" err="1" smtClean="0"/>
+              <a:rPr lang="fr-FR" dirty="0" err="1"/>
               <a:t>Summary</a:t>
             </a:r>
             <a:endParaRPr lang="fr-FR" dirty="0"/>
@@ -3169,64 +3159,63 @@
           <a:lstStyle/>
           <a:p>
             <a:r>
-              <a:rPr lang="fr-FR" dirty="0" err="1" smtClean="0"/>
+              <a:rPr lang="fr-FR" dirty="0" err="1"/>
               <a:t>History</a:t>
             </a:r>
-            <a:endParaRPr lang="fr-FR" dirty="0" smtClean="0"/>
-          </a:p>
-          <a:p>
-            <a:r>
-              <a:rPr lang="fr-FR" dirty="0" smtClean="0"/>
+            <a:endParaRPr lang="fr-FR" dirty="0"/>
+          </a:p>
+          <a:p>
+            <a:r>
+              <a:rPr lang="fr-FR" dirty="0"/>
               <a:t>Basics</a:t>
             </a:r>
           </a:p>
           <a:p>
             <a:r>
-              <a:rPr lang="fr-FR" dirty="0" smtClean="0"/>
+              <a:rPr lang="fr-FR" dirty="0"/>
               <a:t>Object </a:t>
             </a:r>
             <a:r>
-              <a:rPr lang="fr-FR" dirty="0" err="1" smtClean="0"/>
+              <a:rPr lang="fr-FR" dirty="0" err="1"/>
               <a:t>Oriented</a:t>
             </a:r>
             <a:r>
-              <a:rPr lang="fr-FR" dirty="0" smtClean="0"/>
+              <a:rPr lang="fr-FR" dirty="0"/>
               <a:t> </a:t>
             </a:r>
             <a:r>
-              <a:rPr lang="fr-FR" dirty="0" err="1" smtClean="0"/>
+              <a:rPr lang="fr-FR" dirty="0" err="1"/>
               <a:t>Programming</a:t>
             </a:r>
-            <a:endParaRPr lang="fr-FR" dirty="0" smtClean="0"/>
-          </a:p>
-          <a:p>
-            <a:r>
-              <a:rPr lang="fr-FR" dirty="0" err="1" smtClean="0"/>
+            <a:endParaRPr lang="fr-FR" dirty="0"/>
+          </a:p>
+          <a:p>
+            <a:r>
+              <a:rPr lang="fr-FR" dirty="0" err="1"/>
               <a:t>Templates</a:t>
             </a:r>
-            <a:endParaRPr lang="fr-FR" dirty="0" smtClean="0"/>
-          </a:p>
-          <a:p>
-            <a:r>
-              <a:rPr lang="fr-FR" dirty="0" err="1" smtClean="0"/>
+            <a:endParaRPr lang="fr-FR" dirty="0"/>
+          </a:p>
+          <a:p>
+            <a:r>
+              <a:rPr lang="fr-FR" dirty="0" err="1"/>
               <a:t>Functional</a:t>
             </a:r>
             <a:r>
-              <a:rPr lang="fr-FR" dirty="0" smtClean="0"/>
+              <a:rPr lang="fr-FR" dirty="0"/>
               <a:t> </a:t>
             </a:r>
             <a:r>
-              <a:rPr lang="fr-FR" dirty="0" err="1" smtClean="0"/>
+              <a:rPr lang="fr-FR" dirty="0" err="1"/>
               <a:t>Programming</a:t>
             </a:r>
-            <a:endParaRPr lang="fr-FR" dirty="0" smtClean="0"/>
-          </a:p>
-          <a:p>
-            <a:r>
-              <a:rPr lang="fr-FR" dirty="0" smtClean="0"/>
+            <a:endParaRPr lang="fr-FR" dirty="0"/>
+          </a:p>
+          <a:p>
+            <a:r>
+              <a:rPr lang="fr-FR" dirty="0"/>
               <a:t>Multi-threadings</a:t>
             </a:r>
-            <a:endParaRPr lang="fr-FR" dirty="0"/>
           </a:p>
         </p:txBody>
       </p:sp>
@@ -3271,11 +3260,11 @@
           <a:lstStyle/>
           <a:p>
             <a:r>
-              <a:rPr lang="fr-FR" dirty="0" smtClean="0"/>
+              <a:rPr lang="fr-FR" dirty="0"/>
               <a:t>C++ </a:t>
             </a:r>
             <a:r>
-              <a:rPr lang="fr-FR" dirty="0" err="1" smtClean="0"/>
+              <a:rPr lang="fr-FR" dirty="0" err="1"/>
               <a:t>History</a:t>
             </a:r>
             <a:endParaRPr lang="fr-FR" dirty="0"/>
@@ -3305,71 +3294,71 @@
           <a:lstStyle/>
           <a:p>
             <a:r>
-              <a:rPr lang="fr-FR" dirty="0" smtClean="0"/>
+              <a:rPr lang="fr-FR" dirty="0"/>
               <a:t>1972 : C by Dennis Ritchie and Ken Thompson</a:t>
             </a:r>
           </a:p>
           <a:p>
             <a:r>
-              <a:rPr lang="fr-FR" dirty="0" smtClean="0"/>
+              <a:rPr lang="fr-FR" dirty="0"/>
               <a:t>1979 : C </a:t>
             </a:r>
             <a:r>
-              <a:rPr lang="fr-FR" dirty="0" err="1" smtClean="0"/>
+              <a:rPr lang="fr-FR" dirty="0" err="1"/>
               <a:t>with</a:t>
             </a:r>
             <a:r>
-              <a:rPr lang="fr-FR" dirty="0" smtClean="0"/>
+              <a:rPr lang="fr-FR" dirty="0"/>
               <a:t> classes by Bjarne </a:t>
             </a:r>
             <a:r>
-              <a:rPr lang="fr-FR" dirty="0" err="1" smtClean="0"/>
+              <a:rPr lang="fr-FR" dirty="0" err="1"/>
               <a:t>Stroustrup</a:t>
             </a:r>
-            <a:endParaRPr lang="fr-FR" dirty="0" smtClean="0"/>
+            <a:endParaRPr lang="fr-FR" dirty="0"/>
           </a:p>
           <a:p>
             <a:pPr lvl="1">
               <a:buNone/>
             </a:pPr>
             <a:r>
-              <a:rPr lang="fr-FR" dirty="0" smtClean="0"/>
+              <a:rPr lang="fr-FR" dirty="0"/>
               <a:t>				AT&amp;T Bell </a:t>
             </a:r>
             <a:r>
-              <a:rPr lang="fr-FR" dirty="0" err="1" smtClean="0"/>
+              <a:rPr lang="fr-FR" dirty="0" err="1"/>
               <a:t>Labs</a:t>
             </a:r>
-            <a:endParaRPr lang="fr-FR" dirty="0" smtClean="0"/>
-          </a:p>
-          <a:p>
-            <a:r>
-              <a:rPr lang="fr-FR" dirty="0" smtClean="0"/>
+            <a:endParaRPr lang="fr-FR" dirty="0"/>
+          </a:p>
+          <a:p>
+            <a:r>
+              <a:rPr lang="fr-FR" dirty="0"/>
               <a:t>1983 : C++</a:t>
             </a:r>
           </a:p>
           <a:p>
             <a:r>
-              <a:rPr lang="fr-FR" dirty="0" smtClean="0"/>
+              <a:rPr lang="fr-FR" dirty="0"/>
               <a:t>1985 : The C++ </a:t>
             </a:r>
             <a:r>
-              <a:rPr lang="fr-FR" dirty="0" err="1" smtClean="0"/>
+              <a:rPr lang="fr-FR" dirty="0" err="1"/>
               <a:t>Programming</a:t>
             </a:r>
             <a:r>
-              <a:rPr lang="fr-FR" dirty="0" smtClean="0"/>
+              <a:rPr lang="fr-FR" dirty="0"/>
               <a:t> </a:t>
             </a:r>
             <a:r>
-              <a:rPr lang="fr-FR" dirty="0" err="1" smtClean="0"/>
+              <a:rPr lang="fr-FR" dirty="0" err="1"/>
               <a:t>Language</a:t>
             </a:r>
-            <a:endParaRPr lang="fr-FR" dirty="0" smtClean="0"/>
-          </a:p>
-          <a:p>
-            <a:r>
-              <a:rPr lang="fr-FR" dirty="0" smtClean="0"/>
+            <a:endParaRPr lang="fr-FR" dirty="0"/>
+          </a:p>
+          <a:p>
+            <a:r>
+              <a:rPr lang="fr-FR" dirty="0"/>
               <a:t>1989 : C++ 2.0</a:t>
             </a:r>
           </a:p>
@@ -3378,84 +3367,83 @@
               <a:buNone/>
             </a:pPr>
             <a:r>
-              <a:rPr lang="fr-FR" dirty="0" smtClean="0"/>
+              <a:rPr lang="fr-FR" dirty="0"/>
               <a:t>	The C++ </a:t>
             </a:r>
             <a:r>
-              <a:rPr lang="fr-FR" dirty="0" err="1" smtClean="0"/>
+              <a:rPr lang="fr-FR" dirty="0" err="1"/>
               <a:t>Programming</a:t>
             </a:r>
             <a:r>
-              <a:rPr lang="fr-FR" dirty="0" smtClean="0"/>
+              <a:rPr lang="fr-FR" dirty="0"/>
               <a:t> </a:t>
             </a:r>
             <a:r>
-              <a:rPr lang="fr-FR" dirty="0" err="1" smtClean="0"/>
+              <a:rPr lang="fr-FR" dirty="0" err="1"/>
               <a:t>Language</a:t>
             </a:r>
             <a:r>
-              <a:rPr lang="fr-FR" dirty="0" smtClean="0"/>
+              <a:rPr lang="fr-FR" dirty="0"/>
               <a:t>, 2</a:t>
             </a:r>
             <a:r>
-              <a:rPr lang="fr-FR" baseline="30000" dirty="0" smtClean="0"/>
+              <a:rPr lang="fr-FR" baseline="30000" dirty="0"/>
               <a:t>nd</a:t>
             </a:r>
             <a:r>
-              <a:rPr lang="fr-FR" dirty="0" smtClean="0"/>
+              <a:rPr lang="fr-FR" dirty="0"/>
               <a:t> Edition</a:t>
             </a:r>
-            <a:endParaRPr lang="fr-FR" dirty="0" smtClean="0"/>
-          </a:p>
-          <a:p>
-            <a:r>
-              <a:rPr lang="fr-FR" dirty="0" smtClean="0"/>
+          </a:p>
+          <a:p>
+            <a:r>
+              <a:rPr lang="fr-FR" dirty="0"/>
               <a:t>1990 : The </a:t>
             </a:r>
             <a:r>
-              <a:rPr lang="fr-FR" dirty="0" err="1" smtClean="0"/>
+              <a:rPr lang="fr-FR" dirty="0" err="1"/>
               <a:t>Annotated</a:t>
             </a:r>
             <a:r>
-              <a:rPr lang="fr-FR" dirty="0" smtClean="0"/>
+              <a:rPr lang="fr-FR" dirty="0"/>
               <a:t> C++ </a:t>
             </a:r>
             <a:r>
-              <a:rPr lang="fr-FR" dirty="0" err="1" smtClean="0"/>
+              <a:rPr lang="fr-FR" dirty="0" err="1"/>
               <a:t>Reference</a:t>
             </a:r>
             <a:r>
-              <a:rPr lang="fr-FR" dirty="0" smtClean="0"/>
+              <a:rPr lang="fr-FR" dirty="0"/>
               <a:t> </a:t>
             </a:r>
             <a:r>
-              <a:rPr lang="fr-FR" dirty="0" err="1" smtClean="0"/>
+              <a:rPr lang="fr-FR" dirty="0" err="1"/>
               <a:t>Manual</a:t>
             </a:r>
-            <a:endParaRPr lang="fr-FR" dirty="0" smtClean="0"/>
-          </a:p>
-          <a:p>
-            <a:r>
-              <a:rPr lang="fr-FR" dirty="0" smtClean="0"/>
+            <a:endParaRPr lang="fr-FR" dirty="0"/>
+          </a:p>
+          <a:p>
+            <a:r>
+              <a:rPr lang="fr-FR" dirty="0"/>
               <a:t>1994 : Standard Template Library (STL)</a:t>
             </a:r>
           </a:p>
           <a:p>
             <a:r>
-              <a:rPr lang="fr-FR" dirty="0" smtClean="0"/>
+              <a:rPr lang="fr-FR" dirty="0"/>
               <a:t>1998 : C++98, 1</a:t>
             </a:r>
             <a:r>
-              <a:rPr lang="fr-FR" baseline="30000" dirty="0" smtClean="0"/>
+              <a:rPr lang="fr-FR" baseline="30000" dirty="0"/>
               <a:t>st</a:t>
             </a:r>
             <a:r>
-              <a:rPr lang="fr-FR" dirty="0" smtClean="0"/>
+              <a:rPr lang="fr-FR" dirty="0"/>
               <a:t> standard</a:t>
             </a:r>
           </a:p>
           <a:p>
-            <a:endParaRPr lang="fr-FR" dirty="0" smtClean="0"/>
+            <a:endParaRPr lang="fr-FR" dirty="0"/>
           </a:p>
         </p:txBody>
       </p:sp>
@@ -3500,11 +3488,11 @@
           <a:lstStyle/>
           <a:p>
             <a:r>
-              <a:rPr lang="fr-FR" dirty="0" smtClean="0"/>
+              <a:rPr lang="fr-FR" dirty="0"/>
               <a:t>C++ </a:t>
             </a:r>
             <a:r>
-              <a:rPr lang="fr-FR" dirty="0" err="1" smtClean="0"/>
+              <a:rPr lang="fr-FR" dirty="0" err="1"/>
               <a:t>History</a:t>
             </a:r>
             <a:endParaRPr lang="fr-FR" dirty="0"/>
@@ -3529,89 +3517,73 @@
           <a:lstStyle/>
           <a:p>
             <a:r>
-              <a:rPr lang="fr-FR" dirty="0" smtClean="0"/>
+              <a:rPr lang="fr-FR" dirty="0"/>
               <a:t>Standards :</a:t>
             </a:r>
           </a:p>
           <a:p>
             <a:pPr lvl="1"/>
             <a:r>
-              <a:rPr lang="fr-FR" dirty="0" smtClean="0"/>
+              <a:rPr lang="fr-FR" dirty="0"/>
               <a:t>1998 : ISO/IEC 14882:1998 ; C++98	</a:t>
             </a:r>
           </a:p>
           <a:p>
             <a:pPr lvl="1"/>
             <a:r>
-              <a:rPr lang="fr-FR" dirty="0" smtClean="0"/>
+              <a:rPr lang="fr-FR" dirty="0"/>
               <a:t>2003 : ISO/IEC 14882:2003 ; C++03 (98 bug </a:t>
             </a:r>
             <a:r>
-              <a:rPr lang="fr-FR" dirty="0" err="1" smtClean="0"/>
+              <a:rPr lang="fr-FR" dirty="0" err="1"/>
               <a:t>fix</a:t>
             </a:r>
             <a:r>
-              <a:rPr lang="fr-FR" dirty="0" smtClean="0"/>
+              <a:rPr lang="fr-FR" dirty="0"/>
               <a:t>)</a:t>
             </a:r>
           </a:p>
           <a:p>
             <a:pPr lvl="1"/>
             <a:r>
-              <a:rPr lang="fr-FR" dirty="0" smtClean="0"/>
+              <a:rPr lang="fr-FR" dirty="0"/>
               <a:t>2011 : ISO/IEC 14882:2011 ; C++11, C++0x</a:t>
             </a:r>
           </a:p>
           <a:p>
             <a:pPr lvl="1"/>
             <a:r>
-              <a:rPr lang="fr-FR" dirty="0" smtClean="0"/>
-              <a:t>2014 : </a:t>
-            </a:r>
-            <a:r>
-              <a:rPr lang="fr-FR" dirty="0"/>
-              <a:t>ISO/IEC </a:t>
-            </a:r>
-            <a:r>
-              <a:rPr lang="fr-FR" dirty="0" smtClean="0"/>
-              <a:t>14882:2014 ; C++14, C++1y</a:t>
+              <a:rPr lang="fr-FR" dirty="0"/>
+              <a:t>2014 : ISO/IEC 14882:2014 ; C++14, C++1y</a:t>
             </a:r>
           </a:p>
           <a:p>
             <a:pPr lvl="1"/>
             <a:r>
-              <a:rPr lang="fr-FR" dirty="0" smtClean="0"/>
-              <a:t>2017 : </a:t>
-            </a:r>
-            <a:r>
-              <a:rPr lang="fr-FR" dirty="0"/>
-              <a:t>ISO/IEC </a:t>
-            </a:r>
-            <a:r>
-              <a:rPr lang="fr-FR" dirty="0" smtClean="0"/>
-              <a:t>14882:2017 ; C++17, C++1z</a:t>
+              <a:rPr lang="fr-FR" dirty="0"/>
+              <a:t>2017 : ISO/IEC 14882:2017 ; C++17, C++1z</a:t>
             </a:r>
           </a:p>
           <a:p>
             <a:pPr lvl="1"/>
             <a:r>
-              <a:rPr lang="fr-FR" dirty="0" smtClean="0"/>
+              <a:rPr lang="fr-FR" dirty="0"/>
               <a:t>2020 : to </a:t>
             </a:r>
             <a:r>
-              <a:rPr lang="fr-FR" dirty="0" err="1" smtClean="0"/>
+              <a:rPr lang="fr-FR" dirty="0" err="1"/>
               <a:t>be</a:t>
             </a:r>
             <a:r>
-              <a:rPr lang="fr-FR" dirty="0" smtClean="0"/>
+              <a:rPr lang="fr-FR" dirty="0"/>
               <a:t> </a:t>
             </a:r>
             <a:r>
-              <a:rPr lang="fr-FR" dirty="0" err="1" smtClean="0"/>
+              <a:rPr lang="fr-FR" dirty="0" err="1"/>
               <a:t>determined</a:t>
             </a:r>
             <a:r>
-              <a:rPr lang="fr-FR" dirty="0" smtClean="0"/>
+              <a:rPr lang="fr-FR" dirty="0"/>
               <a:t> ; C++20, C++2a	</a:t>
             </a:r>
           </a:p>
@@ -3658,10 +3630,9 @@
           <a:lstStyle/>
           <a:p>
             <a:r>
-              <a:rPr lang="fr-FR" dirty="0" smtClean="0"/>
+              <a:rPr lang="fr-FR" dirty="0"/>
               <a:t>Microsoft Visual C++</a:t>
             </a:r>
-            <a:endParaRPr lang="fr-FR" dirty="0" smtClean="0"/>
           </a:p>
         </p:txBody>
       </p:sp>
@@ -3688,21 +3659,21 @@
           <a:lstStyle/>
           <a:p>
             <a:r>
-              <a:rPr lang="fr-FR" dirty="0" smtClean="0"/>
+              <a:rPr lang="fr-FR" dirty="0"/>
               <a:t>1989 : C 6.0 </a:t>
             </a:r>
             <a:r>
-              <a:rPr lang="fr-FR" dirty="0" err="1" smtClean="0"/>
+              <a:rPr lang="fr-FR" dirty="0" err="1"/>
               <a:t>included</a:t>
             </a:r>
             <a:r>
-              <a:rPr lang="fr-FR" dirty="0" smtClean="0"/>
+              <a:rPr lang="fr-FR" dirty="0"/>
               <a:t> C++ front end</a:t>
             </a:r>
           </a:p>
           <a:p>
             <a:r>
-              <a:rPr lang="fr-FR" dirty="0" smtClean="0"/>
+              <a:rPr lang="fr-FR" dirty="0"/>
               <a:t>1992 : C/C++ 7.0</a:t>
             </a:r>
           </a:p>
@@ -3712,38 +3683,34 @@
             </a:pPr>
             <a:r>
               <a:rPr lang="fr-FR" dirty="0"/>
-              <a:t>	</a:t>
-            </a:r>
-            <a:r>
-              <a:rPr lang="fr-FR" dirty="0" smtClean="0"/>
-              <a:t>	Microsoft </a:t>
-            </a:r>
-            <a:r>
-              <a:rPr lang="fr-FR" dirty="0" err="1" smtClean="0"/>
+              <a:t>		Microsoft </a:t>
+            </a:r>
+            <a:r>
+              <a:rPr lang="fr-FR" dirty="0" err="1"/>
               <a:t>Foundation</a:t>
             </a:r>
             <a:r>
-              <a:rPr lang="fr-FR" dirty="0" smtClean="0"/>
+              <a:rPr lang="fr-FR" dirty="0"/>
               <a:t> Class Library (MFC)</a:t>
             </a:r>
           </a:p>
           <a:p>
             <a:r>
-              <a:rPr lang="fr-FR" dirty="0" smtClean="0"/>
+              <a:rPr lang="fr-FR" dirty="0"/>
               <a:t>1993 : Visual C++ 1.0 </a:t>
             </a:r>
             <a:r>
-              <a:rPr lang="fr-FR" dirty="0" err="1" smtClean="0"/>
+              <a:rPr lang="fr-FR" dirty="0" err="1"/>
               <a:t>with</a:t>
             </a:r>
             <a:r>
-              <a:rPr lang="fr-FR" dirty="0" smtClean="0"/>
+              <a:rPr lang="fr-FR" dirty="0"/>
               <a:t> MFC 2.0</a:t>
             </a:r>
           </a:p>
           <a:p>
             <a:r>
-              <a:rPr lang="fr-FR" dirty="0" smtClean="0"/>
+              <a:rPr lang="fr-FR" dirty="0"/>
               <a:t>1998 : Visual C++ 6.0 / MFC 6.0</a:t>
             </a:r>
           </a:p>
@@ -3753,28 +3720,24 @@
             </a:pPr>
             <a:r>
               <a:rPr lang="fr-FR" dirty="0"/>
-              <a:t>	</a:t>
-            </a:r>
-            <a:r>
-              <a:rPr lang="fr-FR" dirty="0" smtClean="0"/>
-              <a:t>		…</a:t>
-            </a:r>
-          </a:p>
-          <a:p>
-            <a:r>
-              <a:rPr lang="fr-FR" dirty="0" smtClean="0"/>
+              <a:t>			…</a:t>
+            </a:r>
+          </a:p>
+          <a:p>
+            <a:r>
+              <a:rPr lang="fr-FR" dirty="0"/>
               <a:t>2015 : Visual C++ 2015 (C++ 14.0)</a:t>
             </a:r>
           </a:p>
           <a:p>
             <a:r>
-              <a:rPr lang="fr-FR" dirty="0" smtClean="0"/>
+              <a:rPr lang="fr-FR" dirty="0"/>
               <a:t>2017 : Visual C++ 2017 (C++ 14.1)</a:t>
             </a:r>
           </a:p>
           <a:p>
             <a:r>
-              <a:rPr lang="fr-FR" dirty="0" smtClean="0"/>
+              <a:rPr lang="fr-FR" dirty="0"/>
               <a:t>2019 : Visual C++ 2019 (C++ 14.2)</a:t>
             </a:r>
           </a:p>
@@ -3786,30 +3749,21 @@
               <a:buNone/>
             </a:pPr>
             <a:r>
-              <a:rPr lang="fr-FR" dirty="0" err="1" smtClean="0"/>
+              <a:rPr lang="fr-FR" dirty="0" err="1"/>
               <a:t>Each</a:t>
             </a:r>
             <a:r>
-              <a:rPr lang="fr-FR" dirty="0" smtClean="0"/>
+              <a:rPr lang="fr-FR" dirty="0"/>
               <a:t> version : </a:t>
             </a:r>
             <a:r>
-              <a:rPr lang="fr-FR" dirty="0" err="1" smtClean="0"/>
+              <a:rPr lang="fr-FR" dirty="0" err="1"/>
               <a:t>improved</a:t>
             </a:r>
             <a:r>
-              <a:rPr lang="fr-FR" dirty="0" smtClean="0"/>
-              <a:t> </a:t>
-            </a:r>
-            <a:r>
-              <a:rPr lang="fr-FR" dirty="0"/>
-              <a:t>C++11/14/17 </a:t>
-            </a:r>
-            <a:r>
-              <a:rPr lang="fr-FR" dirty="0" smtClean="0"/>
-              <a:t>support</a:t>
-            </a:r>
-            <a:endParaRPr lang="fr-FR" dirty="0"/>
+              <a:rPr lang="fr-FR" dirty="0"/>
+              <a:t> C++11/14/17 support</a:t>
+            </a:r>
           </a:p>
         </p:txBody>
       </p:sp>
@@ -3854,10 +3808,9 @@
           <a:lstStyle/>
           <a:p>
             <a:r>
-              <a:rPr lang="fr-FR" dirty="0" smtClean="0"/>
+              <a:rPr lang="fr-FR" dirty="0"/>
               <a:t>GNU C++ Compiler</a:t>
             </a:r>
-            <a:endParaRPr lang="fr-FR" dirty="0"/>
           </a:p>
         </p:txBody>
       </p:sp>
@@ -3880,97 +3833,97 @@
               <a:buNone/>
             </a:pPr>
             <a:r>
-              <a:rPr lang="fr-FR" dirty="0" smtClean="0"/>
+              <a:rPr lang="fr-FR" dirty="0"/>
               <a:t>Richard </a:t>
             </a:r>
             <a:r>
-              <a:rPr lang="fr-FR" dirty="0" err="1" smtClean="0"/>
+              <a:rPr lang="fr-FR" dirty="0" err="1"/>
               <a:t>Stallman</a:t>
             </a:r>
             <a:r>
-              <a:rPr lang="fr-FR" dirty="0" smtClean="0"/>
+              <a:rPr lang="fr-FR" dirty="0"/>
               <a:t> (Free Software </a:t>
             </a:r>
             <a:r>
-              <a:rPr lang="fr-FR" dirty="0" err="1" smtClean="0"/>
+              <a:rPr lang="fr-FR" dirty="0" err="1"/>
               <a:t>Foundation</a:t>
             </a:r>
             <a:r>
-              <a:rPr lang="fr-FR" dirty="0" smtClean="0"/>
+              <a:rPr lang="fr-FR" dirty="0"/>
               <a:t>)</a:t>
             </a:r>
           </a:p>
           <a:p>
             <a:r>
-              <a:rPr lang="fr-FR" dirty="0" smtClean="0"/>
+              <a:rPr lang="fr-FR" dirty="0"/>
               <a:t>1984 : 1st </a:t>
             </a:r>
             <a:r>
-              <a:rPr lang="fr-FR" dirty="0" err="1" smtClean="0"/>
+              <a:rPr lang="fr-FR" dirty="0" err="1"/>
               <a:t>edition</a:t>
             </a:r>
             <a:r>
-              <a:rPr lang="fr-FR" dirty="0" smtClean="0"/>
+              <a:rPr lang="fr-FR" dirty="0"/>
               <a:t> of </a:t>
             </a:r>
             <a:r>
-              <a:rPr lang="fr-FR" dirty="0" err="1" smtClean="0"/>
+              <a:rPr lang="fr-FR" dirty="0" err="1"/>
               <a:t>gcc</a:t>
             </a:r>
             <a:r>
-              <a:rPr lang="fr-FR" dirty="0" smtClean="0"/>
+              <a:rPr lang="fr-FR" dirty="0"/>
               <a:t>  : pascal</a:t>
             </a:r>
           </a:p>
           <a:p>
             <a:r>
-              <a:rPr lang="fr-FR" dirty="0" smtClean="0"/>
+              <a:rPr lang="fr-FR" dirty="0"/>
               <a:t>1986 : C</a:t>
             </a:r>
           </a:p>
           <a:p>
             <a:r>
-              <a:rPr lang="fr-FR" dirty="0" smtClean="0"/>
+              <a:rPr lang="fr-FR" dirty="0"/>
               <a:t>1987 : C++ by Michael </a:t>
             </a:r>
             <a:r>
-              <a:rPr lang="fr-FR" dirty="0" err="1" smtClean="0"/>
+              <a:rPr lang="fr-FR" dirty="0" err="1"/>
               <a:t>Tiemann</a:t>
             </a:r>
             <a:r>
-              <a:rPr lang="fr-FR" dirty="0" smtClean="0"/>
+              <a:rPr lang="fr-FR" dirty="0"/>
               <a:t>, g++</a:t>
             </a:r>
           </a:p>
           <a:p>
             <a:r>
-              <a:rPr lang="fr-FR" dirty="0" smtClean="0"/>
+              <a:rPr lang="fr-FR" dirty="0"/>
               <a:t>2019 : </a:t>
             </a:r>
             <a:r>
-              <a:rPr lang="fr-FR" dirty="0" err="1" smtClean="0"/>
+              <a:rPr lang="fr-FR" dirty="0" err="1"/>
               <a:t>gcc</a:t>
             </a:r>
             <a:r>
-              <a:rPr lang="fr-FR" dirty="0" smtClean="0"/>
+              <a:rPr lang="fr-FR" dirty="0"/>
               <a:t> 9.1</a:t>
             </a:r>
           </a:p>
           <a:p>
             <a:r>
-              <a:rPr lang="fr-FR" dirty="0" smtClean="0"/>
+              <a:rPr lang="fr-FR" dirty="0"/>
               <a:t>For </a:t>
             </a:r>
             <a:r>
-              <a:rPr lang="fr-FR" dirty="0" err="1" smtClean="0"/>
+              <a:rPr lang="fr-FR" dirty="0" err="1"/>
               <a:t>windows</a:t>
             </a:r>
             <a:r>
-              <a:rPr lang="fr-FR" dirty="0" smtClean="0"/>
+              <a:rPr lang="fr-FR" dirty="0"/>
               <a:t> : </a:t>
             </a:r>
             <a:r>
-              <a:rPr lang="fr-FR" dirty="0" err="1" smtClean="0"/>
+              <a:rPr lang="fr-FR" dirty="0" err="1"/>
               <a:t>MinGW</a:t>
             </a:r>
             <a:endParaRPr lang="fr-FR" dirty="0"/>
@@ -4044,8 +3997,12 @@
           <a:lstStyle/>
           <a:p>
             <a:r>
-              <a:rPr lang="fr-FR" dirty="0" smtClean="0"/>
-              <a:t>C++ Target</a:t>
+              <a:rPr lang="fr-FR" dirty="0"/>
+              <a:t>C++ </a:t>
+            </a:r>
+            <a:r>
+              <a:rPr lang="fr-FR" dirty="0" err="1"/>
+              <a:t>Resources</a:t>
             </a:r>
             <a:endParaRPr lang="fr-FR" dirty="0"/>
           </a:p>
@@ -4066,98 +4023,46 @@
           <a:bodyPr/>
           <a:lstStyle/>
           <a:p>
-            <a:r>
-              <a:rPr lang="fr-FR" dirty="0" smtClean="0"/>
-              <a:t>Operating </a:t>
-            </a:r>
-            <a:r>
-              <a:rPr lang="fr-FR" dirty="0" err="1" smtClean="0"/>
-              <a:t>systems</a:t>
-            </a:r>
-            <a:r>
-              <a:rPr lang="fr-FR" dirty="0" smtClean="0"/>
-              <a:t> : C </a:t>
-            </a:r>
-            <a:r>
-              <a:rPr lang="fr-FR" dirty="0" err="1" smtClean="0"/>
-              <a:t>with</a:t>
-            </a:r>
-            <a:r>
-              <a:rPr lang="fr-FR" dirty="0" smtClean="0"/>
-              <a:t> a few C++</a:t>
-            </a:r>
-          </a:p>
-          <a:p>
-            <a:r>
-              <a:rPr lang="fr-FR" dirty="0" err="1" smtClean="0"/>
-              <a:t>Graphical</a:t>
-            </a:r>
-            <a:r>
-              <a:rPr lang="fr-FR" dirty="0" smtClean="0"/>
-              <a:t> Interfaces</a:t>
-            </a:r>
-          </a:p>
-          <a:p>
-            <a:r>
-              <a:rPr lang="fr-FR" dirty="0" err="1" smtClean="0"/>
-              <a:t>Video</a:t>
-            </a:r>
-            <a:r>
-              <a:rPr lang="fr-FR" dirty="0" smtClean="0"/>
-              <a:t> </a:t>
-            </a:r>
-            <a:r>
-              <a:rPr lang="fr-FR" dirty="0" err="1" smtClean="0"/>
-              <a:t>Games</a:t>
-            </a:r>
-            <a:endParaRPr lang="fr-FR" dirty="0" smtClean="0"/>
-          </a:p>
-          <a:p>
-            <a:r>
-              <a:rPr lang="fr-FR" dirty="0" err="1" smtClean="0"/>
-              <a:t>Numerical</a:t>
-            </a:r>
-            <a:r>
-              <a:rPr lang="fr-FR" dirty="0" smtClean="0"/>
-              <a:t> </a:t>
-            </a:r>
-            <a:r>
-              <a:rPr lang="fr-FR" dirty="0" err="1" smtClean="0"/>
-              <a:t>Computing</a:t>
-            </a:r>
-            <a:endParaRPr lang="fr-FR" dirty="0" smtClean="0"/>
-          </a:p>
-          <a:p>
-            <a:r>
-              <a:rPr lang="fr-FR" dirty="0" smtClean="0"/>
-              <a:t>Java</a:t>
-            </a:r>
-          </a:p>
-          <a:p>
-            <a:r>
-              <a:rPr lang="fr-FR" dirty="0" smtClean="0"/>
-              <a:t>Python </a:t>
-            </a:r>
-            <a:r>
-              <a:rPr lang="fr-FR" dirty="0" err="1" smtClean="0"/>
-              <a:t>Interpreter</a:t>
-            </a:r>
-            <a:r>
-              <a:rPr lang="fr-FR" dirty="0" smtClean="0"/>
-              <a:t> and </a:t>
-            </a:r>
-            <a:r>
-              <a:rPr lang="fr-FR" dirty="0" err="1" smtClean="0"/>
-              <a:t>Libraries</a:t>
-            </a:r>
-            <a:endParaRPr lang="fr-FR" dirty="0" smtClean="0"/>
-          </a:p>
-          <a:p>
+            <a:pPr>
+              <a:buNone/>
+            </a:pPr>
+            <a:r>
+              <a:rPr lang="fr-FR" dirty="0"/>
+              <a:t>Web Sites :</a:t>
+            </a:r>
+          </a:p>
+          <a:p>
+            <a:r>
+              <a:rPr lang="fr-FR" dirty="0">
+                <a:hlinkClick r:id="rId2"/>
+              </a:rPr>
+              <a:t>http://www.cplusplus.com/reference/</a:t>
+            </a:r>
             <a:endParaRPr lang="fr-FR" dirty="0"/>
           </a:p>
+          <a:p>
+            <a:r>
+              <a:rPr lang="fr-FR" dirty="0">
+                <a:hlinkClick r:id="rId3"/>
+              </a:rPr>
+              <a:t>https://en.cppreference.com/w/</a:t>
+            </a:r>
+            <a:endParaRPr lang="fr-FR" dirty="0"/>
+          </a:p>
+          <a:p>
+            <a:pPr marL="0" indent="0">
+              <a:buNone/>
+            </a:pPr>
+            <a:endParaRPr lang="fr-FR" dirty="0"/>
+          </a:p>
         </p:txBody>
       </p:sp>
     </p:spTree>
+    <p:extLst>
+      <p:ext uri="{BB962C8B-B14F-4D97-AF65-F5344CB8AC3E}">
+        <p14:creationId xmlns:p14="http://schemas.microsoft.com/office/powerpoint/2010/main" val="2046117579"/>
+      </p:ext>
+    </p:extLst>
   </p:cSld>
   <p:clrMapOvr>
     <a:masterClrMapping/>
@@ -4198,10 +4103,162 @@
           <a:lstStyle/>
           <a:p>
             <a:r>
-              <a:rPr lang="fr-FR" dirty="0" smtClean="0"/>
+              <a:rPr lang="fr-FR" dirty="0"/>
+              <a:t>C++ Target</a:t>
+            </a:r>
+          </a:p>
+        </p:txBody>
+      </p:sp>
+      <p:sp>
+        <p:nvSpPr>
+          <p:cNvPr id="3" name="Espace réservé du contenu 2"/>
+          <p:cNvSpPr>
+            <a:spLocks noGrp="1"/>
+          </p:cNvSpPr>
+          <p:nvPr>
+            <p:ph idx="1"/>
+          </p:nvPr>
+        </p:nvSpPr>
+        <p:spPr/>
+        <p:txBody>
+          <a:bodyPr/>
+          <a:lstStyle/>
+          <a:p>
+            <a:r>
+              <a:rPr lang="fr-FR" dirty="0"/>
+              <a:t>Operating </a:t>
+            </a:r>
+            <a:r>
+              <a:rPr lang="fr-FR" dirty="0" err="1"/>
+              <a:t>systems</a:t>
+            </a:r>
+            <a:r>
+              <a:rPr lang="fr-FR" dirty="0"/>
+              <a:t> : C </a:t>
+            </a:r>
+            <a:r>
+              <a:rPr lang="fr-FR" dirty="0" err="1"/>
+              <a:t>with</a:t>
+            </a:r>
+            <a:r>
+              <a:rPr lang="fr-FR" dirty="0"/>
+              <a:t> a few C++</a:t>
+            </a:r>
+          </a:p>
+          <a:p>
+            <a:r>
+              <a:rPr lang="fr-FR" dirty="0" err="1"/>
+              <a:t>Graphical</a:t>
+            </a:r>
+            <a:r>
+              <a:rPr lang="fr-FR" dirty="0"/>
+              <a:t> Interfaces</a:t>
+            </a:r>
+          </a:p>
+          <a:p>
+            <a:r>
+              <a:rPr lang="fr-FR" dirty="0" err="1"/>
+              <a:t>Video</a:t>
+            </a:r>
+            <a:r>
+              <a:rPr lang="fr-FR" dirty="0"/>
+              <a:t> </a:t>
+            </a:r>
+            <a:r>
+              <a:rPr lang="fr-FR" dirty="0" err="1"/>
+              <a:t>Games</a:t>
+            </a:r>
+            <a:endParaRPr lang="fr-FR" dirty="0"/>
+          </a:p>
+          <a:p>
+            <a:r>
+              <a:rPr lang="fr-FR" dirty="0" err="1"/>
+              <a:t>Numerical</a:t>
+            </a:r>
+            <a:r>
+              <a:rPr lang="fr-FR" dirty="0"/>
+              <a:t> </a:t>
+            </a:r>
+            <a:r>
+              <a:rPr lang="fr-FR" dirty="0" err="1"/>
+              <a:t>Computing</a:t>
+            </a:r>
+            <a:endParaRPr lang="fr-FR" dirty="0"/>
+          </a:p>
+          <a:p>
+            <a:r>
+              <a:rPr lang="fr-FR" dirty="0"/>
+              <a:t>Java</a:t>
+            </a:r>
+          </a:p>
+          <a:p>
+            <a:r>
+              <a:rPr lang="fr-FR" dirty="0"/>
+              <a:t>Python </a:t>
+            </a:r>
+            <a:r>
+              <a:rPr lang="fr-FR" dirty="0" err="1"/>
+              <a:t>Interpreter</a:t>
+            </a:r>
+            <a:r>
+              <a:rPr lang="fr-FR" dirty="0"/>
+              <a:t> and </a:t>
+            </a:r>
+            <a:r>
+              <a:rPr lang="fr-FR" dirty="0" err="1"/>
+              <a:t>Libraries</a:t>
+            </a:r>
+            <a:endParaRPr lang="fr-FR" dirty="0"/>
+          </a:p>
+          <a:p>
+            <a:endParaRPr lang="fr-FR" dirty="0"/>
+          </a:p>
+        </p:txBody>
+      </p:sp>
+    </p:spTree>
+  </p:cSld>
+  <p:clrMapOvr>
+    <a:masterClrMapping/>
+  </p:clrMapOvr>
+</p:sld>
+</file>
+
+<file path=ppt/slides/slide9.xml><?xml version="1.0" encoding="utf-8"?>
+<p:sld xmlns:a="http://schemas.openxmlformats.org/drawingml/2006/main" xmlns:r="http://schemas.openxmlformats.org/officeDocument/2006/relationships" xmlns:p="http://schemas.openxmlformats.org/presentationml/2006/main">
+  <p:cSld>
+    <p:spTree>
+      <p:nvGrpSpPr>
+        <p:cNvPr id="1" name=""/>
+        <p:cNvGrpSpPr/>
+        <p:nvPr/>
+      </p:nvGrpSpPr>
+      <p:grpSpPr>
+        <a:xfrm>
+          <a:off x="0" y="0"/>
+          <a:ext cx="0" cy="0"/>
+          <a:chOff x="0" y="0"/>
+          <a:chExt cx="0" cy="0"/>
+        </a:xfrm>
+      </p:grpSpPr>
+      <p:sp>
+        <p:nvSpPr>
+          <p:cNvPr id="2" name="Titre 1"/>
+          <p:cNvSpPr>
+            <a:spLocks noGrp="1"/>
+          </p:cNvSpPr>
+          <p:nvPr>
+            <p:ph type="title"/>
+          </p:nvPr>
+        </p:nvSpPr>
+        <p:spPr/>
+        <p:txBody>
+          <a:bodyPr/>
+          <a:lstStyle/>
+          <a:p>
+            <a:r>
+              <a:rPr lang="fr-FR" dirty="0"/>
               <a:t>Hello World</a:t>
             </a:r>
-            <a:endParaRPr lang="fr-FR" dirty="0"/>
           </a:p>
         </p:txBody>
       </p:sp>
@@ -4226,23 +4283,23 @@
               <a:buNone/>
             </a:pPr>
             <a:r>
-              <a:rPr lang="fr-FR" dirty="0" smtClean="0"/>
+              <a:rPr lang="fr-FR" dirty="0"/>
               <a:t>#</a:t>
             </a:r>
             <a:r>
-              <a:rPr lang="fr-FR" dirty="0" err="1" smtClean="0"/>
+              <a:rPr lang="fr-FR" dirty="0" err="1"/>
               <a:t>include</a:t>
             </a:r>
             <a:r>
-              <a:rPr lang="fr-FR" dirty="0" smtClean="0"/>
+              <a:rPr lang="fr-FR" dirty="0"/>
               <a:t> &lt;</a:t>
             </a:r>
             <a:r>
-              <a:rPr lang="fr-FR" dirty="0" err="1" smtClean="0"/>
+              <a:rPr lang="fr-FR" dirty="0" err="1"/>
               <a:t>iostream</a:t>
             </a:r>
             <a:r>
-              <a:rPr lang="fr-FR" dirty="0" smtClean="0"/>
+              <a:rPr lang="fr-FR" dirty="0"/>
               <a:t>&gt;</a:t>
             </a:r>
           </a:p>
@@ -4258,30 +4315,26 @@
             </a:pPr>
             <a:r>
               <a:rPr lang="fr-FR" dirty="0" err="1"/>
-              <a:t>u</a:t>
-            </a:r>
-            <a:r>
-              <a:rPr lang="fr-FR" dirty="0" err="1" smtClean="0"/>
-              <a:t>sing</a:t>
-            </a:r>
-            <a:r>
-              <a:rPr lang="fr-FR" dirty="0" smtClean="0"/>
+              <a:t>using</a:t>
+            </a:r>
+            <a:r>
+              <a:rPr lang="fr-FR" dirty="0"/>
               <a:t> </a:t>
             </a:r>
             <a:r>
-              <a:rPr lang="fr-FR" dirty="0" err="1" smtClean="0"/>
+              <a:rPr lang="fr-FR" dirty="0" err="1"/>
               <a:t>namespace</a:t>
             </a:r>
             <a:r>
-              <a:rPr lang="fr-FR" dirty="0" smtClean="0"/>
+              <a:rPr lang="fr-FR" dirty="0"/>
               <a:t> </a:t>
             </a:r>
             <a:r>
-              <a:rPr lang="fr-FR" dirty="0" err="1" smtClean="0"/>
+              <a:rPr lang="fr-FR" dirty="0" err="1"/>
               <a:t>std</a:t>
             </a:r>
             <a:r>
-              <a:rPr lang="fr-FR" dirty="0" smtClean="0"/>
+              <a:rPr lang="fr-FR" dirty="0"/>
               <a:t>;</a:t>
             </a:r>
           </a:p>
@@ -4289,18 +4342,18 @@
             <a:pPr>
               <a:buNone/>
             </a:pPr>
-            <a:endParaRPr lang="fr-FR" dirty="0" smtClean="0"/>
+            <a:endParaRPr lang="fr-FR" dirty="0"/>
           </a:p>
           <a:p>
             <a:pPr>
               <a:buNone/>
             </a:pPr>
             <a:r>
-              <a:rPr lang="fr-FR" dirty="0" err="1" smtClean="0"/>
+              <a:rPr lang="fr-FR" dirty="0" err="1"/>
               <a:t>int</a:t>
             </a:r>
             <a:r>
-              <a:rPr lang="fr-FR" dirty="0" smtClean="0"/>
+              <a:rPr lang="fr-FR" dirty="0"/>
               <a:t> main() {</a:t>
             </a:r>
           </a:p>
@@ -4310,18 +4363,14 @@
             </a:pPr>
             <a:r>
               <a:rPr lang="fr-FR" dirty="0"/>
-              <a:t>	</a:t>
-            </a:r>
-            <a:r>
-              <a:rPr lang="fr-FR" dirty="0" smtClean="0"/>
-              <a:t>cout &lt;&lt; "Hello World !" &lt;&lt; </a:t>
-            </a:r>
-            <a:r>
-              <a:rPr lang="fr-FR" dirty="0" err="1" smtClean="0"/>
+              <a:t>	cout &lt;&lt; "Hello World !" &lt;&lt; </a:t>
+            </a:r>
+            <a:r>
+              <a:rPr lang="fr-FR" dirty="0" err="1"/>
               <a:t>endl</a:t>
             </a:r>
             <a:r>
-              <a:rPr lang="fr-FR" dirty="0" smtClean="0"/>
+              <a:rPr lang="fr-FR" dirty="0"/>
               <a:t>;</a:t>
             </a:r>
           </a:p>
@@ -4331,11 +4380,7 @@
             </a:pPr>
             <a:r>
               <a:rPr lang="fr-FR" dirty="0"/>
-              <a:t>	</a:t>
-            </a:r>
-            <a:r>
-              <a:rPr lang="fr-FR" dirty="0" smtClean="0"/>
-              <a:t>return 0;</a:t>
+              <a:t>	return 0;</a:t>
             </a:r>
           </a:p>
           <a:p>

--- a/CPP.pptx
+++ b/CPP.pptx
@@ -14,6 +14,18 @@
     <p:sldId id="264" r:id="rId8"/>
     <p:sldId id="262" r:id="rId9"/>
     <p:sldId id="263" r:id="rId10"/>
+    <p:sldId id="265" r:id="rId11"/>
+    <p:sldId id="266" r:id="rId12"/>
+    <p:sldId id="267" r:id="rId13"/>
+    <p:sldId id="268" r:id="rId14"/>
+    <p:sldId id="269" r:id="rId15"/>
+    <p:sldId id="270" r:id="rId16"/>
+    <p:sldId id="271" r:id="rId17"/>
+    <p:sldId id="272" r:id="rId18"/>
+    <p:sldId id="273" r:id="rId19"/>
+    <p:sldId id="274" r:id="rId20"/>
+    <p:sldId id="275" r:id="rId21"/>
+    <p:sldId id="276" r:id="rId22"/>
   </p:sldIdLst>
   <p:sldSz cx="9144000" cy="6858000" type="screen4x3"/>
   <p:notesSz cx="6858000" cy="9144000"/>
@@ -3103,6 +3115,2180 @@
 </p:sld>
 </file>
 
+<file path=ppt/slides/slide10.xml><?xml version="1.0" encoding="utf-8"?>
+<p:sld xmlns:a="http://schemas.openxmlformats.org/drawingml/2006/main" xmlns:r="http://schemas.openxmlformats.org/officeDocument/2006/relationships" xmlns:p="http://schemas.openxmlformats.org/presentationml/2006/main">
+  <p:cSld>
+    <p:spTree>
+      <p:nvGrpSpPr>
+        <p:cNvPr id="1" name=""/>
+        <p:cNvGrpSpPr/>
+        <p:nvPr/>
+      </p:nvGrpSpPr>
+      <p:grpSpPr>
+        <a:xfrm>
+          <a:off x="0" y="0"/>
+          <a:ext cx="0" cy="0"/>
+          <a:chOff x="0" y="0"/>
+          <a:chExt cx="0" cy="0"/>
+        </a:xfrm>
+      </p:grpSpPr>
+      <p:sp>
+        <p:nvSpPr>
+          <p:cNvPr id="2" name="Titre 1">
+            <a:extLst>
+              <a:ext uri="{FF2B5EF4-FFF2-40B4-BE49-F238E27FC236}">
+                <a16:creationId xmlns:a16="http://schemas.microsoft.com/office/drawing/2014/main" id="{A110B818-8BD3-4F42-AA96-B8D886B8FE92}"/>
+              </a:ext>
+            </a:extLst>
+          </p:cNvPr>
+          <p:cNvSpPr>
+            <a:spLocks noGrp="1"/>
+          </p:cNvSpPr>
+          <p:nvPr>
+            <p:ph type="title"/>
+          </p:nvPr>
+        </p:nvSpPr>
+        <p:spPr/>
+        <p:txBody>
+          <a:bodyPr/>
+          <a:lstStyle/>
+          <a:p>
+            <a:r>
+              <a:rPr lang="fr-FR" dirty="0"/>
+              <a:t>Variable</a:t>
+            </a:r>
+          </a:p>
+        </p:txBody>
+      </p:sp>
+      <p:sp>
+        <p:nvSpPr>
+          <p:cNvPr id="3" name="Espace réservé du contenu 2">
+            <a:extLst>
+              <a:ext uri="{FF2B5EF4-FFF2-40B4-BE49-F238E27FC236}">
+                <a16:creationId xmlns:a16="http://schemas.microsoft.com/office/drawing/2014/main" id="{6EFF322C-6999-40E7-B70E-18D9E2C4A9A3}"/>
+              </a:ext>
+            </a:extLst>
+          </p:cNvPr>
+          <p:cNvSpPr>
+            <a:spLocks noGrp="1"/>
+          </p:cNvSpPr>
+          <p:nvPr>
+            <p:ph idx="1"/>
+          </p:nvPr>
+        </p:nvSpPr>
+        <p:spPr>
+          <a:xfrm>
+            <a:off x="457200" y="1600200"/>
+            <a:ext cx="8229600" cy="4983162"/>
+          </a:xfrm>
+        </p:spPr>
+        <p:txBody>
+          <a:bodyPr/>
+          <a:lstStyle/>
+          <a:p>
+            <a:r>
+              <a:rPr lang="fr-FR" dirty="0"/>
+              <a:t>Numériques</a:t>
+            </a:r>
+          </a:p>
+          <a:p>
+            <a:pPr marL="0" indent="0">
+              <a:buNone/>
+            </a:pPr>
+            <a:r>
+              <a:rPr lang="fr-FR" dirty="0"/>
+              <a:t>	Ex :   </a:t>
+            </a:r>
+            <a:r>
+              <a:rPr lang="fr-FR" dirty="0" err="1"/>
+              <a:t>int</a:t>
+            </a:r>
+            <a:r>
+              <a:rPr lang="fr-FR" dirty="0"/>
+              <a:t> prix;</a:t>
+            </a:r>
+          </a:p>
+          <a:p>
+            <a:pPr marL="0" indent="0">
+              <a:buNone/>
+            </a:pPr>
+            <a:r>
+              <a:rPr lang="fr-FR" dirty="0"/>
+              <a:t>		prix = 19;</a:t>
+            </a:r>
+          </a:p>
+          <a:p>
+            <a:pPr marL="0" indent="0">
+              <a:buNone/>
+            </a:pPr>
+            <a:r>
+              <a:rPr lang="fr-FR" dirty="0"/>
+              <a:t>	Machine : 00010011</a:t>
+            </a:r>
+          </a:p>
+          <a:p>
+            <a:pPr marL="0" indent="0">
+              <a:buNone/>
+            </a:pPr>
+            <a:r>
+              <a:rPr lang="fr-FR" dirty="0"/>
+              <a:t>	8 bits : 2^8=256</a:t>
+            </a:r>
+          </a:p>
+          <a:p>
+            <a:pPr marL="0" indent="0">
+              <a:buNone/>
+            </a:pPr>
+            <a:r>
+              <a:rPr lang="fr-FR" dirty="0"/>
+              <a:t>	=&gt; 0 à 255 ou -128 à 127</a:t>
+            </a:r>
+          </a:p>
+          <a:p>
+            <a:pPr marL="0" indent="0">
+              <a:buNone/>
+            </a:pPr>
+            <a:r>
+              <a:rPr lang="fr-FR" dirty="0"/>
+              <a:t>	32 bits : 2^32 "=" 4G</a:t>
+            </a:r>
+          </a:p>
+        </p:txBody>
+      </p:sp>
+      <p:cxnSp>
+        <p:nvCxnSpPr>
+          <p:cNvPr id="5" name="Connecteur droit avec flèche 4">
+            <a:extLst>
+              <a:ext uri="{FF2B5EF4-FFF2-40B4-BE49-F238E27FC236}">
+                <a16:creationId xmlns:a16="http://schemas.microsoft.com/office/drawing/2014/main" id="{46F60346-24AA-46D6-884D-D87C0C4DE399}"/>
+              </a:ext>
+            </a:extLst>
+          </p:cNvPr>
+          <p:cNvCxnSpPr/>
+          <p:nvPr/>
+        </p:nvCxnSpPr>
+        <p:spPr>
+          <a:xfrm>
+            <a:off x="971600" y="5949280"/>
+            <a:ext cx="7272808" cy="72008"/>
+          </a:xfrm>
+          <a:prstGeom prst="straightConnector1">
+            <a:avLst/>
+          </a:prstGeom>
+          <a:ln>
+            <a:tailEnd type="triangle"/>
+          </a:ln>
+        </p:spPr>
+        <p:style>
+          <a:lnRef idx="1">
+            <a:schemeClr val="accent2"/>
+          </a:lnRef>
+          <a:fillRef idx="0">
+            <a:schemeClr val="accent2"/>
+          </a:fillRef>
+          <a:effectRef idx="0">
+            <a:schemeClr val="accent2"/>
+          </a:effectRef>
+          <a:fontRef idx="minor">
+            <a:schemeClr val="tx1"/>
+          </a:fontRef>
+        </p:style>
+      </p:cxnSp>
+      <p:cxnSp>
+        <p:nvCxnSpPr>
+          <p:cNvPr id="7" name="Connecteur droit 6">
+            <a:extLst>
+              <a:ext uri="{FF2B5EF4-FFF2-40B4-BE49-F238E27FC236}">
+                <a16:creationId xmlns:a16="http://schemas.microsoft.com/office/drawing/2014/main" id="{6ACCD11F-3406-4DC8-9200-E03051D13D5E}"/>
+              </a:ext>
+            </a:extLst>
+          </p:cNvPr>
+          <p:cNvCxnSpPr/>
+          <p:nvPr/>
+        </p:nvCxnSpPr>
+        <p:spPr>
+          <a:xfrm>
+            <a:off x="1547664" y="5733256"/>
+            <a:ext cx="0" cy="504056"/>
+          </a:xfrm>
+          <a:prstGeom prst="line">
+            <a:avLst/>
+          </a:prstGeom>
+        </p:spPr>
+        <p:style>
+          <a:lnRef idx="1">
+            <a:schemeClr val="accent1"/>
+          </a:lnRef>
+          <a:fillRef idx="0">
+            <a:schemeClr val="accent1"/>
+          </a:fillRef>
+          <a:effectRef idx="0">
+            <a:schemeClr val="accent1"/>
+          </a:effectRef>
+          <a:fontRef idx="minor">
+            <a:schemeClr val="tx1"/>
+          </a:fontRef>
+        </p:style>
+      </p:cxnSp>
+      <p:cxnSp>
+        <p:nvCxnSpPr>
+          <p:cNvPr id="9" name="Connecteur droit 8">
+            <a:extLst>
+              <a:ext uri="{FF2B5EF4-FFF2-40B4-BE49-F238E27FC236}">
+                <a16:creationId xmlns:a16="http://schemas.microsoft.com/office/drawing/2014/main" id="{084E009D-E71A-45B4-AAD1-B4A6373DF0BE}"/>
+              </a:ext>
+            </a:extLst>
+          </p:cNvPr>
+          <p:cNvCxnSpPr/>
+          <p:nvPr/>
+        </p:nvCxnSpPr>
+        <p:spPr>
+          <a:xfrm>
+            <a:off x="7236296" y="5733256"/>
+            <a:ext cx="0" cy="504056"/>
+          </a:xfrm>
+          <a:prstGeom prst="line">
+            <a:avLst/>
+          </a:prstGeom>
+        </p:spPr>
+        <p:style>
+          <a:lnRef idx="1">
+            <a:schemeClr val="accent1"/>
+          </a:lnRef>
+          <a:fillRef idx="0">
+            <a:schemeClr val="accent1"/>
+          </a:fillRef>
+          <a:effectRef idx="0">
+            <a:schemeClr val="accent1"/>
+          </a:effectRef>
+          <a:fontRef idx="minor">
+            <a:schemeClr val="tx1"/>
+          </a:fontRef>
+        </p:style>
+      </p:cxnSp>
+      <p:sp>
+        <p:nvSpPr>
+          <p:cNvPr id="10" name="ZoneTexte 9">
+            <a:extLst>
+              <a:ext uri="{FF2B5EF4-FFF2-40B4-BE49-F238E27FC236}">
+                <a16:creationId xmlns:a16="http://schemas.microsoft.com/office/drawing/2014/main" id="{7E8FEB56-1AB2-45A4-943F-9D301AAD48DB}"/>
+              </a:ext>
+            </a:extLst>
+          </p:cNvPr>
+          <p:cNvSpPr txBox="1"/>
+          <p:nvPr/>
+        </p:nvSpPr>
+        <p:spPr>
+          <a:xfrm>
+            <a:off x="3923928" y="5589240"/>
+            <a:ext cx="648069" cy="369332"/>
+          </a:xfrm>
+          <a:prstGeom prst="rect">
+            <a:avLst/>
+          </a:prstGeom>
+          <a:noFill/>
+        </p:spPr>
+        <p:txBody>
+          <a:bodyPr wrap="square" rtlCol="0">
+            <a:spAutoFit/>
+          </a:bodyPr>
+          <a:lstStyle/>
+          <a:p>
+            <a:r>
+              <a:rPr lang="fr-FR" dirty="0"/>
+              <a:t>0</a:t>
+            </a:r>
+          </a:p>
+        </p:txBody>
+      </p:sp>
+    </p:spTree>
+    <p:extLst>
+      <p:ext uri="{BB962C8B-B14F-4D97-AF65-F5344CB8AC3E}">
+        <p14:creationId xmlns:p14="http://schemas.microsoft.com/office/powerpoint/2010/main" val="1189537024"/>
+      </p:ext>
+    </p:extLst>
+  </p:cSld>
+  <p:clrMapOvr>
+    <a:masterClrMapping/>
+  </p:clrMapOvr>
+</p:sld>
+</file>
+
+<file path=ppt/slides/slide11.xml><?xml version="1.0" encoding="utf-8"?>
+<p:sld xmlns:a="http://schemas.openxmlformats.org/drawingml/2006/main" xmlns:r="http://schemas.openxmlformats.org/officeDocument/2006/relationships" xmlns:p="http://schemas.openxmlformats.org/presentationml/2006/main">
+  <p:cSld>
+    <p:spTree>
+      <p:nvGrpSpPr>
+        <p:cNvPr id="1" name=""/>
+        <p:cNvGrpSpPr/>
+        <p:nvPr/>
+      </p:nvGrpSpPr>
+      <p:grpSpPr>
+        <a:xfrm>
+          <a:off x="0" y="0"/>
+          <a:ext cx="0" cy="0"/>
+          <a:chOff x="0" y="0"/>
+          <a:chExt cx="0" cy="0"/>
+        </a:xfrm>
+      </p:grpSpPr>
+      <p:sp>
+        <p:nvSpPr>
+          <p:cNvPr id="2" name="Titre 1">
+            <a:extLst>
+              <a:ext uri="{FF2B5EF4-FFF2-40B4-BE49-F238E27FC236}">
+                <a16:creationId xmlns:a16="http://schemas.microsoft.com/office/drawing/2014/main" id="{4D03178F-34DC-4AB6-9752-31B3A34F990E}"/>
+              </a:ext>
+            </a:extLst>
+          </p:cNvPr>
+          <p:cNvSpPr>
+            <a:spLocks noGrp="1"/>
+          </p:cNvSpPr>
+          <p:nvPr>
+            <p:ph type="title"/>
+          </p:nvPr>
+        </p:nvSpPr>
+        <p:spPr/>
+        <p:txBody>
+          <a:bodyPr/>
+          <a:lstStyle/>
+          <a:p>
+            <a:r>
+              <a:rPr lang="fr-FR" dirty="0" err="1"/>
+              <a:t>Integers</a:t>
+            </a:r>
+            <a:endParaRPr lang="fr-FR" dirty="0"/>
+          </a:p>
+        </p:txBody>
+      </p:sp>
+      <p:sp>
+        <p:nvSpPr>
+          <p:cNvPr id="3" name="Espace réservé du contenu 2">
+            <a:extLst>
+              <a:ext uri="{FF2B5EF4-FFF2-40B4-BE49-F238E27FC236}">
+                <a16:creationId xmlns:a16="http://schemas.microsoft.com/office/drawing/2014/main" id="{994AC5CA-D315-4CBF-95BC-D41DBF913F3E}"/>
+              </a:ext>
+            </a:extLst>
+          </p:cNvPr>
+          <p:cNvSpPr>
+            <a:spLocks noGrp="1"/>
+          </p:cNvSpPr>
+          <p:nvPr>
+            <p:ph idx="1"/>
+          </p:nvPr>
+        </p:nvSpPr>
+        <p:spPr/>
+        <p:txBody>
+          <a:bodyPr/>
+          <a:lstStyle/>
+          <a:p>
+            <a:r>
+              <a:rPr lang="fr-FR" dirty="0"/>
+              <a:t>short : 16</a:t>
+            </a:r>
+          </a:p>
+          <a:p>
+            <a:r>
+              <a:rPr lang="fr-FR" dirty="0" err="1"/>
+              <a:t>int</a:t>
+            </a:r>
+            <a:r>
+              <a:rPr lang="fr-FR" dirty="0"/>
+              <a:t> : 32</a:t>
+            </a:r>
+          </a:p>
+          <a:p>
+            <a:r>
+              <a:rPr lang="fr-FR" dirty="0"/>
+              <a:t>long : 32</a:t>
+            </a:r>
+          </a:p>
+          <a:p>
+            <a:r>
+              <a:rPr lang="fr-FR" dirty="0"/>
+              <a:t>long </a:t>
+            </a:r>
+            <a:r>
+              <a:rPr lang="fr-FR" dirty="0" err="1"/>
+              <a:t>long</a:t>
+            </a:r>
+            <a:r>
+              <a:rPr lang="fr-FR" dirty="0"/>
+              <a:t> : 64</a:t>
+            </a:r>
+          </a:p>
+          <a:p>
+            <a:r>
+              <a:rPr lang="fr-FR" dirty="0" err="1"/>
+              <a:t>signed</a:t>
+            </a:r>
+            <a:r>
+              <a:rPr lang="fr-FR" dirty="0"/>
+              <a:t> (default) /</a:t>
+            </a:r>
+            <a:r>
+              <a:rPr lang="fr-FR" dirty="0" err="1"/>
+              <a:t>unsigned</a:t>
+            </a:r>
+            <a:endParaRPr lang="fr-FR" dirty="0"/>
+          </a:p>
+          <a:p>
+            <a:r>
+              <a:rPr lang="fr-FR" dirty="0"/>
+              <a:t>int8, int16, int32, int64 </a:t>
+            </a:r>
+          </a:p>
+        </p:txBody>
+      </p:sp>
+    </p:spTree>
+    <p:extLst>
+      <p:ext uri="{BB962C8B-B14F-4D97-AF65-F5344CB8AC3E}">
+        <p14:creationId xmlns:p14="http://schemas.microsoft.com/office/powerpoint/2010/main" val="2903623376"/>
+      </p:ext>
+    </p:extLst>
+  </p:cSld>
+  <p:clrMapOvr>
+    <a:masterClrMapping/>
+  </p:clrMapOvr>
+</p:sld>
+</file>
+
+<file path=ppt/slides/slide12.xml><?xml version="1.0" encoding="utf-8"?>
+<p:sld xmlns:a="http://schemas.openxmlformats.org/drawingml/2006/main" xmlns:r="http://schemas.openxmlformats.org/officeDocument/2006/relationships" xmlns:p="http://schemas.openxmlformats.org/presentationml/2006/main">
+  <p:cSld>
+    <p:spTree>
+      <p:nvGrpSpPr>
+        <p:cNvPr id="1" name=""/>
+        <p:cNvGrpSpPr/>
+        <p:nvPr/>
+      </p:nvGrpSpPr>
+      <p:grpSpPr>
+        <a:xfrm>
+          <a:off x="0" y="0"/>
+          <a:ext cx="0" cy="0"/>
+          <a:chOff x="0" y="0"/>
+          <a:chExt cx="0" cy="0"/>
+        </a:xfrm>
+      </p:grpSpPr>
+      <p:sp>
+        <p:nvSpPr>
+          <p:cNvPr id="2" name="Titre 1">
+            <a:extLst>
+              <a:ext uri="{FF2B5EF4-FFF2-40B4-BE49-F238E27FC236}">
+                <a16:creationId xmlns:a16="http://schemas.microsoft.com/office/drawing/2014/main" id="{E16DAD9C-62FA-46BC-AC96-1E9DF13211C5}"/>
+              </a:ext>
+            </a:extLst>
+          </p:cNvPr>
+          <p:cNvSpPr>
+            <a:spLocks noGrp="1"/>
+          </p:cNvSpPr>
+          <p:nvPr>
+            <p:ph type="title"/>
+          </p:nvPr>
+        </p:nvSpPr>
+        <p:spPr/>
+        <p:txBody>
+          <a:bodyPr/>
+          <a:lstStyle/>
+          <a:p>
+            <a:r>
+              <a:rPr lang="fr-FR" dirty="0" err="1"/>
+              <a:t>Floats</a:t>
+            </a:r>
+            <a:endParaRPr lang="fr-FR" dirty="0"/>
+          </a:p>
+        </p:txBody>
+      </p:sp>
+      <p:sp>
+        <p:nvSpPr>
+          <p:cNvPr id="3" name="Espace réservé du contenu 2">
+            <a:extLst>
+              <a:ext uri="{FF2B5EF4-FFF2-40B4-BE49-F238E27FC236}">
+                <a16:creationId xmlns:a16="http://schemas.microsoft.com/office/drawing/2014/main" id="{8FF117C9-B279-41CE-8554-1BCFD9CC4EA6}"/>
+              </a:ext>
+            </a:extLst>
+          </p:cNvPr>
+          <p:cNvSpPr>
+            <a:spLocks noGrp="1"/>
+          </p:cNvSpPr>
+          <p:nvPr>
+            <p:ph idx="1"/>
+          </p:nvPr>
+        </p:nvSpPr>
+        <p:spPr/>
+        <p:txBody>
+          <a:bodyPr>
+            <a:normAutofit fontScale="92500" lnSpcReduction="20000"/>
+          </a:bodyPr>
+          <a:lstStyle/>
+          <a:p>
+            <a:r>
+              <a:rPr lang="fr-FR" dirty="0"/>
+              <a:t>double prix = 9.99</a:t>
+            </a:r>
+          </a:p>
+          <a:p>
+            <a:endParaRPr lang="fr-FR" dirty="0"/>
+          </a:p>
+          <a:p>
+            <a:endParaRPr lang="fr-FR" dirty="0"/>
+          </a:p>
+          <a:p>
+            <a:pPr marL="0" indent="0">
+              <a:buNone/>
+            </a:pPr>
+            <a:r>
+              <a:rPr lang="fr-FR" dirty="0"/>
+              <a:t>      S        E (8/11)           M (23/52)</a:t>
+            </a:r>
+          </a:p>
+          <a:p>
+            <a:r>
+              <a:rPr lang="fr-FR" dirty="0"/>
+              <a:t>double (64 bits)</a:t>
+            </a:r>
+          </a:p>
+          <a:p>
+            <a:r>
+              <a:rPr lang="fr-FR" dirty="0" err="1"/>
+              <a:t>float</a:t>
+            </a:r>
+            <a:r>
+              <a:rPr lang="fr-FR" dirty="0"/>
+              <a:t> (32 bits)</a:t>
+            </a:r>
+          </a:p>
+          <a:p>
+            <a:r>
+              <a:rPr lang="fr-FR" dirty="0"/>
+              <a:t>Cas spéciaux : +/- </a:t>
+            </a:r>
+            <a:r>
+              <a:rPr lang="fr-FR" dirty="0" err="1"/>
+              <a:t>inf</a:t>
+            </a:r>
+            <a:r>
+              <a:rPr lang="fr-FR" dirty="0"/>
+              <a:t>, nan</a:t>
+            </a:r>
+          </a:p>
+          <a:p>
+            <a:r>
+              <a:rPr lang="fr-FR" dirty="0"/>
+              <a:t>IEEE 754</a:t>
+            </a:r>
+          </a:p>
+          <a:p>
+            <a:r>
+              <a:rPr lang="fr-FR" dirty="0"/>
+              <a:t>0,1 (10) = 0,00011 (2)</a:t>
+            </a:r>
+          </a:p>
+        </p:txBody>
+      </p:sp>
+      <p:sp>
+        <p:nvSpPr>
+          <p:cNvPr id="4" name="Rectangle 3">
+            <a:extLst>
+              <a:ext uri="{FF2B5EF4-FFF2-40B4-BE49-F238E27FC236}">
+                <a16:creationId xmlns:a16="http://schemas.microsoft.com/office/drawing/2014/main" id="{B17C2A8D-DDA3-40EF-816B-F0081D925FA4}"/>
+              </a:ext>
+            </a:extLst>
+          </p:cNvPr>
+          <p:cNvSpPr/>
+          <p:nvPr/>
+        </p:nvSpPr>
+        <p:spPr>
+          <a:xfrm>
+            <a:off x="899592" y="2132856"/>
+            <a:ext cx="7200800" cy="792088"/>
+          </a:xfrm>
+          <a:prstGeom prst="rect">
+            <a:avLst/>
+          </a:prstGeom>
+        </p:spPr>
+        <p:style>
+          <a:lnRef idx="2">
+            <a:schemeClr val="accent1">
+              <a:shade val="50000"/>
+            </a:schemeClr>
+          </a:lnRef>
+          <a:fillRef idx="1">
+            <a:schemeClr val="accent1"/>
+          </a:fillRef>
+          <a:effectRef idx="0">
+            <a:schemeClr val="accent1"/>
+          </a:effectRef>
+          <a:fontRef idx="minor">
+            <a:schemeClr val="lt1"/>
+          </a:fontRef>
+        </p:style>
+        <p:txBody>
+          <a:bodyPr rtlCol="0" anchor="ctr"/>
+          <a:lstStyle/>
+          <a:p>
+            <a:pPr algn="ctr"/>
+            <a:endParaRPr lang="fr-FR"/>
+          </a:p>
+        </p:txBody>
+      </p:sp>
+      <p:cxnSp>
+        <p:nvCxnSpPr>
+          <p:cNvPr id="6" name="Connecteur droit 5">
+            <a:extLst>
+              <a:ext uri="{FF2B5EF4-FFF2-40B4-BE49-F238E27FC236}">
+                <a16:creationId xmlns:a16="http://schemas.microsoft.com/office/drawing/2014/main" id="{277D4FFD-BB1E-4D55-BC2C-8E0A737A1AED}"/>
+              </a:ext>
+            </a:extLst>
+          </p:cNvPr>
+          <p:cNvCxnSpPr/>
+          <p:nvPr/>
+        </p:nvCxnSpPr>
+        <p:spPr>
+          <a:xfrm>
+            <a:off x="1331640" y="2420888"/>
+            <a:ext cx="0" cy="792088"/>
+          </a:xfrm>
+          <a:prstGeom prst="line">
+            <a:avLst/>
+          </a:prstGeom>
+          <a:ln/>
+        </p:spPr>
+        <p:style>
+          <a:lnRef idx="1">
+            <a:schemeClr val="accent2"/>
+          </a:lnRef>
+          <a:fillRef idx="0">
+            <a:schemeClr val="accent2"/>
+          </a:fillRef>
+          <a:effectRef idx="0">
+            <a:schemeClr val="accent2"/>
+          </a:effectRef>
+          <a:fontRef idx="minor">
+            <a:schemeClr val="tx1"/>
+          </a:fontRef>
+        </p:style>
+      </p:cxnSp>
+      <p:cxnSp>
+        <p:nvCxnSpPr>
+          <p:cNvPr id="8" name="Connecteur droit 7">
+            <a:extLst>
+              <a:ext uri="{FF2B5EF4-FFF2-40B4-BE49-F238E27FC236}">
+                <a16:creationId xmlns:a16="http://schemas.microsoft.com/office/drawing/2014/main" id="{6DAD86E4-1BE4-452A-AC2E-AADAF9C0AC1B}"/>
+              </a:ext>
+            </a:extLst>
+          </p:cNvPr>
+          <p:cNvCxnSpPr/>
+          <p:nvPr/>
+        </p:nvCxnSpPr>
+        <p:spPr>
+          <a:xfrm>
+            <a:off x="3707904" y="2420888"/>
+            <a:ext cx="0" cy="792088"/>
+          </a:xfrm>
+          <a:prstGeom prst="line">
+            <a:avLst/>
+          </a:prstGeom>
+        </p:spPr>
+        <p:style>
+          <a:lnRef idx="1">
+            <a:schemeClr val="accent2"/>
+          </a:lnRef>
+          <a:fillRef idx="0">
+            <a:schemeClr val="accent2"/>
+          </a:fillRef>
+          <a:effectRef idx="0">
+            <a:schemeClr val="accent2"/>
+          </a:effectRef>
+          <a:fontRef idx="minor">
+            <a:schemeClr val="tx1"/>
+          </a:fontRef>
+        </p:style>
+      </p:cxnSp>
+      <p:sp>
+        <p:nvSpPr>
+          <p:cNvPr id="9" name="Ellipse 8">
+            <a:extLst>
+              <a:ext uri="{FF2B5EF4-FFF2-40B4-BE49-F238E27FC236}">
+                <a16:creationId xmlns:a16="http://schemas.microsoft.com/office/drawing/2014/main" id="{358D2BB2-8CF4-425C-8E35-9CF868C0D2F9}"/>
+              </a:ext>
+            </a:extLst>
+          </p:cNvPr>
+          <p:cNvSpPr/>
+          <p:nvPr/>
+        </p:nvSpPr>
+        <p:spPr>
+          <a:xfrm>
+            <a:off x="7884379" y="1916832"/>
+            <a:ext cx="576053" cy="1440161"/>
+          </a:xfrm>
+          <a:prstGeom prst="ellipse">
+            <a:avLst/>
+          </a:prstGeom>
+        </p:spPr>
+        <p:style>
+          <a:lnRef idx="2">
+            <a:schemeClr val="accent6">
+              <a:shade val="50000"/>
+            </a:schemeClr>
+          </a:lnRef>
+          <a:fillRef idx="1">
+            <a:schemeClr val="accent6"/>
+          </a:fillRef>
+          <a:effectRef idx="0">
+            <a:schemeClr val="accent6"/>
+          </a:effectRef>
+          <a:fontRef idx="minor">
+            <a:schemeClr val="lt1"/>
+          </a:fontRef>
+        </p:style>
+        <p:txBody>
+          <a:bodyPr rtlCol="0" anchor="ctr"/>
+          <a:lstStyle/>
+          <a:p>
+            <a:pPr algn="ctr"/>
+            <a:endParaRPr lang="fr-FR"/>
+          </a:p>
+        </p:txBody>
+      </p:sp>
+      <p:cxnSp>
+        <p:nvCxnSpPr>
+          <p:cNvPr id="11" name="Connecteur droit 10">
+            <a:extLst>
+              <a:ext uri="{FF2B5EF4-FFF2-40B4-BE49-F238E27FC236}">
+                <a16:creationId xmlns:a16="http://schemas.microsoft.com/office/drawing/2014/main" id="{B7FCEE08-8BDF-4067-BEA3-4B42701407DA}"/>
+              </a:ext>
+            </a:extLst>
+          </p:cNvPr>
+          <p:cNvCxnSpPr>
+            <a:cxnSpLocks/>
+          </p:cNvCxnSpPr>
+          <p:nvPr/>
+        </p:nvCxnSpPr>
+        <p:spPr>
+          <a:xfrm>
+            <a:off x="2924694" y="5661248"/>
+            <a:ext cx="720080" cy="0"/>
+          </a:xfrm>
+          <a:prstGeom prst="line">
+            <a:avLst/>
+          </a:prstGeom>
+          <a:ln w="28575"/>
+        </p:spPr>
+        <p:style>
+          <a:lnRef idx="1">
+            <a:schemeClr val="accent1"/>
+          </a:lnRef>
+          <a:fillRef idx="0">
+            <a:schemeClr val="accent1"/>
+          </a:fillRef>
+          <a:effectRef idx="0">
+            <a:schemeClr val="accent1"/>
+          </a:effectRef>
+          <a:fontRef idx="minor">
+            <a:schemeClr val="tx1"/>
+          </a:fontRef>
+        </p:style>
+      </p:cxnSp>
+    </p:spTree>
+    <p:extLst>
+      <p:ext uri="{BB962C8B-B14F-4D97-AF65-F5344CB8AC3E}">
+        <p14:creationId xmlns:p14="http://schemas.microsoft.com/office/powerpoint/2010/main" val="3173553153"/>
+      </p:ext>
+    </p:extLst>
+  </p:cSld>
+  <p:clrMapOvr>
+    <a:masterClrMapping/>
+  </p:clrMapOvr>
+</p:sld>
+</file>
+
+<file path=ppt/slides/slide13.xml><?xml version="1.0" encoding="utf-8"?>
+<p:sld xmlns:a="http://schemas.openxmlformats.org/drawingml/2006/main" xmlns:r="http://schemas.openxmlformats.org/officeDocument/2006/relationships" xmlns:p="http://schemas.openxmlformats.org/presentationml/2006/main">
+  <p:cSld>
+    <p:spTree>
+      <p:nvGrpSpPr>
+        <p:cNvPr id="1" name=""/>
+        <p:cNvGrpSpPr/>
+        <p:nvPr/>
+      </p:nvGrpSpPr>
+      <p:grpSpPr>
+        <a:xfrm>
+          <a:off x="0" y="0"/>
+          <a:ext cx="0" cy="0"/>
+          <a:chOff x="0" y="0"/>
+          <a:chExt cx="0" cy="0"/>
+        </a:xfrm>
+      </p:grpSpPr>
+      <p:sp>
+        <p:nvSpPr>
+          <p:cNvPr id="2" name="Titre 1">
+            <a:extLst>
+              <a:ext uri="{FF2B5EF4-FFF2-40B4-BE49-F238E27FC236}">
+                <a16:creationId xmlns:a16="http://schemas.microsoft.com/office/drawing/2014/main" id="{4D03178F-34DC-4AB6-9752-31B3A34F990E}"/>
+              </a:ext>
+            </a:extLst>
+          </p:cNvPr>
+          <p:cNvSpPr>
+            <a:spLocks noGrp="1"/>
+          </p:cNvSpPr>
+          <p:nvPr>
+            <p:ph type="title"/>
+          </p:nvPr>
+        </p:nvSpPr>
+        <p:spPr/>
+        <p:txBody>
+          <a:bodyPr/>
+          <a:lstStyle/>
+          <a:p>
+            <a:r>
+              <a:rPr lang="fr-FR" dirty="0" err="1"/>
+              <a:t>Operators</a:t>
+            </a:r>
+            <a:endParaRPr lang="fr-FR" dirty="0"/>
+          </a:p>
+        </p:txBody>
+      </p:sp>
+      <p:sp>
+        <p:nvSpPr>
+          <p:cNvPr id="3" name="Espace réservé du contenu 2">
+            <a:extLst>
+              <a:ext uri="{FF2B5EF4-FFF2-40B4-BE49-F238E27FC236}">
+                <a16:creationId xmlns:a16="http://schemas.microsoft.com/office/drawing/2014/main" id="{994AC5CA-D315-4CBF-95BC-D41DBF913F3E}"/>
+              </a:ext>
+            </a:extLst>
+          </p:cNvPr>
+          <p:cNvSpPr>
+            <a:spLocks noGrp="1"/>
+          </p:cNvSpPr>
+          <p:nvPr>
+            <p:ph idx="1"/>
+          </p:nvPr>
+        </p:nvSpPr>
+        <p:spPr>
+          <a:xfrm>
+            <a:off x="457200" y="1600200"/>
+            <a:ext cx="8229600" cy="4925144"/>
+          </a:xfrm>
+        </p:spPr>
+        <p:txBody>
+          <a:bodyPr>
+            <a:normAutofit fontScale="92500" lnSpcReduction="10000"/>
+          </a:bodyPr>
+          <a:lstStyle/>
+          <a:p>
+            <a:r>
+              <a:rPr lang="fr-FR" dirty="0"/>
+              <a:t>+, -, *, /, %</a:t>
+            </a:r>
+          </a:p>
+          <a:p>
+            <a:r>
+              <a:rPr lang="fr-FR" dirty="0"/>
+              <a:t>=, [ ]</a:t>
+            </a:r>
+          </a:p>
+          <a:p>
+            <a:r>
+              <a:rPr lang="fr-FR" dirty="0"/>
+              <a:t>++, --</a:t>
+            </a:r>
+          </a:p>
+          <a:p>
+            <a:r>
+              <a:rPr lang="fr-FR" dirty="0"/>
+              <a:t>+=, -=, *=, /=, %=</a:t>
+            </a:r>
+          </a:p>
+          <a:p>
+            <a:r>
+              <a:rPr lang="fr-FR" dirty="0"/>
+              <a:t>&lt;&lt;, &gt;&gt;</a:t>
+            </a:r>
+          </a:p>
+          <a:p>
+            <a:r>
+              <a:rPr lang="fr-FR" dirty="0"/>
+              <a:t>||, &amp;&amp;, !		(resp. or, and, not)</a:t>
+            </a:r>
+          </a:p>
+          <a:p>
+            <a:r>
+              <a:rPr lang="fr-FR" dirty="0"/>
+              <a:t>&lt;, &lt;=, &gt;, &gt;=, ==, !=</a:t>
+            </a:r>
+          </a:p>
+          <a:p>
+            <a:pPr marL="0" indent="0">
+              <a:buNone/>
+            </a:pPr>
+            <a:endParaRPr lang="fr-FR" dirty="0"/>
+          </a:p>
+          <a:p>
+            <a:r>
+              <a:rPr lang="fr-FR" dirty="0"/>
+              <a:t>|, &amp;, ^, ~ : </a:t>
+            </a:r>
+            <a:r>
+              <a:rPr lang="fr-FR" dirty="0" err="1"/>
+              <a:t>operator</a:t>
+            </a:r>
+            <a:r>
+              <a:rPr lang="fr-FR" dirty="0"/>
+              <a:t> </a:t>
+            </a:r>
+            <a:r>
+              <a:rPr lang="fr-FR" dirty="0" err="1"/>
+              <a:t>bitwise</a:t>
+            </a:r>
+            <a:endParaRPr lang="fr-FR" dirty="0"/>
+          </a:p>
+        </p:txBody>
+      </p:sp>
+    </p:spTree>
+    <p:extLst>
+      <p:ext uri="{BB962C8B-B14F-4D97-AF65-F5344CB8AC3E}">
+        <p14:creationId xmlns:p14="http://schemas.microsoft.com/office/powerpoint/2010/main" val="591341854"/>
+      </p:ext>
+    </p:extLst>
+  </p:cSld>
+  <p:clrMapOvr>
+    <a:masterClrMapping/>
+  </p:clrMapOvr>
+</p:sld>
+</file>
+
+<file path=ppt/slides/slide14.xml><?xml version="1.0" encoding="utf-8"?>
+<p:sld xmlns:a="http://schemas.openxmlformats.org/drawingml/2006/main" xmlns:r="http://schemas.openxmlformats.org/officeDocument/2006/relationships" xmlns:p="http://schemas.openxmlformats.org/presentationml/2006/main">
+  <p:cSld>
+    <p:spTree>
+      <p:nvGrpSpPr>
+        <p:cNvPr id="1" name=""/>
+        <p:cNvGrpSpPr/>
+        <p:nvPr/>
+      </p:nvGrpSpPr>
+      <p:grpSpPr>
+        <a:xfrm>
+          <a:off x="0" y="0"/>
+          <a:ext cx="0" cy="0"/>
+          <a:chOff x="0" y="0"/>
+          <a:chExt cx="0" cy="0"/>
+        </a:xfrm>
+      </p:grpSpPr>
+      <p:sp>
+        <p:nvSpPr>
+          <p:cNvPr id="2" name="Titre 1">
+            <a:extLst>
+              <a:ext uri="{FF2B5EF4-FFF2-40B4-BE49-F238E27FC236}">
+                <a16:creationId xmlns:a16="http://schemas.microsoft.com/office/drawing/2014/main" id="{5AF720DE-4CA8-4B06-A996-366781F7E86A}"/>
+              </a:ext>
+            </a:extLst>
+          </p:cNvPr>
+          <p:cNvSpPr>
+            <a:spLocks noGrp="1"/>
+          </p:cNvSpPr>
+          <p:nvPr>
+            <p:ph type="title"/>
+          </p:nvPr>
+        </p:nvSpPr>
+        <p:spPr/>
+        <p:txBody>
+          <a:bodyPr/>
+          <a:lstStyle/>
+          <a:p>
+            <a:r>
+              <a:rPr lang="fr-FR" dirty="0"/>
+              <a:t>Control flow</a:t>
+            </a:r>
+          </a:p>
+        </p:txBody>
+      </p:sp>
+      <p:sp>
+        <p:nvSpPr>
+          <p:cNvPr id="3" name="Espace réservé du contenu 2">
+            <a:extLst>
+              <a:ext uri="{FF2B5EF4-FFF2-40B4-BE49-F238E27FC236}">
+                <a16:creationId xmlns:a16="http://schemas.microsoft.com/office/drawing/2014/main" id="{A2C8D124-267F-4AC1-9A00-94896B85B7B1}"/>
+              </a:ext>
+            </a:extLst>
+          </p:cNvPr>
+          <p:cNvSpPr>
+            <a:spLocks noGrp="1"/>
+          </p:cNvSpPr>
+          <p:nvPr>
+            <p:ph idx="1"/>
+          </p:nvPr>
+        </p:nvSpPr>
+        <p:spPr/>
+        <p:txBody>
+          <a:bodyPr/>
+          <a:lstStyle/>
+          <a:p>
+            <a:r>
+              <a:rPr lang="fr-FR" dirty="0" err="1"/>
+              <a:t>Conditional</a:t>
+            </a:r>
+            <a:endParaRPr lang="fr-FR" dirty="0"/>
+          </a:p>
+          <a:p>
+            <a:pPr marL="0" indent="0">
+              <a:buNone/>
+            </a:pPr>
+            <a:r>
+              <a:rPr lang="fr-FR" dirty="0"/>
+              <a:t>	if (test)</a:t>
+            </a:r>
+          </a:p>
+          <a:p>
+            <a:pPr marL="0" indent="0">
+              <a:buNone/>
+            </a:pPr>
+            <a:r>
+              <a:rPr lang="fr-FR" dirty="0"/>
+              <a:t>	switch case</a:t>
+            </a:r>
+          </a:p>
+          <a:p>
+            <a:r>
+              <a:rPr lang="fr-FR" dirty="0" err="1"/>
+              <a:t>Loops</a:t>
+            </a:r>
+            <a:endParaRPr lang="fr-FR" dirty="0"/>
+          </a:p>
+          <a:p>
+            <a:pPr marL="0" indent="0">
+              <a:buNone/>
+            </a:pPr>
+            <a:r>
+              <a:rPr lang="fr-FR" dirty="0"/>
+              <a:t>	</a:t>
+            </a:r>
+            <a:r>
+              <a:rPr lang="fr-FR" dirty="0" err="1"/>
+              <a:t>while</a:t>
+            </a:r>
+            <a:r>
+              <a:rPr lang="fr-FR" dirty="0"/>
+              <a:t> (test)</a:t>
+            </a:r>
+          </a:p>
+          <a:p>
+            <a:pPr marL="0" indent="0">
+              <a:buNone/>
+            </a:pPr>
+            <a:r>
+              <a:rPr lang="fr-FR" dirty="0"/>
+              <a:t>	for ( init ; test; </a:t>
+            </a:r>
+            <a:r>
+              <a:rPr lang="fr-FR" dirty="0" err="1"/>
+              <a:t>incr</a:t>
+            </a:r>
+            <a:r>
+              <a:rPr lang="fr-FR" dirty="0"/>
+              <a:t>)</a:t>
+            </a:r>
+          </a:p>
+          <a:p>
+            <a:pPr marL="0" indent="0">
+              <a:buNone/>
+            </a:pPr>
+            <a:r>
+              <a:rPr lang="fr-FR" dirty="0"/>
+              <a:t>	for ( </a:t>
+            </a:r>
+            <a:r>
+              <a:rPr lang="fr-FR" dirty="0" err="1"/>
+              <a:t>element</a:t>
+            </a:r>
+            <a:r>
+              <a:rPr lang="fr-FR" dirty="0"/>
+              <a:t> : container )    </a:t>
+            </a:r>
+            <a:r>
+              <a:rPr lang="fr-FR" dirty="0">
+                <a:solidFill>
+                  <a:srgbClr val="00B050"/>
+                </a:solidFill>
+              </a:rPr>
+              <a:t>«</a:t>
+            </a:r>
+            <a:r>
+              <a:rPr lang="fr-FR" dirty="0"/>
+              <a:t> </a:t>
+            </a:r>
+            <a:r>
+              <a:rPr lang="fr-FR" dirty="0" err="1">
+                <a:solidFill>
+                  <a:srgbClr val="00B050"/>
+                </a:solidFill>
+              </a:rPr>
+              <a:t>foreach</a:t>
+            </a:r>
+            <a:r>
+              <a:rPr lang="fr-FR" dirty="0">
+                <a:solidFill>
+                  <a:srgbClr val="00B050"/>
+                </a:solidFill>
+              </a:rPr>
+              <a:t> »</a:t>
+            </a:r>
+          </a:p>
+        </p:txBody>
+      </p:sp>
+    </p:spTree>
+    <p:extLst>
+      <p:ext uri="{BB962C8B-B14F-4D97-AF65-F5344CB8AC3E}">
+        <p14:creationId xmlns:p14="http://schemas.microsoft.com/office/powerpoint/2010/main" val="3447104060"/>
+      </p:ext>
+    </p:extLst>
+  </p:cSld>
+  <p:clrMapOvr>
+    <a:masterClrMapping/>
+  </p:clrMapOvr>
+</p:sld>
+</file>
+
+<file path=ppt/slides/slide15.xml><?xml version="1.0" encoding="utf-8"?>
+<p:sld xmlns:a="http://schemas.openxmlformats.org/drawingml/2006/main" xmlns:r="http://schemas.openxmlformats.org/officeDocument/2006/relationships" xmlns:p="http://schemas.openxmlformats.org/presentationml/2006/main">
+  <p:cSld>
+    <p:spTree>
+      <p:nvGrpSpPr>
+        <p:cNvPr id="1" name=""/>
+        <p:cNvGrpSpPr/>
+        <p:nvPr/>
+      </p:nvGrpSpPr>
+      <p:grpSpPr>
+        <a:xfrm>
+          <a:off x="0" y="0"/>
+          <a:ext cx="0" cy="0"/>
+          <a:chOff x="0" y="0"/>
+          <a:chExt cx="0" cy="0"/>
+        </a:xfrm>
+      </p:grpSpPr>
+      <p:sp>
+        <p:nvSpPr>
+          <p:cNvPr id="2" name="Titre 1">
+            <a:extLst>
+              <a:ext uri="{FF2B5EF4-FFF2-40B4-BE49-F238E27FC236}">
+                <a16:creationId xmlns:a16="http://schemas.microsoft.com/office/drawing/2014/main" id="{C9248A66-1D0C-4C48-8AC8-2B47D1F8E97C}"/>
+              </a:ext>
+            </a:extLst>
+          </p:cNvPr>
+          <p:cNvSpPr>
+            <a:spLocks noGrp="1"/>
+          </p:cNvSpPr>
+          <p:nvPr>
+            <p:ph type="title"/>
+          </p:nvPr>
+        </p:nvSpPr>
+        <p:spPr/>
+        <p:txBody>
+          <a:bodyPr/>
+          <a:lstStyle/>
+          <a:p>
+            <a:endParaRPr lang="fr-FR"/>
+          </a:p>
+        </p:txBody>
+      </p:sp>
+      <p:sp>
+        <p:nvSpPr>
+          <p:cNvPr id="3" name="Espace réservé du contenu 2">
+            <a:extLst>
+              <a:ext uri="{FF2B5EF4-FFF2-40B4-BE49-F238E27FC236}">
+                <a16:creationId xmlns:a16="http://schemas.microsoft.com/office/drawing/2014/main" id="{C1731C1D-D440-4C8B-93C3-2C0A93BF25B6}"/>
+              </a:ext>
+            </a:extLst>
+          </p:cNvPr>
+          <p:cNvSpPr>
+            <a:spLocks noGrp="1"/>
+          </p:cNvSpPr>
+          <p:nvPr>
+            <p:ph idx="1"/>
+          </p:nvPr>
+        </p:nvSpPr>
+        <p:spPr/>
+        <p:txBody>
+          <a:bodyPr/>
+          <a:lstStyle/>
+          <a:p>
+            <a:pPr marL="0" indent="0">
+              <a:buNone/>
+            </a:pPr>
+            <a:r>
+              <a:rPr lang="fr-FR" dirty="0"/>
+              <a:t>a	b	reste</a:t>
+            </a:r>
+          </a:p>
+          <a:p>
+            <a:pPr marL="0" indent="0">
+              <a:buNone/>
+            </a:pPr>
+            <a:r>
+              <a:rPr lang="fr-FR" dirty="0"/>
+              <a:t>15	12	3</a:t>
+            </a:r>
+          </a:p>
+          <a:p>
+            <a:pPr marL="0" indent="0">
+              <a:buNone/>
+            </a:pPr>
+            <a:r>
+              <a:rPr lang="fr-FR" dirty="0"/>
+              <a:t>12	3	0</a:t>
+            </a:r>
+          </a:p>
+          <a:p>
+            <a:pPr marL="0" indent="0">
+              <a:buNone/>
+            </a:pPr>
+            <a:r>
+              <a:rPr lang="fr-FR" dirty="0">
+                <a:solidFill>
+                  <a:srgbClr val="00B050"/>
+                </a:solidFill>
+              </a:rPr>
+              <a:t>3</a:t>
+            </a:r>
+            <a:r>
+              <a:rPr lang="fr-FR" dirty="0"/>
+              <a:t>	0	</a:t>
+            </a:r>
+          </a:p>
+        </p:txBody>
+      </p:sp>
+    </p:spTree>
+    <p:extLst>
+      <p:ext uri="{BB962C8B-B14F-4D97-AF65-F5344CB8AC3E}">
+        <p14:creationId xmlns:p14="http://schemas.microsoft.com/office/powerpoint/2010/main" val="258098888"/>
+      </p:ext>
+    </p:extLst>
+  </p:cSld>
+  <p:clrMapOvr>
+    <a:masterClrMapping/>
+  </p:clrMapOvr>
+</p:sld>
+</file>
+
+<file path=ppt/slides/slide16.xml><?xml version="1.0" encoding="utf-8"?>
+<p:sld xmlns:a="http://schemas.openxmlformats.org/drawingml/2006/main" xmlns:r="http://schemas.openxmlformats.org/officeDocument/2006/relationships" xmlns:p="http://schemas.openxmlformats.org/presentationml/2006/main">
+  <p:cSld>
+    <p:spTree>
+      <p:nvGrpSpPr>
+        <p:cNvPr id="1" name=""/>
+        <p:cNvGrpSpPr/>
+        <p:nvPr/>
+      </p:nvGrpSpPr>
+      <p:grpSpPr>
+        <a:xfrm>
+          <a:off x="0" y="0"/>
+          <a:ext cx="0" cy="0"/>
+          <a:chOff x="0" y="0"/>
+          <a:chExt cx="0" cy="0"/>
+        </a:xfrm>
+      </p:grpSpPr>
+      <p:sp>
+        <p:nvSpPr>
+          <p:cNvPr id="2" name="Titre 1">
+            <a:extLst>
+              <a:ext uri="{FF2B5EF4-FFF2-40B4-BE49-F238E27FC236}">
+                <a16:creationId xmlns:a16="http://schemas.microsoft.com/office/drawing/2014/main" id="{8AA6F9E8-1145-4A07-941F-F6469975B7B0}"/>
+              </a:ext>
+            </a:extLst>
+          </p:cNvPr>
+          <p:cNvSpPr>
+            <a:spLocks noGrp="1"/>
+          </p:cNvSpPr>
+          <p:nvPr>
+            <p:ph type="title"/>
+          </p:nvPr>
+        </p:nvSpPr>
+        <p:spPr/>
+        <p:txBody>
+          <a:bodyPr/>
+          <a:lstStyle/>
+          <a:p>
+            <a:r>
+              <a:rPr lang="fr-FR" dirty="0"/>
+              <a:t>Tableau</a:t>
+            </a:r>
+          </a:p>
+        </p:txBody>
+      </p:sp>
+      <p:sp>
+        <p:nvSpPr>
+          <p:cNvPr id="4" name="ZoneTexte 3">
+            <a:extLst>
+              <a:ext uri="{FF2B5EF4-FFF2-40B4-BE49-F238E27FC236}">
+                <a16:creationId xmlns:a16="http://schemas.microsoft.com/office/drawing/2014/main" id="{DA8DD369-D860-495F-99F9-A7AA36643C24}"/>
+              </a:ext>
+            </a:extLst>
+          </p:cNvPr>
+          <p:cNvSpPr txBox="1"/>
+          <p:nvPr/>
+        </p:nvSpPr>
+        <p:spPr>
+          <a:xfrm>
+            <a:off x="1403648" y="2924944"/>
+            <a:ext cx="5328592" cy="369332"/>
+          </a:xfrm>
+          <a:prstGeom prst="rect">
+            <a:avLst/>
+          </a:prstGeom>
+          <a:noFill/>
+          <a:ln>
+            <a:solidFill>
+              <a:schemeClr val="tx2">
+                <a:lumMod val="60000"/>
+                <a:lumOff val="40000"/>
+              </a:schemeClr>
+            </a:solidFill>
+          </a:ln>
+        </p:spPr>
+        <p:txBody>
+          <a:bodyPr wrap="square" rtlCol="0">
+            <a:spAutoFit/>
+          </a:bodyPr>
+          <a:lstStyle/>
+          <a:p>
+            <a:r>
+              <a:rPr lang="fr-FR" dirty="0"/>
+              <a:t>4,5	4,6	7,8	63,1	45,7	45,1</a:t>
+            </a:r>
+          </a:p>
+        </p:txBody>
+      </p:sp>
+      <p:sp>
+        <p:nvSpPr>
+          <p:cNvPr id="6" name="ZoneTexte 5">
+            <a:extLst>
+              <a:ext uri="{FF2B5EF4-FFF2-40B4-BE49-F238E27FC236}">
+                <a16:creationId xmlns:a16="http://schemas.microsoft.com/office/drawing/2014/main" id="{397E52CE-EB42-443B-95D4-D6B7A6ED9DA1}"/>
+              </a:ext>
+            </a:extLst>
+          </p:cNvPr>
+          <p:cNvSpPr txBox="1"/>
+          <p:nvPr/>
+        </p:nvSpPr>
+        <p:spPr>
+          <a:xfrm>
+            <a:off x="1475656" y="2420888"/>
+            <a:ext cx="4968552" cy="369332"/>
+          </a:xfrm>
+          <a:prstGeom prst="rect">
+            <a:avLst/>
+          </a:prstGeom>
+          <a:noFill/>
+        </p:spPr>
+        <p:txBody>
+          <a:bodyPr wrap="square" rtlCol="0">
+            <a:spAutoFit/>
+          </a:bodyPr>
+          <a:lstStyle/>
+          <a:p>
+            <a:r>
+              <a:rPr lang="fr-FR" dirty="0"/>
+              <a:t>0	1	2	3	4	5</a:t>
+            </a:r>
+          </a:p>
+        </p:txBody>
+      </p:sp>
+    </p:spTree>
+    <p:extLst>
+      <p:ext uri="{BB962C8B-B14F-4D97-AF65-F5344CB8AC3E}">
+        <p14:creationId xmlns:p14="http://schemas.microsoft.com/office/powerpoint/2010/main" val="4138692267"/>
+      </p:ext>
+    </p:extLst>
+  </p:cSld>
+  <p:clrMapOvr>
+    <a:masterClrMapping/>
+  </p:clrMapOvr>
+</p:sld>
+</file>
+
+<file path=ppt/slides/slide17.xml><?xml version="1.0" encoding="utf-8"?>
+<p:sld xmlns:a="http://schemas.openxmlformats.org/drawingml/2006/main" xmlns:r="http://schemas.openxmlformats.org/officeDocument/2006/relationships" xmlns:p="http://schemas.openxmlformats.org/presentationml/2006/main">
+  <p:cSld>
+    <p:spTree>
+      <p:nvGrpSpPr>
+        <p:cNvPr id="1" name=""/>
+        <p:cNvGrpSpPr/>
+        <p:nvPr/>
+      </p:nvGrpSpPr>
+      <p:grpSpPr>
+        <a:xfrm>
+          <a:off x="0" y="0"/>
+          <a:ext cx="0" cy="0"/>
+          <a:chOff x="0" y="0"/>
+          <a:chExt cx="0" cy="0"/>
+        </a:xfrm>
+      </p:grpSpPr>
+      <p:sp>
+        <p:nvSpPr>
+          <p:cNvPr id="2" name="Titre 1">
+            <a:extLst>
+              <a:ext uri="{FF2B5EF4-FFF2-40B4-BE49-F238E27FC236}">
+                <a16:creationId xmlns:a16="http://schemas.microsoft.com/office/drawing/2014/main" id="{1D1AE128-BC3D-4680-A557-52AB5F166CC6}"/>
+              </a:ext>
+            </a:extLst>
+          </p:cNvPr>
+          <p:cNvSpPr>
+            <a:spLocks noGrp="1"/>
+          </p:cNvSpPr>
+          <p:nvPr>
+            <p:ph type="title"/>
+          </p:nvPr>
+        </p:nvSpPr>
+        <p:spPr/>
+        <p:txBody>
+          <a:bodyPr/>
+          <a:lstStyle/>
+          <a:p>
+            <a:r>
+              <a:rPr lang="fr-FR" dirty="0" err="1"/>
+              <a:t>Cost</a:t>
+            </a:r>
+            <a:r>
+              <a:rPr lang="fr-FR" dirty="0"/>
+              <a:t> of an </a:t>
+            </a:r>
+            <a:r>
+              <a:rPr lang="fr-FR" dirty="0" err="1"/>
+              <a:t>algorithm</a:t>
+            </a:r>
+            <a:endParaRPr lang="fr-FR" dirty="0"/>
+          </a:p>
+        </p:txBody>
+      </p:sp>
+      <p:sp>
+        <p:nvSpPr>
+          <p:cNvPr id="3" name="Espace réservé du contenu 2">
+            <a:extLst>
+              <a:ext uri="{FF2B5EF4-FFF2-40B4-BE49-F238E27FC236}">
+                <a16:creationId xmlns:a16="http://schemas.microsoft.com/office/drawing/2014/main" id="{3B183BAB-7258-4F0D-B18B-3F6D2146CF44}"/>
+              </a:ext>
+            </a:extLst>
+          </p:cNvPr>
+          <p:cNvSpPr>
+            <a:spLocks noGrp="1"/>
+          </p:cNvSpPr>
+          <p:nvPr>
+            <p:ph idx="1"/>
+          </p:nvPr>
+        </p:nvSpPr>
+        <p:spPr/>
+        <p:txBody>
+          <a:bodyPr>
+            <a:normAutofit lnSpcReduction="10000"/>
+          </a:bodyPr>
+          <a:lstStyle/>
+          <a:p>
+            <a:r>
+              <a:rPr lang="fr-FR" dirty="0"/>
+              <a:t>n = </a:t>
+            </a:r>
+            <a:r>
+              <a:rPr lang="fr-FR" dirty="0" err="1"/>
+              <a:t>number</a:t>
+            </a:r>
+            <a:r>
+              <a:rPr lang="fr-FR" dirty="0"/>
+              <a:t> of data</a:t>
+            </a:r>
+          </a:p>
+          <a:p>
+            <a:r>
+              <a:rPr lang="fr-FR" dirty="0" err="1"/>
+              <a:t>Cost</a:t>
+            </a:r>
+            <a:r>
+              <a:rPr lang="fr-FR" dirty="0"/>
+              <a:t> 1 : </a:t>
+            </a:r>
+            <a:r>
+              <a:rPr lang="fr-FR" dirty="0" err="1"/>
+              <a:t>number</a:t>
+            </a:r>
+            <a:r>
+              <a:rPr lang="fr-FR" dirty="0"/>
+              <a:t> of </a:t>
+            </a:r>
+            <a:r>
+              <a:rPr lang="fr-FR" dirty="0" err="1"/>
+              <a:t>operations</a:t>
+            </a:r>
+            <a:r>
+              <a:rPr lang="fr-FR" dirty="0"/>
+              <a:t> (time)</a:t>
+            </a:r>
+          </a:p>
+          <a:p>
+            <a:r>
+              <a:rPr lang="fr-FR" dirty="0" err="1"/>
+              <a:t>Cost</a:t>
+            </a:r>
+            <a:r>
+              <a:rPr lang="fr-FR" dirty="0"/>
+              <a:t> 2 : memory</a:t>
+            </a:r>
+          </a:p>
+          <a:p>
+            <a:r>
+              <a:rPr lang="fr-FR" dirty="0"/>
+              <a:t>Exemple :</a:t>
+            </a:r>
+          </a:p>
+          <a:p>
+            <a:pPr lvl="1"/>
+            <a:r>
+              <a:rPr lang="fr-FR" dirty="0"/>
+              <a:t>Recherche : n, log(n)</a:t>
+            </a:r>
+          </a:p>
+          <a:p>
+            <a:pPr lvl="1"/>
+            <a:r>
+              <a:rPr lang="fr-FR" dirty="0"/>
+              <a:t>Tri : n</a:t>
+            </a:r>
+            <a:r>
+              <a:rPr lang="fr-FR" baseline="30000" dirty="0"/>
+              <a:t>2</a:t>
+            </a:r>
+            <a:r>
+              <a:rPr lang="fr-FR" dirty="0"/>
+              <a:t>, </a:t>
+            </a:r>
+            <a:r>
+              <a:rPr lang="fr-FR" dirty="0" err="1"/>
+              <a:t>nlog</a:t>
+            </a:r>
+            <a:r>
+              <a:rPr lang="fr-FR" dirty="0"/>
+              <a:t>(n)</a:t>
+            </a:r>
+            <a:endParaRPr lang="fr-FR" baseline="30000" dirty="0"/>
+          </a:p>
+          <a:p>
+            <a:pPr lvl="1"/>
+            <a:endParaRPr lang="fr-FR" dirty="0"/>
+          </a:p>
+          <a:p>
+            <a:pPr lvl="1"/>
+            <a:endParaRPr lang="fr-FR" dirty="0"/>
+          </a:p>
+          <a:p>
+            <a:pPr lvl="1"/>
+            <a:r>
+              <a:rPr lang="fr-FR" dirty="0"/>
+              <a:t>log (1G) = log(2^30) = 30</a:t>
+            </a:r>
+          </a:p>
+        </p:txBody>
+      </p:sp>
+    </p:spTree>
+    <p:extLst>
+      <p:ext uri="{BB962C8B-B14F-4D97-AF65-F5344CB8AC3E}">
+        <p14:creationId xmlns:p14="http://schemas.microsoft.com/office/powerpoint/2010/main" val="4228676770"/>
+      </p:ext>
+    </p:extLst>
+  </p:cSld>
+  <p:clrMapOvr>
+    <a:masterClrMapping/>
+  </p:clrMapOvr>
+</p:sld>
+</file>
+
+<file path=ppt/slides/slide18.xml><?xml version="1.0" encoding="utf-8"?>
+<p:sld xmlns:a="http://schemas.openxmlformats.org/drawingml/2006/main" xmlns:r="http://schemas.openxmlformats.org/officeDocument/2006/relationships" xmlns:p="http://schemas.openxmlformats.org/presentationml/2006/main">
+  <p:cSld>
+    <p:spTree>
+      <p:nvGrpSpPr>
+        <p:cNvPr id="1" name=""/>
+        <p:cNvGrpSpPr/>
+        <p:nvPr/>
+      </p:nvGrpSpPr>
+      <p:grpSpPr>
+        <a:xfrm>
+          <a:off x="0" y="0"/>
+          <a:ext cx="0" cy="0"/>
+          <a:chOff x="0" y="0"/>
+          <a:chExt cx="0" cy="0"/>
+        </a:xfrm>
+      </p:grpSpPr>
+      <p:sp>
+        <p:nvSpPr>
+          <p:cNvPr id="2" name="Titre 1">
+            <a:extLst>
+              <a:ext uri="{FF2B5EF4-FFF2-40B4-BE49-F238E27FC236}">
+                <a16:creationId xmlns:a16="http://schemas.microsoft.com/office/drawing/2014/main" id="{8AA6F9E8-1145-4A07-941F-F6469975B7B0}"/>
+              </a:ext>
+            </a:extLst>
+          </p:cNvPr>
+          <p:cNvSpPr>
+            <a:spLocks noGrp="1"/>
+          </p:cNvSpPr>
+          <p:nvPr>
+            <p:ph type="title"/>
+          </p:nvPr>
+        </p:nvSpPr>
+        <p:spPr/>
+        <p:txBody>
+          <a:bodyPr/>
+          <a:lstStyle/>
+          <a:p>
+            <a:r>
+              <a:rPr lang="fr-FR" dirty="0"/>
+              <a:t>Recherche </a:t>
+            </a:r>
+            <a:r>
+              <a:rPr lang="fr-FR" dirty="0" err="1"/>
+              <a:t>Dicho</a:t>
+            </a:r>
+            <a:r>
+              <a:rPr lang="fr-FR" dirty="0"/>
+              <a:t> Tableau</a:t>
+            </a:r>
+          </a:p>
+        </p:txBody>
+      </p:sp>
+      <p:sp>
+        <p:nvSpPr>
+          <p:cNvPr id="4" name="ZoneTexte 3">
+            <a:extLst>
+              <a:ext uri="{FF2B5EF4-FFF2-40B4-BE49-F238E27FC236}">
+                <a16:creationId xmlns:a16="http://schemas.microsoft.com/office/drawing/2014/main" id="{DA8DD369-D860-495F-99F9-A7AA36643C24}"/>
+              </a:ext>
+            </a:extLst>
+          </p:cNvPr>
+          <p:cNvSpPr txBox="1"/>
+          <p:nvPr/>
+        </p:nvSpPr>
+        <p:spPr>
+          <a:xfrm>
+            <a:off x="1403648" y="2924944"/>
+            <a:ext cx="5328592" cy="369332"/>
+          </a:xfrm>
+          <a:prstGeom prst="rect">
+            <a:avLst/>
+          </a:prstGeom>
+          <a:noFill/>
+          <a:ln>
+            <a:solidFill>
+              <a:schemeClr val="tx2">
+                <a:lumMod val="60000"/>
+                <a:lumOff val="40000"/>
+              </a:schemeClr>
+            </a:solidFill>
+          </a:ln>
+        </p:spPr>
+        <p:txBody>
+          <a:bodyPr wrap="square" rtlCol="0">
+            <a:spAutoFit/>
+          </a:bodyPr>
+          <a:lstStyle/>
+          <a:p>
+            <a:r>
+              <a:rPr lang="fr-FR" dirty="0"/>
+              <a:t>4,5	4,6	7,8	</a:t>
+            </a:r>
+            <a:r>
+              <a:rPr lang="fr-FR" dirty="0">
+                <a:solidFill>
+                  <a:srgbClr val="00B050"/>
+                </a:solidFill>
+              </a:rPr>
+              <a:t> 45,1 </a:t>
+            </a:r>
+            <a:r>
+              <a:rPr lang="fr-FR" dirty="0"/>
+              <a:t>	 45,7 	 63,1</a:t>
+            </a:r>
+          </a:p>
+        </p:txBody>
+      </p:sp>
+      <p:sp>
+        <p:nvSpPr>
+          <p:cNvPr id="6" name="ZoneTexte 5">
+            <a:extLst>
+              <a:ext uri="{FF2B5EF4-FFF2-40B4-BE49-F238E27FC236}">
+                <a16:creationId xmlns:a16="http://schemas.microsoft.com/office/drawing/2014/main" id="{397E52CE-EB42-443B-95D4-D6B7A6ED9DA1}"/>
+              </a:ext>
+            </a:extLst>
+          </p:cNvPr>
+          <p:cNvSpPr txBox="1"/>
+          <p:nvPr/>
+        </p:nvSpPr>
+        <p:spPr>
+          <a:xfrm>
+            <a:off x="1475656" y="2420888"/>
+            <a:ext cx="6768752" cy="369332"/>
+          </a:xfrm>
+          <a:prstGeom prst="rect">
+            <a:avLst/>
+          </a:prstGeom>
+          <a:noFill/>
+        </p:spPr>
+        <p:txBody>
+          <a:bodyPr wrap="square" rtlCol="0">
+            <a:spAutoFit/>
+          </a:bodyPr>
+          <a:lstStyle/>
+          <a:p>
+            <a:r>
+              <a:rPr lang="fr-FR" dirty="0"/>
+              <a:t>0	1	2	3	4	5	6	</a:t>
+            </a:r>
+          </a:p>
+        </p:txBody>
+      </p:sp>
+      <p:sp>
+        <p:nvSpPr>
+          <p:cNvPr id="3" name="ZoneTexte 2">
+            <a:extLst>
+              <a:ext uri="{FF2B5EF4-FFF2-40B4-BE49-F238E27FC236}">
+                <a16:creationId xmlns:a16="http://schemas.microsoft.com/office/drawing/2014/main" id="{3964E99A-EC95-4483-A829-49C536FA1B01}"/>
+              </a:ext>
+            </a:extLst>
+          </p:cNvPr>
+          <p:cNvSpPr txBox="1"/>
+          <p:nvPr/>
+        </p:nvSpPr>
+        <p:spPr>
+          <a:xfrm>
+            <a:off x="1475656" y="1988840"/>
+            <a:ext cx="6192688" cy="369332"/>
+          </a:xfrm>
+          <a:prstGeom prst="rect">
+            <a:avLst/>
+          </a:prstGeom>
+          <a:noFill/>
+        </p:spPr>
+        <p:txBody>
+          <a:bodyPr wrap="square" rtlCol="0">
+            <a:spAutoFit/>
+          </a:bodyPr>
+          <a:lstStyle/>
+          <a:p>
+            <a:r>
+              <a:rPr lang="fr-FR" dirty="0"/>
+              <a:t>d			m			f</a:t>
+            </a:r>
+          </a:p>
+        </p:txBody>
+      </p:sp>
+      <p:sp>
+        <p:nvSpPr>
+          <p:cNvPr id="5" name="ZoneTexte 4">
+            <a:extLst>
+              <a:ext uri="{FF2B5EF4-FFF2-40B4-BE49-F238E27FC236}">
+                <a16:creationId xmlns:a16="http://schemas.microsoft.com/office/drawing/2014/main" id="{6BED40A5-BCC6-4C41-A0B8-D3E42EFB66EA}"/>
+              </a:ext>
+            </a:extLst>
+          </p:cNvPr>
+          <p:cNvSpPr txBox="1"/>
+          <p:nvPr/>
+        </p:nvSpPr>
+        <p:spPr>
+          <a:xfrm>
+            <a:off x="457200" y="2924944"/>
+            <a:ext cx="730424" cy="369332"/>
+          </a:xfrm>
+          <a:prstGeom prst="rect">
+            <a:avLst/>
+          </a:prstGeom>
+          <a:noFill/>
+        </p:spPr>
+        <p:txBody>
+          <a:bodyPr wrap="square" rtlCol="0">
+            <a:spAutoFit/>
+          </a:bodyPr>
+          <a:lstStyle/>
+          <a:p>
+            <a:r>
+              <a:rPr lang="fr-FR" dirty="0"/>
+              <a:t>tab</a:t>
+            </a:r>
+          </a:p>
+        </p:txBody>
+      </p:sp>
+      <p:sp>
+        <p:nvSpPr>
+          <p:cNvPr id="7" name="ZoneTexte 6">
+            <a:extLst>
+              <a:ext uri="{FF2B5EF4-FFF2-40B4-BE49-F238E27FC236}">
+                <a16:creationId xmlns:a16="http://schemas.microsoft.com/office/drawing/2014/main" id="{CB39AD5D-F212-4A1E-BEF5-E5F9C3A8056C}"/>
+              </a:ext>
+            </a:extLst>
+          </p:cNvPr>
+          <p:cNvSpPr txBox="1"/>
+          <p:nvPr/>
+        </p:nvSpPr>
+        <p:spPr>
+          <a:xfrm>
+            <a:off x="755576" y="4149080"/>
+            <a:ext cx="6768752" cy="2585323"/>
+          </a:xfrm>
+          <a:prstGeom prst="rect">
+            <a:avLst/>
+          </a:prstGeom>
+          <a:noFill/>
+        </p:spPr>
+        <p:txBody>
+          <a:bodyPr wrap="square" rtlCol="0">
+            <a:spAutoFit/>
+          </a:bodyPr>
+          <a:lstStyle/>
+          <a:p>
+            <a:r>
+              <a:rPr lang="fr-FR" dirty="0"/>
+              <a:t>Val recherchée : 45,7</a:t>
+            </a:r>
+          </a:p>
+          <a:p>
+            <a:r>
+              <a:rPr lang="fr-FR" dirty="0"/>
+              <a:t>A chaque étape :</a:t>
+            </a:r>
+          </a:p>
+          <a:p>
+            <a:r>
+              <a:rPr lang="fr-FR" dirty="0"/>
+              <a:t>	0 : milieu = (</a:t>
+            </a:r>
+            <a:r>
+              <a:rPr lang="fr-FR" dirty="0" err="1"/>
+              <a:t>debut</a:t>
+            </a:r>
+            <a:r>
+              <a:rPr lang="fr-FR" dirty="0"/>
+              <a:t> + fin) / 2</a:t>
+            </a:r>
+          </a:p>
+          <a:p>
+            <a:r>
+              <a:rPr lang="fr-FR" dirty="0"/>
+              <a:t>	1 : val recherchée = val du milieu ?    =&gt; trouvé : pos = milieu</a:t>
+            </a:r>
+          </a:p>
+          <a:p>
+            <a:r>
+              <a:rPr lang="fr-FR" dirty="0"/>
+              <a:t>	2 : val recherchée &gt; val du milieu ?    =&gt; on recommence sur 					la partie de droite</a:t>
+            </a:r>
+          </a:p>
+          <a:p>
+            <a:r>
+              <a:rPr lang="fr-FR" dirty="0"/>
+              <a:t>	3: val recherchée &lt; val du milieu  ? =&gt; on recommence sur 						la partie de gauche</a:t>
+            </a:r>
+          </a:p>
+          <a:p>
+            <a:r>
+              <a:rPr lang="fr-FR" dirty="0"/>
+              <a:t>Arrêt : trouvé  ou </a:t>
+            </a:r>
+            <a:r>
+              <a:rPr lang="fr-FR" dirty="0" err="1"/>
+              <a:t>debut</a:t>
+            </a:r>
+            <a:r>
+              <a:rPr lang="fr-FR" dirty="0"/>
+              <a:t> &gt;= fin</a:t>
+            </a:r>
+          </a:p>
+        </p:txBody>
+      </p:sp>
+    </p:spTree>
+    <p:extLst>
+      <p:ext uri="{BB962C8B-B14F-4D97-AF65-F5344CB8AC3E}">
+        <p14:creationId xmlns:p14="http://schemas.microsoft.com/office/powerpoint/2010/main" val="2707761696"/>
+      </p:ext>
+    </p:extLst>
+  </p:cSld>
+  <p:clrMapOvr>
+    <a:masterClrMapping/>
+  </p:clrMapOvr>
+</p:sld>
+</file>
+
+<file path=ppt/slides/slide19.xml><?xml version="1.0" encoding="utf-8"?>
+<p:sld xmlns:a="http://schemas.openxmlformats.org/drawingml/2006/main" xmlns:r="http://schemas.openxmlformats.org/officeDocument/2006/relationships" xmlns:p="http://schemas.openxmlformats.org/presentationml/2006/main">
+  <p:cSld>
+    <p:spTree>
+      <p:nvGrpSpPr>
+        <p:cNvPr id="1" name=""/>
+        <p:cNvGrpSpPr/>
+        <p:nvPr/>
+      </p:nvGrpSpPr>
+      <p:grpSpPr>
+        <a:xfrm>
+          <a:off x="0" y="0"/>
+          <a:ext cx="0" cy="0"/>
+          <a:chOff x="0" y="0"/>
+          <a:chExt cx="0" cy="0"/>
+        </a:xfrm>
+      </p:grpSpPr>
+      <p:sp>
+        <p:nvSpPr>
+          <p:cNvPr id="2" name="Titre 1">
+            <a:extLst>
+              <a:ext uri="{FF2B5EF4-FFF2-40B4-BE49-F238E27FC236}">
+                <a16:creationId xmlns:a16="http://schemas.microsoft.com/office/drawing/2014/main" id="{A52A7EE1-04A2-4509-A038-4DB8837DC9EE}"/>
+              </a:ext>
+            </a:extLst>
+          </p:cNvPr>
+          <p:cNvSpPr>
+            <a:spLocks noGrp="1"/>
+          </p:cNvSpPr>
+          <p:nvPr>
+            <p:ph type="title"/>
+          </p:nvPr>
+        </p:nvSpPr>
+        <p:spPr/>
+        <p:txBody>
+          <a:bodyPr/>
+          <a:lstStyle/>
+          <a:p>
+            <a:r>
+              <a:rPr lang="fr-FR" dirty="0" err="1"/>
+              <a:t>Functions</a:t>
+            </a:r>
+            <a:endParaRPr lang="fr-FR" dirty="0"/>
+          </a:p>
+        </p:txBody>
+      </p:sp>
+      <p:sp>
+        <p:nvSpPr>
+          <p:cNvPr id="3" name="Espace réservé du contenu 2">
+            <a:extLst>
+              <a:ext uri="{FF2B5EF4-FFF2-40B4-BE49-F238E27FC236}">
+                <a16:creationId xmlns:a16="http://schemas.microsoft.com/office/drawing/2014/main" id="{EC5236C0-2660-4ED6-B9EB-D967361B215F}"/>
+              </a:ext>
+            </a:extLst>
+          </p:cNvPr>
+          <p:cNvSpPr>
+            <a:spLocks noGrp="1"/>
+          </p:cNvSpPr>
+          <p:nvPr>
+            <p:ph idx="1"/>
+          </p:nvPr>
+        </p:nvSpPr>
+        <p:spPr>
+          <a:xfrm>
+            <a:off x="483827" y="1600200"/>
+            <a:ext cx="8229600" cy="4525963"/>
+          </a:xfrm>
+        </p:spPr>
+        <p:txBody>
+          <a:bodyPr/>
+          <a:lstStyle/>
+          <a:p>
+            <a:pPr marL="0" indent="0">
+              <a:buNone/>
+            </a:pPr>
+            <a:r>
+              <a:rPr lang="fr-FR" dirty="0" err="1"/>
+              <a:t>int</a:t>
+            </a:r>
+            <a:r>
+              <a:rPr lang="fr-FR" dirty="0"/>
+              <a:t> f(</a:t>
+            </a:r>
+            <a:r>
+              <a:rPr lang="fr-FR" dirty="0" err="1"/>
+              <a:t>int</a:t>
+            </a:r>
+            <a:r>
+              <a:rPr lang="fr-FR" dirty="0"/>
+              <a:t> x) {</a:t>
+            </a:r>
+          </a:p>
+          <a:p>
+            <a:pPr marL="0" indent="0">
+              <a:buNone/>
+            </a:pPr>
+            <a:r>
+              <a:rPr lang="fr-FR" dirty="0"/>
+              <a:t>	return x + 1;</a:t>
+            </a:r>
+          </a:p>
+          <a:p>
+            <a:pPr marL="0" indent="0">
+              <a:buNone/>
+            </a:pPr>
+            <a:r>
+              <a:rPr lang="fr-FR" dirty="0"/>
+              <a:t>}</a:t>
+            </a:r>
+          </a:p>
+        </p:txBody>
+      </p:sp>
+      <p:sp>
+        <p:nvSpPr>
+          <p:cNvPr id="4" name="ZoneTexte 3">
+            <a:extLst>
+              <a:ext uri="{FF2B5EF4-FFF2-40B4-BE49-F238E27FC236}">
+                <a16:creationId xmlns:a16="http://schemas.microsoft.com/office/drawing/2014/main" id="{5D19B0BD-64A1-4BBE-B239-F56C7A3A184B}"/>
+              </a:ext>
+            </a:extLst>
+          </p:cNvPr>
+          <p:cNvSpPr txBox="1"/>
+          <p:nvPr/>
+        </p:nvSpPr>
+        <p:spPr>
+          <a:xfrm>
+            <a:off x="3923928" y="3861048"/>
+            <a:ext cx="2736304" cy="369332"/>
+          </a:xfrm>
+          <a:prstGeom prst="rect">
+            <a:avLst/>
+          </a:prstGeom>
+          <a:noFill/>
+          <a:ln w="38100">
+            <a:solidFill>
+              <a:schemeClr val="tx1"/>
+            </a:solidFill>
+          </a:ln>
+        </p:spPr>
+        <p:txBody>
+          <a:bodyPr wrap="square" rtlCol="0">
+            <a:spAutoFit/>
+          </a:bodyPr>
+          <a:lstStyle/>
+          <a:p>
+            <a:r>
+              <a:rPr lang="fr-FR" dirty="0"/>
+              <a:t>	     f</a:t>
+            </a:r>
+          </a:p>
+        </p:txBody>
+      </p:sp>
+      <p:cxnSp>
+        <p:nvCxnSpPr>
+          <p:cNvPr id="6" name="Connecteur droit avec flèche 5">
+            <a:extLst>
+              <a:ext uri="{FF2B5EF4-FFF2-40B4-BE49-F238E27FC236}">
+                <a16:creationId xmlns:a16="http://schemas.microsoft.com/office/drawing/2014/main" id="{331852D7-29AD-40A9-BAFE-F9E2FEEB839D}"/>
+              </a:ext>
+            </a:extLst>
+          </p:cNvPr>
+          <p:cNvCxnSpPr/>
+          <p:nvPr/>
+        </p:nvCxnSpPr>
+        <p:spPr>
+          <a:xfrm>
+            <a:off x="2843808" y="4005064"/>
+            <a:ext cx="1008112" cy="0"/>
+          </a:xfrm>
+          <a:prstGeom prst="straightConnector1">
+            <a:avLst/>
+          </a:prstGeom>
+          <a:ln w="38100">
+            <a:tailEnd type="triangle"/>
+          </a:ln>
+        </p:spPr>
+        <p:style>
+          <a:lnRef idx="1">
+            <a:schemeClr val="accent1"/>
+          </a:lnRef>
+          <a:fillRef idx="0">
+            <a:schemeClr val="accent1"/>
+          </a:fillRef>
+          <a:effectRef idx="0">
+            <a:schemeClr val="accent1"/>
+          </a:effectRef>
+          <a:fontRef idx="minor">
+            <a:schemeClr val="tx1"/>
+          </a:fontRef>
+        </p:style>
+      </p:cxnSp>
+      <p:cxnSp>
+        <p:nvCxnSpPr>
+          <p:cNvPr id="7" name="Connecteur droit avec flèche 6">
+            <a:extLst>
+              <a:ext uri="{FF2B5EF4-FFF2-40B4-BE49-F238E27FC236}">
+                <a16:creationId xmlns:a16="http://schemas.microsoft.com/office/drawing/2014/main" id="{6515DF73-C4D6-4E04-8CAC-862779C95B02}"/>
+              </a:ext>
+            </a:extLst>
+          </p:cNvPr>
+          <p:cNvCxnSpPr/>
+          <p:nvPr/>
+        </p:nvCxnSpPr>
+        <p:spPr>
+          <a:xfrm>
+            <a:off x="6732240" y="4005064"/>
+            <a:ext cx="1008112" cy="0"/>
+          </a:xfrm>
+          <a:prstGeom prst="straightConnector1">
+            <a:avLst/>
+          </a:prstGeom>
+          <a:ln w="38100">
+            <a:tailEnd type="triangle"/>
+          </a:ln>
+        </p:spPr>
+        <p:style>
+          <a:lnRef idx="1">
+            <a:schemeClr val="accent1"/>
+          </a:lnRef>
+          <a:fillRef idx="0">
+            <a:schemeClr val="accent1"/>
+          </a:fillRef>
+          <a:effectRef idx="0">
+            <a:schemeClr val="accent1"/>
+          </a:effectRef>
+          <a:fontRef idx="minor">
+            <a:schemeClr val="tx1"/>
+          </a:fontRef>
+        </p:style>
+      </p:cxnSp>
+      <p:sp>
+        <p:nvSpPr>
+          <p:cNvPr id="8" name="ZoneTexte 7">
+            <a:extLst>
+              <a:ext uri="{FF2B5EF4-FFF2-40B4-BE49-F238E27FC236}">
+                <a16:creationId xmlns:a16="http://schemas.microsoft.com/office/drawing/2014/main" id="{EC359065-A813-45E3-A10E-785C2ED9CC50}"/>
+              </a:ext>
+            </a:extLst>
+          </p:cNvPr>
+          <p:cNvSpPr txBox="1"/>
+          <p:nvPr/>
+        </p:nvSpPr>
+        <p:spPr>
+          <a:xfrm>
+            <a:off x="3203848" y="3645024"/>
+            <a:ext cx="504056" cy="369332"/>
+          </a:xfrm>
+          <a:prstGeom prst="rect">
+            <a:avLst/>
+          </a:prstGeom>
+          <a:noFill/>
+        </p:spPr>
+        <p:txBody>
+          <a:bodyPr wrap="square" rtlCol="0">
+            <a:spAutoFit/>
+          </a:bodyPr>
+          <a:lstStyle/>
+          <a:p>
+            <a:r>
+              <a:rPr lang="fr-FR" dirty="0"/>
+              <a:t>x</a:t>
+            </a:r>
+          </a:p>
+        </p:txBody>
+      </p:sp>
+    </p:spTree>
+    <p:extLst>
+      <p:ext uri="{BB962C8B-B14F-4D97-AF65-F5344CB8AC3E}">
+        <p14:creationId xmlns:p14="http://schemas.microsoft.com/office/powerpoint/2010/main" val="3400676110"/>
+      </p:ext>
+    </p:extLst>
+  </p:cSld>
+  <p:clrMapOvr>
+    <a:masterClrMapping/>
+  </p:clrMapOvr>
+</p:sld>
+</file>
+
 <file path=ppt/slides/slide2.xml><?xml version="1.0" encoding="utf-8"?>
 <p:sld xmlns:a="http://schemas.openxmlformats.org/drawingml/2006/main" xmlns:r="http://schemas.openxmlformats.org/officeDocument/2006/relationships" xmlns:p="http://schemas.openxmlformats.org/presentationml/2006/main">
   <p:cSld>
@@ -3220,6 +5406,626 @@
         </p:txBody>
       </p:sp>
     </p:spTree>
+  </p:cSld>
+  <p:clrMapOvr>
+    <a:masterClrMapping/>
+  </p:clrMapOvr>
+</p:sld>
+</file>
+
+<file path=ppt/slides/slide20.xml><?xml version="1.0" encoding="utf-8"?>
+<p:sld xmlns:a="http://schemas.openxmlformats.org/drawingml/2006/main" xmlns:r="http://schemas.openxmlformats.org/officeDocument/2006/relationships" xmlns:p="http://schemas.openxmlformats.org/presentationml/2006/main">
+  <p:cSld>
+    <p:spTree>
+      <p:nvGrpSpPr>
+        <p:cNvPr id="1" name=""/>
+        <p:cNvGrpSpPr/>
+        <p:nvPr/>
+      </p:nvGrpSpPr>
+      <p:grpSpPr>
+        <a:xfrm>
+          <a:off x="0" y="0"/>
+          <a:ext cx="0" cy="0"/>
+          <a:chOff x="0" y="0"/>
+          <a:chExt cx="0" cy="0"/>
+        </a:xfrm>
+      </p:grpSpPr>
+      <p:sp>
+        <p:nvSpPr>
+          <p:cNvPr id="2" name="Titre 1">
+            <a:extLst>
+              <a:ext uri="{FF2B5EF4-FFF2-40B4-BE49-F238E27FC236}">
+                <a16:creationId xmlns:a16="http://schemas.microsoft.com/office/drawing/2014/main" id="{C53047C9-1B21-44CC-81EC-1B2A90CD2C40}"/>
+              </a:ext>
+            </a:extLst>
+          </p:cNvPr>
+          <p:cNvSpPr>
+            <a:spLocks noGrp="1"/>
+          </p:cNvSpPr>
+          <p:nvPr>
+            <p:ph type="title"/>
+          </p:nvPr>
+        </p:nvSpPr>
+        <p:spPr/>
+        <p:txBody>
+          <a:bodyPr/>
+          <a:lstStyle/>
+          <a:p>
+            <a:r>
+              <a:rPr lang="fr-FR" dirty="0"/>
+              <a:t>Stack</a:t>
+            </a:r>
+          </a:p>
+        </p:txBody>
+      </p:sp>
+      <p:sp>
+        <p:nvSpPr>
+          <p:cNvPr id="5" name="ZoneTexte 4">
+            <a:extLst>
+              <a:ext uri="{FF2B5EF4-FFF2-40B4-BE49-F238E27FC236}">
+                <a16:creationId xmlns:a16="http://schemas.microsoft.com/office/drawing/2014/main" id="{DD3587E1-8819-45E6-860E-C99366C9334D}"/>
+              </a:ext>
+            </a:extLst>
+          </p:cNvPr>
+          <p:cNvSpPr txBox="1"/>
+          <p:nvPr/>
+        </p:nvSpPr>
+        <p:spPr>
+          <a:xfrm>
+            <a:off x="5076056" y="1268760"/>
+            <a:ext cx="3610744" cy="5262979"/>
+          </a:xfrm>
+          <a:prstGeom prst="rect">
+            <a:avLst/>
+          </a:prstGeom>
+          <a:noFill/>
+          <a:ln>
+            <a:solidFill>
+              <a:srgbClr val="0070C0"/>
+            </a:solidFill>
+          </a:ln>
+        </p:spPr>
+        <p:txBody>
+          <a:bodyPr wrap="square" rtlCol="0">
+            <a:spAutoFit/>
+          </a:bodyPr>
+          <a:lstStyle/>
+          <a:p>
+            <a:pPr algn="ctr"/>
+            <a:endParaRPr lang="fr-FR" sz="2400" dirty="0"/>
+          </a:p>
+          <a:p>
+            <a:pPr algn="ctr"/>
+            <a:endParaRPr lang="fr-FR" sz="2400" dirty="0"/>
+          </a:p>
+          <a:p>
+            <a:pPr algn="ctr"/>
+            <a:endParaRPr lang="fr-FR" sz="2400" dirty="0"/>
+          </a:p>
+          <a:p>
+            <a:pPr algn="ctr"/>
+            <a:endParaRPr lang="fr-FR" sz="2400" dirty="0"/>
+          </a:p>
+          <a:p>
+            <a:pPr algn="ctr"/>
+            <a:endParaRPr lang="fr-FR" sz="2400" dirty="0"/>
+          </a:p>
+          <a:p>
+            <a:pPr algn="ctr"/>
+            <a:endParaRPr lang="fr-FR" sz="2400" dirty="0"/>
+          </a:p>
+          <a:p>
+            <a:pPr algn="ctr"/>
+            <a:r>
+              <a:rPr lang="fr-FR" sz="2400" dirty="0"/>
+              <a:t>?   3   0</a:t>
+            </a:r>
+          </a:p>
+          <a:p>
+            <a:pPr algn="ctr"/>
+            <a:r>
+              <a:rPr lang="fr-FR" sz="2400" dirty="0"/>
+              <a:t>15 12 3</a:t>
+            </a:r>
+          </a:p>
+          <a:p>
+            <a:pPr marL="457200" indent="-457200" algn="ctr">
+              <a:buAutoNum type="arabicPlain" startAt="12"/>
+            </a:pPr>
+            <a:r>
+              <a:rPr lang="fr-FR" sz="2400" dirty="0"/>
+              <a:t>3  0</a:t>
+            </a:r>
+          </a:p>
+          <a:p>
+            <a:pPr algn="ctr"/>
+            <a:r>
+              <a:rPr lang="fr-FR" sz="2400" dirty="0"/>
+              <a:t>3</a:t>
+            </a:r>
+          </a:p>
+          <a:p>
+            <a:pPr algn="ctr"/>
+            <a:r>
+              <a:rPr lang="fr-FR" sz="2400" dirty="0"/>
+              <a:t>?   3</a:t>
+            </a:r>
+          </a:p>
+          <a:p>
+            <a:pPr algn="ctr"/>
+            <a:r>
+              <a:rPr lang="fr-FR" sz="2400" dirty="0"/>
+              <a:t>15</a:t>
+            </a:r>
+          </a:p>
+          <a:p>
+            <a:pPr algn="ctr"/>
+            <a:r>
+              <a:rPr lang="fr-FR" sz="2400" dirty="0"/>
+              <a:t>12</a:t>
+            </a:r>
+          </a:p>
+          <a:p>
+            <a:endParaRPr lang="fr-FR" sz="2400" dirty="0"/>
+          </a:p>
+        </p:txBody>
+      </p:sp>
+      <p:sp>
+        <p:nvSpPr>
+          <p:cNvPr id="6" name="ZoneTexte 5">
+            <a:extLst>
+              <a:ext uri="{FF2B5EF4-FFF2-40B4-BE49-F238E27FC236}">
+                <a16:creationId xmlns:a16="http://schemas.microsoft.com/office/drawing/2014/main" id="{51DBC136-496C-470D-95C5-FE3620A9C5E6}"/>
+              </a:ext>
+            </a:extLst>
+          </p:cNvPr>
+          <p:cNvSpPr txBox="1"/>
+          <p:nvPr/>
+        </p:nvSpPr>
+        <p:spPr>
+          <a:xfrm>
+            <a:off x="4427984" y="1666280"/>
+            <a:ext cx="576064" cy="4801314"/>
+          </a:xfrm>
+          <a:prstGeom prst="rect">
+            <a:avLst/>
+          </a:prstGeom>
+          <a:noFill/>
+        </p:spPr>
+        <p:txBody>
+          <a:bodyPr wrap="square" rtlCol="0">
+            <a:spAutoFit/>
+          </a:bodyPr>
+          <a:lstStyle/>
+          <a:p>
+            <a:endParaRPr lang="fr-FR" sz="2400" dirty="0"/>
+          </a:p>
+          <a:p>
+            <a:endParaRPr lang="fr-FR" sz="2400" dirty="0"/>
+          </a:p>
+          <a:p>
+            <a:endParaRPr lang="fr-FR" sz="2400" dirty="0"/>
+          </a:p>
+          <a:p>
+            <a:endParaRPr lang="fr-FR" sz="2400" dirty="0"/>
+          </a:p>
+          <a:p>
+            <a:endParaRPr lang="fr-FR" sz="2400" dirty="0"/>
+          </a:p>
+          <a:p>
+            <a:r>
+              <a:rPr lang="fr-FR" sz="2400" dirty="0"/>
+              <a:t>R</a:t>
+            </a:r>
+          </a:p>
+          <a:p>
+            <a:r>
+              <a:rPr lang="fr-FR" sz="2400" dirty="0"/>
+              <a:t>A</a:t>
+            </a:r>
+          </a:p>
+          <a:p>
+            <a:r>
+              <a:rPr lang="fr-FR" sz="2400" dirty="0"/>
+              <a:t>B</a:t>
+            </a:r>
+          </a:p>
+          <a:p>
+            <a:endParaRPr lang="fr-FR" sz="2400" dirty="0"/>
+          </a:p>
+          <a:p>
+            <a:r>
+              <a:rPr lang="fr-FR" sz="2400" dirty="0"/>
+              <a:t>P</a:t>
+            </a:r>
+          </a:p>
+          <a:p>
+            <a:r>
+              <a:rPr lang="fr-FR" sz="2400" dirty="0"/>
+              <a:t>A</a:t>
+            </a:r>
+          </a:p>
+          <a:p>
+            <a:r>
+              <a:rPr lang="fr-FR" sz="2400" dirty="0"/>
+              <a:t>B</a:t>
+            </a:r>
+          </a:p>
+          <a:p>
+            <a:endParaRPr lang="fr-FR" dirty="0"/>
+          </a:p>
+        </p:txBody>
+      </p:sp>
+      <p:cxnSp>
+        <p:nvCxnSpPr>
+          <p:cNvPr id="8" name="Connecteur droit 7">
+            <a:extLst>
+              <a:ext uri="{FF2B5EF4-FFF2-40B4-BE49-F238E27FC236}">
+                <a16:creationId xmlns:a16="http://schemas.microsoft.com/office/drawing/2014/main" id="{C7BE9C59-CBB6-46CA-82B0-3D1597E05DA3}"/>
+              </a:ext>
+            </a:extLst>
+          </p:cNvPr>
+          <p:cNvCxnSpPr/>
+          <p:nvPr/>
+        </p:nvCxnSpPr>
+        <p:spPr>
+          <a:xfrm>
+            <a:off x="3923928" y="5013176"/>
+            <a:ext cx="5040560" cy="0"/>
+          </a:xfrm>
+          <a:prstGeom prst="line">
+            <a:avLst/>
+          </a:prstGeom>
+          <a:ln>
+            <a:prstDash val="dash"/>
+          </a:ln>
+        </p:spPr>
+        <p:style>
+          <a:lnRef idx="1">
+            <a:schemeClr val="accent1"/>
+          </a:lnRef>
+          <a:fillRef idx="0">
+            <a:schemeClr val="accent1"/>
+          </a:fillRef>
+          <a:effectRef idx="0">
+            <a:schemeClr val="accent1"/>
+          </a:effectRef>
+          <a:fontRef idx="minor">
+            <a:schemeClr val="tx1"/>
+          </a:fontRef>
+        </p:style>
+      </p:cxnSp>
+      <p:cxnSp>
+        <p:nvCxnSpPr>
+          <p:cNvPr id="10" name="Connecteur droit 9">
+            <a:extLst>
+              <a:ext uri="{FF2B5EF4-FFF2-40B4-BE49-F238E27FC236}">
+                <a16:creationId xmlns:a16="http://schemas.microsoft.com/office/drawing/2014/main" id="{0B6BE358-5C06-44C2-A917-F2E9A17C7224}"/>
+              </a:ext>
+            </a:extLst>
+          </p:cNvPr>
+          <p:cNvCxnSpPr/>
+          <p:nvPr/>
+        </p:nvCxnSpPr>
+        <p:spPr>
+          <a:xfrm>
+            <a:off x="6444208" y="3717032"/>
+            <a:ext cx="504056" cy="0"/>
+          </a:xfrm>
+          <a:prstGeom prst="line">
+            <a:avLst/>
+          </a:prstGeom>
+          <a:ln w="28575"/>
+        </p:spPr>
+        <p:style>
+          <a:lnRef idx="1">
+            <a:schemeClr val="accent2"/>
+          </a:lnRef>
+          <a:fillRef idx="0">
+            <a:schemeClr val="accent2"/>
+          </a:fillRef>
+          <a:effectRef idx="0">
+            <a:schemeClr val="accent2"/>
+          </a:effectRef>
+          <a:fontRef idx="minor">
+            <a:schemeClr val="tx1"/>
+          </a:fontRef>
+        </p:style>
+      </p:cxnSp>
+      <p:cxnSp>
+        <p:nvCxnSpPr>
+          <p:cNvPr id="11" name="Connecteur droit 10">
+            <a:extLst>
+              <a:ext uri="{FF2B5EF4-FFF2-40B4-BE49-F238E27FC236}">
+                <a16:creationId xmlns:a16="http://schemas.microsoft.com/office/drawing/2014/main" id="{FCECA72E-E937-47FC-B020-B2DAFE51C90E}"/>
+              </a:ext>
+            </a:extLst>
+          </p:cNvPr>
+          <p:cNvCxnSpPr/>
+          <p:nvPr/>
+        </p:nvCxnSpPr>
+        <p:spPr>
+          <a:xfrm>
+            <a:off x="6516216" y="4077072"/>
+            <a:ext cx="504056" cy="0"/>
+          </a:xfrm>
+          <a:prstGeom prst="line">
+            <a:avLst/>
+          </a:prstGeom>
+          <a:ln w="28575"/>
+        </p:spPr>
+        <p:style>
+          <a:lnRef idx="1">
+            <a:schemeClr val="accent2"/>
+          </a:lnRef>
+          <a:fillRef idx="0">
+            <a:schemeClr val="accent2"/>
+          </a:fillRef>
+          <a:effectRef idx="0">
+            <a:schemeClr val="accent2"/>
+          </a:effectRef>
+          <a:fontRef idx="minor">
+            <a:schemeClr val="tx1"/>
+          </a:fontRef>
+        </p:style>
+      </p:cxnSp>
+      <p:cxnSp>
+        <p:nvCxnSpPr>
+          <p:cNvPr id="12" name="Connecteur droit 11">
+            <a:extLst>
+              <a:ext uri="{FF2B5EF4-FFF2-40B4-BE49-F238E27FC236}">
+                <a16:creationId xmlns:a16="http://schemas.microsoft.com/office/drawing/2014/main" id="{1ADB73AD-55D5-4032-A03D-2FD98681A54C}"/>
+              </a:ext>
+            </a:extLst>
+          </p:cNvPr>
+          <p:cNvCxnSpPr/>
+          <p:nvPr/>
+        </p:nvCxnSpPr>
+        <p:spPr>
+          <a:xfrm>
+            <a:off x="6516216" y="4437112"/>
+            <a:ext cx="504056" cy="0"/>
+          </a:xfrm>
+          <a:prstGeom prst="line">
+            <a:avLst/>
+          </a:prstGeom>
+          <a:ln w="28575"/>
+        </p:spPr>
+        <p:style>
+          <a:lnRef idx="1">
+            <a:schemeClr val="accent2"/>
+          </a:lnRef>
+          <a:fillRef idx="0">
+            <a:schemeClr val="accent2"/>
+          </a:fillRef>
+          <a:effectRef idx="0">
+            <a:schemeClr val="accent2"/>
+          </a:effectRef>
+          <a:fontRef idx="minor">
+            <a:schemeClr val="tx1"/>
+          </a:fontRef>
+        </p:style>
+      </p:cxnSp>
+      <p:sp>
+        <p:nvSpPr>
+          <p:cNvPr id="13" name="ZoneTexte 12">
+            <a:extLst>
+              <a:ext uri="{FF2B5EF4-FFF2-40B4-BE49-F238E27FC236}">
+                <a16:creationId xmlns:a16="http://schemas.microsoft.com/office/drawing/2014/main" id="{7FD6E302-14B5-4C32-B4B4-66DAFBF08F24}"/>
+              </a:ext>
+            </a:extLst>
+          </p:cNvPr>
+          <p:cNvSpPr txBox="1"/>
+          <p:nvPr/>
+        </p:nvSpPr>
+        <p:spPr>
+          <a:xfrm>
+            <a:off x="1763688" y="5517232"/>
+            <a:ext cx="2160240" cy="369332"/>
+          </a:xfrm>
+          <a:prstGeom prst="rect">
+            <a:avLst/>
+          </a:prstGeom>
+          <a:noFill/>
+        </p:spPr>
+        <p:txBody>
+          <a:bodyPr wrap="square" rtlCol="0">
+            <a:spAutoFit/>
+          </a:bodyPr>
+          <a:lstStyle/>
+          <a:p>
+            <a:r>
+              <a:rPr lang="fr-FR" dirty="0" err="1"/>
+              <a:t>euclide</a:t>
+            </a:r>
+            <a:endParaRPr lang="fr-FR" dirty="0"/>
+          </a:p>
+        </p:txBody>
+      </p:sp>
+      <p:sp>
+        <p:nvSpPr>
+          <p:cNvPr id="14" name="ZoneTexte 13">
+            <a:extLst>
+              <a:ext uri="{FF2B5EF4-FFF2-40B4-BE49-F238E27FC236}">
+                <a16:creationId xmlns:a16="http://schemas.microsoft.com/office/drawing/2014/main" id="{30AE4806-D1D2-4C67-B2BB-F01F1762F2F9}"/>
+              </a:ext>
+            </a:extLst>
+          </p:cNvPr>
+          <p:cNvSpPr txBox="1"/>
+          <p:nvPr/>
+        </p:nvSpPr>
+        <p:spPr>
+          <a:xfrm>
+            <a:off x="1691680" y="4067780"/>
+            <a:ext cx="2160240" cy="369332"/>
+          </a:xfrm>
+          <a:prstGeom prst="rect">
+            <a:avLst/>
+          </a:prstGeom>
+          <a:noFill/>
+        </p:spPr>
+        <p:txBody>
+          <a:bodyPr wrap="square" rtlCol="0">
+            <a:spAutoFit/>
+          </a:bodyPr>
+          <a:lstStyle/>
+          <a:p>
+            <a:r>
+              <a:rPr lang="fr-FR" dirty="0"/>
+              <a:t>pgcd</a:t>
+            </a:r>
+          </a:p>
+        </p:txBody>
+      </p:sp>
+      <p:cxnSp>
+        <p:nvCxnSpPr>
+          <p:cNvPr id="15" name="Connecteur droit 14">
+            <a:extLst>
+              <a:ext uri="{FF2B5EF4-FFF2-40B4-BE49-F238E27FC236}">
+                <a16:creationId xmlns:a16="http://schemas.microsoft.com/office/drawing/2014/main" id="{3C1DBC75-530A-4CA1-BF07-0AF5BA738322}"/>
+              </a:ext>
+            </a:extLst>
+          </p:cNvPr>
+          <p:cNvCxnSpPr/>
+          <p:nvPr/>
+        </p:nvCxnSpPr>
+        <p:spPr>
+          <a:xfrm>
+            <a:off x="3923928" y="4581128"/>
+            <a:ext cx="5040560" cy="0"/>
+          </a:xfrm>
+          <a:prstGeom prst="line">
+            <a:avLst/>
+          </a:prstGeom>
+          <a:ln>
+            <a:prstDash val="dash"/>
+          </a:ln>
+        </p:spPr>
+        <p:style>
+          <a:lnRef idx="1">
+            <a:schemeClr val="accent1"/>
+          </a:lnRef>
+          <a:fillRef idx="0">
+            <a:schemeClr val="accent1"/>
+          </a:fillRef>
+          <a:effectRef idx="0">
+            <a:schemeClr val="accent1"/>
+          </a:effectRef>
+          <a:fontRef idx="minor">
+            <a:schemeClr val="tx1"/>
+          </a:fontRef>
+        </p:style>
+      </p:cxnSp>
+      <p:cxnSp>
+        <p:nvCxnSpPr>
+          <p:cNvPr id="16" name="Connecteur droit 15">
+            <a:extLst>
+              <a:ext uri="{FF2B5EF4-FFF2-40B4-BE49-F238E27FC236}">
+                <a16:creationId xmlns:a16="http://schemas.microsoft.com/office/drawing/2014/main" id="{9B0F8014-E8D2-4F91-82B0-C10AF5F255B6}"/>
+              </a:ext>
+            </a:extLst>
+          </p:cNvPr>
+          <p:cNvCxnSpPr/>
+          <p:nvPr/>
+        </p:nvCxnSpPr>
+        <p:spPr>
+          <a:xfrm>
+            <a:off x="6395881" y="5157192"/>
+            <a:ext cx="504056" cy="0"/>
+          </a:xfrm>
+          <a:prstGeom prst="line">
+            <a:avLst/>
+          </a:prstGeom>
+          <a:ln w="28575"/>
+        </p:spPr>
+        <p:style>
+          <a:lnRef idx="1">
+            <a:schemeClr val="accent2"/>
+          </a:lnRef>
+          <a:fillRef idx="0">
+            <a:schemeClr val="accent2"/>
+          </a:fillRef>
+          <a:effectRef idx="0">
+            <a:schemeClr val="accent2"/>
+          </a:effectRef>
+          <a:fontRef idx="minor">
+            <a:schemeClr val="tx1"/>
+          </a:fontRef>
+        </p:style>
+      </p:cxnSp>
+      <p:cxnSp>
+        <p:nvCxnSpPr>
+          <p:cNvPr id="17" name="Connecteur droit 16">
+            <a:extLst>
+              <a:ext uri="{FF2B5EF4-FFF2-40B4-BE49-F238E27FC236}">
+                <a16:creationId xmlns:a16="http://schemas.microsoft.com/office/drawing/2014/main" id="{46CB963B-C8E5-4B11-91A0-33FE97735B65}"/>
+              </a:ext>
+            </a:extLst>
+          </p:cNvPr>
+          <p:cNvCxnSpPr/>
+          <p:nvPr/>
+        </p:nvCxnSpPr>
+        <p:spPr>
+          <a:xfrm>
+            <a:off x="6629400" y="4797152"/>
+            <a:ext cx="504056" cy="0"/>
+          </a:xfrm>
+          <a:prstGeom prst="line">
+            <a:avLst/>
+          </a:prstGeom>
+          <a:ln w="28575"/>
+        </p:spPr>
+        <p:style>
+          <a:lnRef idx="1">
+            <a:schemeClr val="accent2"/>
+          </a:lnRef>
+          <a:fillRef idx="0">
+            <a:schemeClr val="accent2"/>
+          </a:fillRef>
+          <a:effectRef idx="0">
+            <a:schemeClr val="accent2"/>
+          </a:effectRef>
+          <a:fontRef idx="minor">
+            <a:schemeClr val="tx1"/>
+          </a:fontRef>
+        </p:style>
+      </p:cxnSp>
+    </p:spTree>
+    <p:extLst>
+      <p:ext uri="{BB962C8B-B14F-4D97-AF65-F5344CB8AC3E}">
+        <p14:creationId xmlns:p14="http://schemas.microsoft.com/office/powerpoint/2010/main" val="3594033880"/>
+      </p:ext>
+    </p:extLst>
+  </p:cSld>
+  <p:clrMapOvr>
+    <a:masterClrMapping/>
+  </p:clrMapOvr>
+</p:sld>
+</file>
+
+<file path=ppt/slides/slide21.xml><?xml version="1.0" encoding="utf-8"?>
+<p:sld xmlns:a="http://schemas.openxmlformats.org/drawingml/2006/main" xmlns:r="http://schemas.openxmlformats.org/officeDocument/2006/relationships" xmlns:p="http://schemas.openxmlformats.org/presentationml/2006/main">
+  <p:cSld>
+    <p:spTree>
+      <p:nvGrpSpPr>
+        <p:cNvPr id="1" name=""/>
+        <p:cNvGrpSpPr/>
+        <p:nvPr/>
+      </p:nvGrpSpPr>
+      <p:grpSpPr>
+        <a:xfrm>
+          <a:off x="0" y="0"/>
+          <a:ext cx="0" cy="0"/>
+          <a:chOff x="0" y="0"/>
+          <a:chExt cx="0" cy="0"/>
+        </a:xfrm>
+      </p:grpSpPr>
+    </p:spTree>
+    <p:extLst>
+      <p:ext uri="{BB962C8B-B14F-4D97-AF65-F5344CB8AC3E}">
+        <p14:creationId xmlns:p14="http://schemas.microsoft.com/office/powerpoint/2010/main" val="78720486"/>
+      </p:ext>
+    </p:extLst>
   </p:cSld>
   <p:clrMapOvr>
     <a:masterClrMapping/>
@@ -4194,7 +7000,7 @@
           <a:p>
             <a:r>
               <a:rPr lang="fr-FR" dirty="0"/>
-              <a:t>Python </a:t>
+              <a:t>Python/R </a:t>
             </a:r>
             <a:r>
               <a:rPr lang="fr-FR" dirty="0" err="1"/>
@@ -4211,7 +7017,10 @@
             <a:endParaRPr lang="fr-FR" dirty="0"/>
           </a:p>
           <a:p>
-            <a:endParaRPr lang="fr-FR" dirty="0"/>
+            <a:r>
+              <a:rPr lang="fr-FR" dirty="0"/>
+              <a:t>PostgreSQL</a:t>
+            </a:r>
           </a:p>
         </p:txBody>
       </p:sp>

--- a/CPP.pptx
+++ b/CPP.pptx
@@ -30,6 +30,8 @@
     <p:sldId id="278" r:id="rId24"/>
     <p:sldId id="279" r:id="rId25"/>
     <p:sldId id="280" r:id="rId26"/>
+    <p:sldId id="281" r:id="rId27"/>
+    <p:sldId id="282" r:id="rId28"/>
   </p:sldIdLst>
   <p:sldSz cx="9144000" cy="6858000" type="screen4x3"/>
   <p:notesSz cx="6858000" cy="9144000"/>
@@ -17019,6 +17021,2583 @@
 </p:sld>
 </file>
 
+<file path=ppt/slides/slide26.xml><?xml version="1.0" encoding="utf-8"?>
+<p:sld xmlns:a="http://schemas.openxmlformats.org/drawingml/2006/main" xmlns:r="http://schemas.openxmlformats.org/officeDocument/2006/relationships" xmlns:p="http://schemas.openxmlformats.org/presentationml/2006/main">
+  <p:cSld>
+    <p:spTree>
+      <p:nvGrpSpPr>
+        <p:cNvPr id="1" name=""/>
+        <p:cNvGrpSpPr/>
+        <p:nvPr/>
+      </p:nvGrpSpPr>
+      <p:grpSpPr>
+        <a:xfrm>
+          <a:off x="0" y="0"/>
+          <a:ext cx="0" cy="0"/>
+          <a:chOff x="0" y="0"/>
+          <a:chExt cx="0" cy="0"/>
+        </a:xfrm>
+      </p:grpSpPr>
+      <p:sp>
+        <p:nvSpPr>
+          <p:cNvPr id="4" name="ZoneTexte 3">
+            <a:extLst>
+              <a:ext uri="{FF2B5EF4-FFF2-40B4-BE49-F238E27FC236}">
+                <a16:creationId xmlns:a16="http://schemas.microsoft.com/office/drawing/2014/main" id="{36E62130-3211-40E3-B1CC-2427F22C3764}"/>
+              </a:ext>
+            </a:extLst>
+          </p:cNvPr>
+          <p:cNvSpPr txBox="1"/>
+          <p:nvPr/>
+        </p:nvSpPr>
+        <p:spPr>
+          <a:xfrm>
+            <a:off x="3203848" y="692696"/>
+            <a:ext cx="2880320" cy="1754326"/>
+          </a:xfrm>
+          <a:prstGeom prst="rect">
+            <a:avLst/>
+          </a:prstGeom>
+          <a:noFill/>
+          <a:ln w="28575">
+            <a:solidFill>
+              <a:srgbClr val="00B050"/>
+            </a:solidFill>
+          </a:ln>
+        </p:spPr>
+        <p:txBody>
+          <a:bodyPr wrap="square" rtlCol="0">
+            <a:spAutoFit/>
+          </a:bodyPr>
+          <a:lstStyle/>
+          <a:p>
+            <a:r>
+              <a:rPr lang="fr-FR" dirty="0"/>
+              <a:t>: </a:t>
+            </a:r>
+            <a:r>
+              <a:rPr lang="fr-FR" dirty="0" err="1"/>
+              <a:t>PointPondéré</a:t>
+            </a:r>
+            <a:endParaRPr lang="fr-FR" dirty="0"/>
+          </a:p>
+          <a:p>
+            <a:endParaRPr lang="fr-FR" dirty="0"/>
+          </a:p>
+          <a:p>
+            <a:r>
+              <a:rPr lang="fr-FR" dirty="0"/>
+              <a:t>nom = "H"</a:t>
+            </a:r>
+          </a:p>
+          <a:p>
+            <a:r>
+              <a:rPr lang="fr-FR" dirty="0"/>
+              <a:t>x = 3.4</a:t>
+            </a:r>
+          </a:p>
+          <a:p>
+            <a:r>
+              <a:rPr lang="fr-FR" dirty="0"/>
+              <a:t>y = 5.7</a:t>
+            </a:r>
+          </a:p>
+          <a:p>
+            <a:r>
+              <a:rPr lang="fr-FR" dirty="0"/>
+              <a:t>poids = 12.4</a:t>
+            </a:r>
+          </a:p>
+        </p:txBody>
+      </p:sp>
+      <p:cxnSp>
+        <p:nvCxnSpPr>
+          <p:cNvPr id="6" name="Connecteur droit 5">
+            <a:extLst>
+              <a:ext uri="{FF2B5EF4-FFF2-40B4-BE49-F238E27FC236}">
+                <a16:creationId xmlns:a16="http://schemas.microsoft.com/office/drawing/2014/main" id="{73A0DB80-344B-4C4E-8794-98924F58AC42}"/>
+              </a:ext>
+            </a:extLst>
+          </p:cNvPr>
+          <p:cNvCxnSpPr/>
+          <p:nvPr/>
+        </p:nvCxnSpPr>
+        <p:spPr>
+          <a:xfrm>
+            <a:off x="3203848" y="1124744"/>
+            <a:ext cx="2880320" cy="0"/>
+          </a:xfrm>
+          <a:prstGeom prst="line">
+            <a:avLst/>
+          </a:prstGeom>
+          <a:ln w="19050">
+            <a:solidFill>
+              <a:srgbClr val="00B050"/>
+            </a:solidFill>
+          </a:ln>
+        </p:spPr>
+        <p:style>
+          <a:lnRef idx="1">
+            <a:schemeClr val="accent1"/>
+          </a:lnRef>
+          <a:fillRef idx="0">
+            <a:schemeClr val="accent1"/>
+          </a:fillRef>
+          <a:effectRef idx="0">
+            <a:schemeClr val="accent1"/>
+          </a:effectRef>
+          <a:fontRef idx="minor">
+            <a:schemeClr val="tx1"/>
+          </a:fontRef>
+        </p:style>
+      </p:cxnSp>
+      <p:sp>
+        <p:nvSpPr>
+          <p:cNvPr id="7" name="ZoneTexte 6">
+            <a:extLst>
+              <a:ext uri="{FF2B5EF4-FFF2-40B4-BE49-F238E27FC236}">
+                <a16:creationId xmlns:a16="http://schemas.microsoft.com/office/drawing/2014/main" id="{D40DB397-2F3A-4366-AEF7-734EF93AB91D}"/>
+              </a:ext>
+            </a:extLst>
+          </p:cNvPr>
+          <p:cNvSpPr txBox="1"/>
+          <p:nvPr/>
+        </p:nvSpPr>
+        <p:spPr>
+          <a:xfrm>
+            <a:off x="971600" y="768474"/>
+            <a:ext cx="1800200" cy="369332"/>
+          </a:xfrm>
+          <a:prstGeom prst="rect">
+            <a:avLst/>
+          </a:prstGeom>
+          <a:noFill/>
+        </p:spPr>
+        <p:txBody>
+          <a:bodyPr wrap="square" rtlCol="0">
+            <a:spAutoFit/>
+          </a:bodyPr>
+          <a:lstStyle/>
+          <a:p>
+            <a:r>
+              <a:rPr lang="fr-FR" dirty="0" err="1"/>
+              <a:t>PointPondéré</a:t>
+            </a:r>
+            <a:r>
+              <a:rPr lang="fr-FR" dirty="0"/>
+              <a:t> pH</a:t>
+            </a:r>
+          </a:p>
+        </p:txBody>
+      </p:sp>
+      <p:sp>
+        <p:nvSpPr>
+          <p:cNvPr id="8" name="ZoneTexte 7">
+            <a:extLst>
+              <a:ext uri="{FF2B5EF4-FFF2-40B4-BE49-F238E27FC236}">
+                <a16:creationId xmlns:a16="http://schemas.microsoft.com/office/drawing/2014/main" id="{155167E1-2D19-443B-A352-26A1A2886EF2}"/>
+              </a:ext>
+            </a:extLst>
+          </p:cNvPr>
+          <p:cNvSpPr txBox="1"/>
+          <p:nvPr/>
+        </p:nvSpPr>
+        <p:spPr>
+          <a:xfrm>
+            <a:off x="611560" y="2627620"/>
+            <a:ext cx="2160240" cy="369332"/>
+          </a:xfrm>
+          <a:prstGeom prst="rect">
+            <a:avLst/>
+          </a:prstGeom>
+          <a:noFill/>
+        </p:spPr>
+        <p:txBody>
+          <a:bodyPr wrap="square" rtlCol="0">
+            <a:spAutoFit/>
+          </a:bodyPr>
+          <a:lstStyle/>
+          <a:p>
+            <a:r>
+              <a:rPr lang="fr-FR" dirty="0" err="1"/>
+              <a:t>PointPondéré</a:t>
+            </a:r>
+            <a:r>
+              <a:rPr lang="fr-FR" dirty="0"/>
+              <a:t> &amp;</a:t>
+            </a:r>
+            <a:r>
+              <a:rPr lang="fr-FR" dirty="0" err="1"/>
+              <a:t>rpH</a:t>
+            </a:r>
+            <a:endParaRPr lang="fr-FR" dirty="0"/>
+          </a:p>
+        </p:txBody>
+      </p:sp>
+      <p:sp>
+        <p:nvSpPr>
+          <p:cNvPr id="9" name="ZoneTexte 8">
+            <a:extLst>
+              <a:ext uri="{FF2B5EF4-FFF2-40B4-BE49-F238E27FC236}">
+                <a16:creationId xmlns:a16="http://schemas.microsoft.com/office/drawing/2014/main" id="{9C11A81D-E697-48E3-9CC6-80A614548716}"/>
+              </a:ext>
+            </a:extLst>
+          </p:cNvPr>
+          <p:cNvSpPr txBox="1"/>
+          <p:nvPr/>
+        </p:nvSpPr>
+        <p:spPr>
+          <a:xfrm>
+            <a:off x="611560" y="3059668"/>
+            <a:ext cx="2160240" cy="369332"/>
+          </a:xfrm>
+          <a:prstGeom prst="rect">
+            <a:avLst/>
+          </a:prstGeom>
+          <a:noFill/>
+        </p:spPr>
+        <p:txBody>
+          <a:bodyPr wrap="square" rtlCol="0">
+            <a:spAutoFit/>
+          </a:bodyPr>
+          <a:lstStyle/>
+          <a:p>
+            <a:r>
+              <a:rPr lang="fr-FR" dirty="0" err="1"/>
+              <a:t>PointPondéré</a:t>
+            </a:r>
+            <a:r>
+              <a:rPr lang="fr-FR" dirty="0"/>
+              <a:t> *</a:t>
+            </a:r>
+            <a:r>
+              <a:rPr lang="fr-FR" dirty="0" err="1"/>
+              <a:t>ppH</a:t>
+            </a:r>
+            <a:endParaRPr lang="fr-FR" dirty="0"/>
+          </a:p>
+        </p:txBody>
+      </p:sp>
+      <p:sp>
+        <p:nvSpPr>
+          <p:cNvPr id="10" name="Forme libre : forme 9">
+            <a:extLst>
+              <a:ext uri="{FF2B5EF4-FFF2-40B4-BE49-F238E27FC236}">
+                <a16:creationId xmlns:a16="http://schemas.microsoft.com/office/drawing/2014/main" id="{643304B2-ABD8-46A4-9773-E2E391015CEB}"/>
+              </a:ext>
+            </a:extLst>
+          </p:cNvPr>
+          <p:cNvSpPr/>
+          <p:nvPr/>
+        </p:nvSpPr>
+        <p:spPr>
+          <a:xfrm>
+            <a:off x="2654423" y="789989"/>
+            <a:ext cx="532660" cy="1979844"/>
+          </a:xfrm>
+          <a:custGeom>
+            <a:avLst/>
+            <a:gdLst>
+              <a:gd name="connsiteX0" fmla="*/ 0 w 532660"/>
+              <a:gd name="connsiteY0" fmla="*/ 1979844 h 1979844"/>
+              <a:gd name="connsiteX1" fmla="*/ 53266 w 532660"/>
+              <a:gd name="connsiteY1" fmla="*/ 1899945 h 1979844"/>
+              <a:gd name="connsiteX2" fmla="*/ 88777 w 532660"/>
+              <a:gd name="connsiteY2" fmla="*/ 1837801 h 1979844"/>
+              <a:gd name="connsiteX3" fmla="*/ 124288 w 532660"/>
+              <a:gd name="connsiteY3" fmla="*/ 1740147 h 1979844"/>
+              <a:gd name="connsiteX4" fmla="*/ 142043 w 532660"/>
+              <a:gd name="connsiteY4" fmla="*/ 1678003 h 1979844"/>
+              <a:gd name="connsiteX5" fmla="*/ 150921 w 532660"/>
+              <a:gd name="connsiteY5" fmla="*/ 1606982 h 1979844"/>
+              <a:gd name="connsiteX6" fmla="*/ 159798 w 532660"/>
+              <a:gd name="connsiteY6" fmla="*/ 1553716 h 1979844"/>
+              <a:gd name="connsiteX7" fmla="*/ 177554 w 532660"/>
+              <a:gd name="connsiteY7" fmla="*/ 1420551 h 1979844"/>
+              <a:gd name="connsiteX8" fmla="*/ 186431 w 532660"/>
+              <a:gd name="connsiteY8" fmla="*/ 1242997 h 1979844"/>
+              <a:gd name="connsiteX9" fmla="*/ 204187 w 532660"/>
+              <a:gd name="connsiteY9" fmla="*/ 1171976 h 1979844"/>
+              <a:gd name="connsiteX10" fmla="*/ 213064 w 532660"/>
+              <a:gd name="connsiteY10" fmla="*/ 958912 h 1979844"/>
+              <a:gd name="connsiteX11" fmla="*/ 221942 w 532660"/>
+              <a:gd name="connsiteY11" fmla="*/ 781359 h 1979844"/>
+              <a:gd name="connsiteX12" fmla="*/ 230820 w 532660"/>
+              <a:gd name="connsiteY12" fmla="*/ 736970 h 1979844"/>
+              <a:gd name="connsiteX13" fmla="*/ 239697 w 532660"/>
+              <a:gd name="connsiteY13" fmla="*/ 532784 h 1979844"/>
+              <a:gd name="connsiteX14" fmla="*/ 257453 w 532660"/>
+              <a:gd name="connsiteY14" fmla="*/ 470640 h 1979844"/>
+              <a:gd name="connsiteX15" fmla="*/ 266330 w 532660"/>
+              <a:gd name="connsiteY15" fmla="*/ 372986 h 1979844"/>
+              <a:gd name="connsiteX16" fmla="*/ 275208 w 532660"/>
+              <a:gd name="connsiteY16" fmla="*/ 293087 h 1979844"/>
+              <a:gd name="connsiteX17" fmla="*/ 301841 w 532660"/>
+              <a:gd name="connsiteY17" fmla="*/ 204310 h 1979844"/>
+              <a:gd name="connsiteX18" fmla="*/ 319596 w 532660"/>
+              <a:gd name="connsiteY18" fmla="*/ 124411 h 1979844"/>
+              <a:gd name="connsiteX19" fmla="*/ 328474 w 532660"/>
+              <a:gd name="connsiteY19" fmla="*/ 97778 h 1979844"/>
+              <a:gd name="connsiteX20" fmla="*/ 381740 w 532660"/>
+              <a:gd name="connsiteY20" fmla="*/ 62267 h 1979844"/>
+              <a:gd name="connsiteX21" fmla="*/ 408373 w 532660"/>
+              <a:gd name="connsiteY21" fmla="*/ 44512 h 1979844"/>
+              <a:gd name="connsiteX22" fmla="*/ 435006 w 532660"/>
+              <a:gd name="connsiteY22" fmla="*/ 26757 h 1979844"/>
+              <a:gd name="connsiteX23" fmla="*/ 488272 w 532660"/>
+              <a:gd name="connsiteY23" fmla="*/ 9001 h 1979844"/>
+              <a:gd name="connsiteX24" fmla="*/ 532660 w 532660"/>
+              <a:gd name="connsiteY24" fmla="*/ 124 h 1979844"/>
+            </a:gdLst>
+            <a:ahLst/>
+            <a:cxnLst>
+              <a:cxn ang="0">
+                <a:pos x="connsiteX0" y="connsiteY0"/>
+              </a:cxn>
+              <a:cxn ang="0">
+                <a:pos x="connsiteX1" y="connsiteY1"/>
+              </a:cxn>
+              <a:cxn ang="0">
+                <a:pos x="connsiteX2" y="connsiteY2"/>
+              </a:cxn>
+              <a:cxn ang="0">
+                <a:pos x="connsiteX3" y="connsiteY3"/>
+              </a:cxn>
+              <a:cxn ang="0">
+                <a:pos x="connsiteX4" y="connsiteY4"/>
+              </a:cxn>
+              <a:cxn ang="0">
+                <a:pos x="connsiteX5" y="connsiteY5"/>
+              </a:cxn>
+              <a:cxn ang="0">
+                <a:pos x="connsiteX6" y="connsiteY6"/>
+              </a:cxn>
+              <a:cxn ang="0">
+                <a:pos x="connsiteX7" y="connsiteY7"/>
+              </a:cxn>
+              <a:cxn ang="0">
+                <a:pos x="connsiteX8" y="connsiteY8"/>
+              </a:cxn>
+              <a:cxn ang="0">
+                <a:pos x="connsiteX9" y="connsiteY9"/>
+              </a:cxn>
+              <a:cxn ang="0">
+                <a:pos x="connsiteX10" y="connsiteY10"/>
+              </a:cxn>
+              <a:cxn ang="0">
+                <a:pos x="connsiteX11" y="connsiteY11"/>
+              </a:cxn>
+              <a:cxn ang="0">
+                <a:pos x="connsiteX12" y="connsiteY12"/>
+              </a:cxn>
+              <a:cxn ang="0">
+                <a:pos x="connsiteX13" y="connsiteY13"/>
+              </a:cxn>
+              <a:cxn ang="0">
+                <a:pos x="connsiteX14" y="connsiteY14"/>
+              </a:cxn>
+              <a:cxn ang="0">
+                <a:pos x="connsiteX15" y="connsiteY15"/>
+              </a:cxn>
+              <a:cxn ang="0">
+                <a:pos x="connsiteX16" y="connsiteY16"/>
+              </a:cxn>
+              <a:cxn ang="0">
+                <a:pos x="connsiteX17" y="connsiteY17"/>
+              </a:cxn>
+              <a:cxn ang="0">
+                <a:pos x="connsiteX18" y="connsiteY18"/>
+              </a:cxn>
+              <a:cxn ang="0">
+                <a:pos x="connsiteX19" y="connsiteY19"/>
+              </a:cxn>
+              <a:cxn ang="0">
+                <a:pos x="connsiteX20" y="connsiteY20"/>
+              </a:cxn>
+              <a:cxn ang="0">
+                <a:pos x="connsiteX21" y="connsiteY21"/>
+              </a:cxn>
+              <a:cxn ang="0">
+                <a:pos x="connsiteX22" y="connsiteY22"/>
+              </a:cxn>
+              <a:cxn ang="0">
+                <a:pos x="connsiteX23" y="connsiteY23"/>
+              </a:cxn>
+              <a:cxn ang="0">
+                <a:pos x="connsiteX24" y="connsiteY24"/>
+              </a:cxn>
+            </a:cxnLst>
+            <a:rect l="l" t="t" r="r" b="b"/>
+            <a:pathLst>
+              <a:path w="532660" h="1979844">
+                <a:moveTo>
+                  <a:pt x="0" y="1979844"/>
+                </a:moveTo>
+                <a:lnTo>
+                  <a:pt x="53266" y="1899945"/>
+                </a:lnTo>
+                <a:cubicBezTo>
+                  <a:pt x="72311" y="1871377"/>
+                  <a:pt x="73757" y="1871598"/>
+                  <a:pt x="88777" y="1837801"/>
+                </a:cubicBezTo>
+                <a:cubicBezTo>
+                  <a:pt x="98860" y="1815114"/>
+                  <a:pt x="118666" y="1762635"/>
+                  <a:pt x="124288" y="1740147"/>
+                </a:cubicBezTo>
+                <a:cubicBezTo>
+                  <a:pt x="135434" y="1695557"/>
+                  <a:pt x="129306" y="1716211"/>
+                  <a:pt x="142043" y="1678003"/>
+                </a:cubicBezTo>
+                <a:cubicBezTo>
+                  <a:pt x="145002" y="1654329"/>
+                  <a:pt x="147547" y="1630600"/>
+                  <a:pt x="150921" y="1606982"/>
+                </a:cubicBezTo>
+                <a:cubicBezTo>
+                  <a:pt x="153467" y="1589163"/>
+                  <a:pt x="157419" y="1571558"/>
+                  <a:pt x="159798" y="1553716"/>
+                </a:cubicBezTo>
+                <a:cubicBezTo>
+                  <a:pt x="181524" y="1390771"/>
+                  <a:pt x="156976" y="1544017"/>
+                  <a:pt x="177554" y="1420551"/>
+                </a:cubicBezTo>
+                <a:cubicBezTo>
+                  <a:pt x="180513" y="1361366"/>
+                  <a:pt x="180118" y="1301918"/>
+                  <a:pt x="186431" y="1242997"/>
+                </a:cubicBezTo>
+                <a:cubicBezTo>
+                  <a:pt x="189031" y="1218734"/>
+                  <a:pt x="201909" y="1196272"/>
+                  <a:pt x="204187" y="1171976"/>
+                </a:cubicBezTo>
+                <a:cubicBezTo>
+                  <a:pt x="210822" y="1101203"/>
+                  <a:pt x="209836" y="1029922"/>
+                  <a:pt x="213064" y="958912"/>
+                </a:cubicBezTo>
+                <a:cubicBezTo>
+                  <a:pt x="215755" y="899715"/>
+                  <a:pt x="217216" y="840429"/>
+                  <a:pt x="221942" y="781359"/>
+                </a:cubicBezTo>
+                <a:cubicBezTo>
+                  <a:pt x="223145" y="766318"/>
+                  <a:pt x="227861" y="751766"/>
+                  <a:pt x="230820" y="736970"/>
+                </a:cubicBezTo>
+                <a:cubicBezTo>
+                  <a:pt x="233779" y="668908"/>
+                  <a:pt x="232918" y="600572"/>
+                  <a:pt x="239697" y="532784"/>
+                </a:cubicBezTo>
+                <a:cubicBezTo>
+                  <a:pt x="241841" y="511347"/>
+                  <a:pt x="253911" y="491891"/>
+                  <a:pt x="257453" y="470640"/>
+                </a:cubicBezTo>
+                <a:cubicBezTo>
+                  <a:pt x="262826" y="438399"/>
+                  <a:pt x="263078" y="405509"/>
+                  <a:pt x="266330" y="372986"/>
+                </a:cubicBezTo>
+                <a:cubicBezTo>
+                  <a:pt x="268996" y="346322"/>
+                  <a:pt x="271133" y="319572"/>
+                  <a:pt x="275208" y="293087"/>
+                </a:cubicBezTo>
+                <a:cubicBezTo>
+                  <a:pt x="285049" y="229125"/>
+                  <a:pt x="285714" y="284941"/>
+                  <a:pt x="301841" y="204310"/>
+                </a:cubicBezTo>
+                <a:cubicBezTo>
+                  <a:pt x="307940" y="173814"/>
+                  <a:pt x="311241" y="153653"/>
+                  <a:pt x="319596" y="124411"/>
+                </a:cubicBezTo>
+                <a:cubicBezTo>
+                  <a:pt x="322167" y="115413"/>
+                  <a:pt x="321857" y="104395"/>
+                  <a:pt x="328474" y="97778"/>
+                </a:cubicBezTo>
+                <a:cubicBezTo>
+                  <a:pt x="343563" y="82689"/>
+                  <a:pt x="363985" y="74104"/>
+                  <a:pt x="381740" y="62267"/>
+                </a:cubicBezTo>
+                <a:lnTo>
+                  <a:pt x="408373" y="44512"/>
+                </a:lnTo>
+                <a:cubicBezTo>
+                  <a:pt x="417251" y="38594"/>
+                  <a:pt x="424884" y="30131"/>
+                  <a:pt x="435006" y="26757"/>
+                </a:cubicBezTo>
+                <a:lnTo>
+                  <a:pt x="488272" y="9001"/>
+                </a:lnTo>
+                <a:cubicBezTo>
+                  <a:pt x="520517" y="-1747"/>
+                  <a:pt x="505549" y="124"/>
+                  <a:pt x="532660" y="124"/>
+                </a:cubicBezTo>
+              </a:path>
+            </a:pathLst>
+          </a:custGeom>
+        </p:spPr>
+        <p:style>
+          <a:lnRef idx="1">
+            <a:schemeClr val="accent3"/>
+          </a:lnRef>
+          <a:fillRef idx="0">
+            <a:schemeClr val="accent3"/>
+          </a:fillRef>
+          <a:effectRef idx="0">
+            <a:schemeClr val="accent3"/>
+          </a:effectRef>
+          <a:fontRef idx="minor">
+            <a:schemeClr val="tx1"/>
+          </a:fontRef>
+        </p:style>
+        <p:txBody>
+          <a:bodyPr rtlCol="0" anchor="ctr"/>
+          <a:lstStyle/>
+          <a:p>
+            <a:pPr algn="ctr"/>
+            <a:endParaRPr lang="fr-FR"/>
+          </a:p>
+        </p:txBody>
+      </p:sp>
+      <p:sp>
+        <p:nvSpPr>
+          <p:cNvPr id="11" name="Forme libre : forme 10">
+            <a:extLst>
+              <a:ext uri="{FF2B5EF4-FFF2-40B4-BE49-F238E27FC236}">
+                <a16:creationId xmlns:a16="http://schemas.microsoft.com/office/drawing/2014/main" id="{9A00D4BF-BCC2-455C-9AE7-BC45C5FF3D70}"/>
+              </a:ext>
+            </a:extLst>
+          </p:cNvPr>
+          <p:cNvSpPr/>
+          <p:nvPr/>
+        </p:nvSpPr>
+        <p:spPr>
+          <a:xfrm>
+            <a:off x="2592280" y="851740"/>
+            <a:ext cx="577048" cy="2441876"/>
+          </a:xfrm>
+          <a:custGeom>
+            <a:avLst/>
+            <a:gdLst>
+              <a:gd name="connsiteX0" fmla="*/ 0 w 577048"/>
+              <a:gd name="connsiteY0" fmla="*/ 2441876 h 2441876"/>
+              <a:gd name="connsiteX1" fmla="*/ 79899 w 577048"/>
+              <a:gd name="connsiteY1" fmla="*/ 2379732 h 2441876"/>
+              <a:gd name="connsiteX2" fmla="*/ 106532 w 577048"/>
+              <a:gd name="connsiteY2" fmla="*/ 2370854 h 2441876"/>
+              <a:gd name="connsiteX3" fmla="*/ 186431 w 577048"/>
+              <a:gd name="connsiteY3" fmla="*/ 2308710 h 2441876"/>
+              <a:gd name="connsiteX4" fmla="*/ 221941 w 577048"/>
+              <a:gd name="connsiteY4" fmla="*/ 2290955 h 2441876"/>
+              <a:gd name="connsiteX5" fmla="*/ 292963 w 577048"/>
+              <a:gd name="connsiteY5" fmla="*/ 2219934 h 2441876"/>
+              <a:gd name="connsiteX6" fmla="*/ 310718 w 577048"/>
+              <a:gd name="connsiteY6" fmla="*/ 2184423 h 2441876"/>
+              <a:gd name="connsiteX7" fmla="*/ 346229 w 577048"/>
+              <a:gd name="connsiteY7" fmla="*/ 2086769 h 2441876"/>
+              <a:gd name="connsiteX8" fmla="*/ 363984 w 577048"/>
+              <a:gd name="connsiteY8" fmla="*/ 2024625 h 2441876"/>
+              <a:gd name="connsiteX9" fmla="*/ 372862 w 577048"/>
+              <a:gd name="connsiteY9" fmla="*/ 1971359 h 2441876"/>
+              <a:gd name="connsiteX10" fmla="*/ 408372 w 577048"/>
+              <a:gd name="connsiteY10" fmla="*/ 1873705 h 2441876"/>
+              <a:gd name="connsiteX11" fmla="*/ 417250 w 577048"/>
+              <a:gd name="connsiteY11" fmla="*/ 1829316 h 2441876"/>
+              <a:gd name="connsiteX12" fmla="*/ 417250 w 577048"/>
+              <a:gd name="connsiteY12" fmla="*/ 1429821 h 2441876"/>
+              <a:gd name="connsiteX13" fmla="*/ 390617 w 577048"/>
+              <a:gd name="connsiteY13" fmla="*/ 1287778 h 2441876"/>
+              <a:gd name="connsiteX14" fmla="*/ 381739 w 577048"/>
+              <a:gd name="connsiteY14" fmla="*/ 1216757 h 2441876"/>
+              <a:gd name="connsiteX15" fmla="*/ 363984 w 577048"/>
+              <a:gd name="connsiteY15" fmla="*/ 1163491 h 2441876"/>
+              <a:gd name="connsiteX16" fmla="*/ 355106 w 577048"/>
+              <a:gd name="connsiteY16" fmla="*/ 1065837 h 2441876"/>
+              <a:gd name="connsiteX17" fmla="*/ 346229 w 577048"/>
+              <a:gd name="connsiteY17" fmla="*/ 994815 h 2441876"/>
+              <a:gd name="connsiteX18" fmla="*/ 337351 w 577048"/>
+              <a:gd name="connsiteY18" fmla="*/ 968182 h 2441876"/>
+              <a:gd name="connsiteX19" fmla="*/ 319596 w 577048"/>
+              <a:gd name="connsiteY19" fmla="*/ 826140 h 2441876"/>
+              <a:gd name="connsiteX20" fmla="*/ 310718 w 577048"/>
+              <a:gd name="connsiteY20" fmla="*/ 772874 h 2441876"/>
+              <a:gd name="connsiteX21" fmla="*/ 301840 w 577048"/>
+              <a:gd name="connsiteY21" fmla="*/ 710730 h 2441876"/>
+              <a:gd name="connsiteX22" fmla="*/ 310718 w 577048"/>
+              <a:gd name="connsiteY22" fmla="*/ 471033 h 2441876"/>
+              <a:gd name="connsiteX23" fmla="*/ 319596 w 577048"/>
+              <a:gd name="connsiteY23" fmla="*/ 426644 h 2441876"/>
+              <a:gd name="connsiteX24" fmla="*/ 337351 w 577048"/>
+              <a:gd name="connsiteY24" fmla="*/ 337868 h 2441876"/>
+              <a:gd name="connsiteX25" fmla="*/ 355106 w 577048"/>
+              <a:gd name="connsiteY25" fmla="*/ 311235 h 2441876"/>
+              <a:gd name="connsiteX26" fmla="*/ 372862 w 577048"/>
+              <a:gd name="connsiteY26" fmla="*/ 257969 h 2441876"/>
+              <a:gd name="connsiteX27" fmla="*/ 390617 w 577048"/>
+              <a:gd name="connsiteY27" fmla="*/ 231336 h 2441876"/>
+              <a:gd name="connsiteX28" fmla="*/ 399495 w 577048"/>
+              <a:gd name="connsiteY28" fmla="*/ 204703 h 2441876"/>
+              <a:gd name="connsiteX29" fmla="*/ 417250 w 577048"/>
+              <a:gd name="connsiteY29" fmla="*/ 178070 h 2441876"/>
+              <a:gd name="connsiteX30" fmla="*/ 426128 w 577048"/>
+              <a:gd name="connsiteY30" fmla="*/ 151437 h 2441876"/>
+              <a:gd name="connsiteX31" fmla="*/ 461638 w 577048"/>
+              <a:gd name="connsiteY31" fmla="*/ 98171 h 2441876"/>
+              <a:gd name="connsiteX32" fmla="*/ 506027 w 577048"/>
+              <a:gd name="connsiteY32" fmla="*/ 36027 h 2441876"/>
+              <a:gd name="connsiteX33" fmla="*/ 559293 w 577048"/>
+              <a:gd name="connsiteY33" fmla="*/ 516 h 2441876"/>
+              <a:gd name="connsiteX34" fmla="*/ 577048 w 577048"/>
+              <a:gd name="connsiteY34" fmla="*/ 516 h 2441876"/>
+            </a:gdLst>
+            <a:ahLst/>
+            <a:cxnLst>
+              <a:cxn ang="0">
+                <a:pos x="connsiteX0" y="connsiteY0"/>
+              </a:cxn>
+              <a:cxn ang="0">
+                <a:pos x="connsiteX1" y="connsiteY1"/>
+              </a:cxn>
+              <a:cxn ang="0">
+                <a:pos x="connsiteX2" y="connsiteY2"/>
+              </a:cxn>
+              <a:cxn ang="0">
+                <a:pos x="connsiteX3" y="connsiteY3"/>
+              </a:cxn>
+              <a:cxn ang="0">
+                <a:pos x="connsiteX4" y="connsiteY4"/>
+              </a:cxn>
+              <a:cxn ang="0">
+                <a:pos x="connsiteX5" y="connsiteY5"/>
+              </a:cxn>
+              <a:cxn ang="0">
+                <a:pos x="connsiteX6" y="connsiteY6"/>
+              </a:cxn>
+              <a:cxn ang="0">
+                <a:pos x="connsiteX7" y="connsiteY7"/>
+              </a:cxn>
+              <a:cxn ang="0">
+                <a:pos x="connsiteX8" y="connsiteY8"/>
+              </a:cxn>
+              <a:cxn ang="0">
+                <a:pos x="connsiteX9" y="connsiteY9"/>
+              </a:cxn>
+              <a:cxn ang="0">
+                <a:pos x="connsiteX10" y="connsiteY10"/>
+              </a:cxn>
+              <a:cxn ang="0">
+                <a:pos x="connsiteX11" y="connsiteY11"/>
+              </a:cxn>
+              <a:cxn ang="0">
+                <a:pos x="connsiteX12" y="connsiteY12"/>
+              </a:cxn>
+              <a:cxn ang="0">
+                <a:pos x="connsiteX13" y="connsiteY13"/>
+              </a:cxn>
+              <a:cxn ang="0">
+                <a:pos x="connsiteX14" y="connsiteY14"/>
+              </a:cxn>
+              <a:cxn ang="0">
+                <a:pos x="connsiteX15" y="connsiteY15"/>
+              </a:cxn>
+              <a:cxn ang="0">
+                <a:pos x="connsiteX16" y="connsiteY16"/>
+              </a:cxn>
+              <a:cxn ang="0">
+                <a:pos x="connsiteX17" y="connsiteY17"/>
+              </a:cxn>
+              <a:cxn ang="0">
+                <a:pos x="connsiteX18" y="connsiteY18"/>
+              </a:cxn>
+              <a:cxn ang="0">
+                <a:pos x="connsiteX19" y="connsiteY19"/>
+              </a:cxn>
+              <a:cxn ang="0">
+                <a:pos x="connsiteX20" y="connsiteY20"/>
+              </a:cxn>
+              <a:cxn ang="0">
+                <a:pos x="connsiteX21" y="connsiteY21"/>
+              </a:cxn>
+              <a:cxn ang="0">
+                <a:pos x="connsiteX22" y="connsiteY22"/>
+              </a:cxn>
+              <a:cxn ang="0">
+                <a:pos x="connsiteX23" y="connsiteY23"/>
+              </a:cxn>
+              <a:cxn ang="0">
+                <a:pos x="connsiteX24" y="connsiteY24"/>
+              </a:cxn>
+              <a:cxn ang="0">
+                <a:pos x="connsiteX25" y="connsiteY25"/>
+              </a:cxn>
+              <a:cxn ang="0">
+                <a:pos x="connsiteX26" y="connsiteY26"/>
+              </a:cxn>
+              <a:cxn ang="0">
+                <a:pos x="connsiteX27" y="connsiteY27"/>
+              </a:cxn>
+              <a:cxn ang="0">
+                <a:pos x="connsiteX28" y="connsiteY28"/>
+              </a:cxn>
+              <a:cxn ang="0">
+                <a:pos x="connsiteX29" y="connsiteY29"/>
+              </a:cxn>
+              <a:cxn ang="0">
+                <a:pos x="connsiteX30" y="connsiteY30"/>
+              </a:cxn>
+              <a:cxn ang="0">
+                <a:pos x="connsiteX31" y="connsiteY31"/>
+              </a:cxn>
+              <a:cxn ang="0">
+                <a:pos x="connsiteX32" y="connsiteY32"/>
+              </a:cxn>
+              <a:cxn ang="0">
+                <a:pos x="connsiteX33" y="connsiteY33"/>
+              </a:cxn>
+              <a:cxn ang="0">
+                <a:pos x="connsiteX34" y="connsiteY34"/>
+              </a:cxn>
+            </a:cxnLst>
+            <a:rect l="l" t="t" r="r" b="b"/>
+            <a:pathLst>
+              <a:path w="577048" h="2441876">
+                <a:moveTo>
+                  <a:pt x="0" y="2441876"/>
+                </a:moveTo>
+                <a:cubicBezTo>
+                  <a:pt x="11793" y="2432048"/>
+                  <a:pt x="56965" y="2391199"/>
+                  <a:pt x="79899" y="2379732"/>
+                </a:cubicBezTo>
+                <a:cubicBezTo>
+                  <a:pt x="88269" y="2375547"/>
+                  <a:pt x="97654" y="2373813"/>
+                  <a:pt x="106532" y="2370854"/>
+                </a:cubicBezTo>
+                <a:cubicBezTo>
+                  <a:pt x="133165" y="2350139"/>
+                  <a:pt x="156253" y="2323799"/>
+                  <a:pt x="186431" y="2308710"/>
+                </a:cubicBezTo>
+                <a:cubicBezTo>
+                  <a:pt x="198268" y="2302792"/>
+                  <a:pt x="211774" y="2299427"/>
+                  <a:pt x="221941" y="2290955"/>
+                </a:cubicBezTo>
+                <a:cubicBezTo>
+                  <a:pt x="247661" y="2269522"/>
+                  <a:pt x="292963" y="2219934"/>
+                  <a:pt x="292963" y="2219934"/>
+                </a:cubicBezTo>
+                <a:cubicBezTo>
+                  <a:pt x="298881" y="2208097"/>
+                  <a:pt x="305343" y="2196517"/>
+                  <a:pt x="310718" y="2184423"/>
+                </a:cubicBezTo>
+                <a:cubicBezTo>
+                  <a:pt x="324393" y="2153654"/>
+                  <a:pt x="336389" y="2118749"/>
+                  <a:pt x="346229" y="2086769"/>
+                </a:cubicBezTo>
+                <a:cubicBezTo>
+                  <a:pt x="352565" y="2066178"/>
+                  <a:pt x="359140" y="2045617"/>
+                  <a:pt x="363984" y="2024625"/>
+                </a:cubicBezTo>
+                <a:cubicBezTo>
+                  <a:pt x="368032" y="2007086"/>
+                  <a:pt x="368496" y="1988822"/>
+                  <a:pt x="372862" y="1971359"/>
+                </a:cubicBezTo>
+                <a:cubicBezTo>
+                  <a:pt x="397736" y="1871864"/>
+                  <a:pt x="381896" y="1961960"/>
+                  <a:pt x="408372" y="1873705"/>
+                </a:cubicBezTo>
+                <a:cubicBezTo>
+                  <a:pt x="412708" y="1859252"/>
+                  <a:pt x="414291" y="1844112"/>
+                  <a:pt x="417250" y="1829316"/>
+                </a:cubicBezTo>
+                <a:cubicBezTo>
+                  <a:pt x="432995" y="1640382"/>
+                  <a:pt x="430626" y="1717385"/>
+                  <a:pt x="417250" y="1429821"/>
+                </a:cubicBezTo>
+                <a:cubicBezTo>
+                  <a:pt x="413186" y="1342451"/>
+                  <a:pt x="413575" y="1356653"/>
+                  <a:pt x="390617" y="1287778"/>
+                </a:cubicBezTo>
+                <a:cubicBezTo>
+                  <a:pt x="387658" y="1264104"/>
+                  <a:pt x="386738" y="1240085"/>
+                  <a:pt x="381739" y="1216757"/>
+                </a:cubicBezTo>
+                <a:cubicBezTo>
+                  <a:pt x="377818" y="1198457"/>
+                  <a:pt x="367237" y="1181922"/>
+                  <a:pt x="363984" y="1163491"/>
+                </a:cubicBezTo>
+                <a:cubicBezTo>
+                  <a:pt x="358304" y="1131303"/>
+                  <a:pt x="358528" y="1098343"/>
+                  <a:pt x="355106" y="1065837"/>
+                </a:cubicBezTo>
+                <a:cubicBezTo>
+                  <a:pt x="352608" y="1042110"/>
+                  <a:pt x="350497" y="1018288"/>
+                  <a:pt x="346229" y="994815"/>
+                </a:cubicBezTo>
+                <a:cubicBezTo>
+                  <a:pt x="344555" y="985608"/>
+                  <a:pt x="339381" y="977317"/>
+                  <a:pt x="337351" y="968182"/>
+                </a:cubicBezTo>
+                <a:cubicBezTo>
+                  <a:pt x="325793" y="916172"/>
+                  <a:pt x="326614" y="882285"/>
+                  <a:pt x="319596" y="826140"/>
+                </a:cubicBezTo>
+                <a:cubicBezTo>
+                  <a:pt x="317363" y="808279"/>
+                  <a:pt x="313455" y="790665"/>
+                  <a:pt x="310718" y="772874"/>
+                </a:cubicBezTo>
+                <a:cubicBezTo>
+                  <a:pt x="307536" y="752192"/>
+                  <a:pt x="304799" y="731445"/>
+                  <a:pt x="301840" y="710730"/>
+                </a:cubicBezTo>
+                <a:cubicBezTo>
+                  <a:pt x="304799" y="630831"/>
+                  <a:pt x="305730" y="550831"/>
+                  <a:pt x="310718" y="471033"/>
+                </a:cubicBezTo>
+                <a:cubicBezTo>
+                  <a:pt x="311659" y="455973"/>
+                  <a:pt x="316897" y="441490"/>
+                  <a:pt x="319596" y="426644"/>
+                </a:cubicBezTo>
+                <a:cubicBezTo>
+                  <a:pt x="321916" y="413883"/>
+                  <a:pt x="329911" y="355228"/>
+                  <a:pt x="337351" y="337868"/>
+                </a:cubicBezTo>
+                <a:cubicBezTo>
+                  <a:pt x="341554" y="328061"/>
+                  <a:pt x="350773" y="320985"/>
+                  <a:pt x="355106" y="311235"/>
+                </a:cubicBezTo>
+                <a:cubicBezTo>
+                  <a:pt x="362707" y="294132"/>
+                  <a:pt x="362480" y="273542"/>
+                  <a:pt x="372862" y="257969"/>
+                </a:cubicBezTo>
+                <a:cubicBezTo>
+                  <a:pt x="378780" y="249091"/>
+                  <a:pt x="385845" y="240879"/>
+                  <a:pt x="390617" y="231336"/>
+                </a:cubicBezTo>
+                <a:cubicBezTo>
+                  <a:pt x="394802" y="222966"/>
+                  <a:pt x="395310" y="213073"/>
+                  <a:pt x="399495" y="204703"/>
+                </a:cubicBezTo>
+                <a:cubicBezTo>
+                  <a:pt x="404267" y="195160"/>
+                  <a:pt x="412478" y="187613"/>
+                  <a:pt x="417250" y="178070"/>
+                </a:cubicBezTo>
+                <a:cubicBezTo>
+                  <a:pt x="421435" y="169700"/>
+                  <a:pt x="421583" y="159617"/>
+                  <a:pt x="426128" y="151437"/>
+                </a:cubicBezTo>
+                <a:cubicBezTo>
+                  <a:pt x="436491" y="132783"/>
+                  <a:pt x="454890" y="118415"/>
+                  <a:pt x="461638" y="98171"/>
+                </a:cubicBezTo>
+                <a:cubicBezTo>
+                  <a:pt x="475810" y="55657"/>
+                  <a:pt x="463899" y="78155"/>
+                  <a:pt x="506027" y="36027"/>
+                </a:cubicBezTo>
+                <a:cubicBezTo>
+                  <a:pt x="530658" y="11396"/>
+                  <a:pt x="527174" y="6940"/>
+                  <a:pt x="559293" y="516"/>
+                </a:cubicBezTo>
+                <a:cubicBezTo>
+                  <a:pt x="565096" y="-645"/>
+                  <a:pt x="571130" y="516"/>
+                  <a:pt x="577048" y="516"/>
+                </a:cubicBezTo>
+              </a:path>
+            </a:pathLst>
+          </a:custGeom>
+        </p:spPr>
+        <p:style>
+          <a:lnRef idx="1">
+            <a:schemeClr val="accent3"/>
+          </a:lnRef>
+          <a:fillRef idx="0">
+            <a:schemeClr val="accent3"/>
+          </a:fillRef>
+          <a:effectRef idx="0">
+            <a:schemeClr val="accent3"/>
+          </a:effectRef>
+          <a:fontRef idx="minor">
+            <a:schemeClr val="tx1"/>
+          </a:fontRef>
+        </p:style>
+        <p:txBody>
+          <a:bodyPr rtlCol="0" anchor="ctr"/>
+          <a:lstStyle/>
+          <a:p>
+            <a:pPr algn="ctr"/>
+            <a:endParaRPr lang="fr-FR"/>
+          </a:p>
+        </p:txBody>
+      </p:sp>
+      <p:sp>
+        <p:nvSpPr>
+          <p:cNvPr id="12" name="ZoneTexte 11">
+            <a:extLst>
+              <a:ext uri="{FF2B5EF4-FFF2-40B4-BE49-F238E27FC236}">
+                <a16:creationId xmlns:a16="http://schemas.microsoft.com/office/drawing/2014/main" id="{8C9237EF-A8FF-4E3F-8178-B62B5E2268EE}"/>
+              </a:ext>
+            </a:extLst>
+          </p:cNvPr>
+          <p:cNvSpPr txBox="1"/>
+          <p:nvPr/>
+        </p:nvSpPr>
+        <p:spPr>
+          <a:xfrm>
+            <a:off x="6228184" y="3140968"/>
+            <a:ext cx="2160240" cy="369332"/>
+          </a:xfrm>
+          <a:prstGeom prst="rect">
+            <a:avLst/>
+          </a:prstGeom>
+          <a:noFill/>
+        </p:spPr>
+        <p:txBody>
+          <a:bodyPr wrap="square" rtlCol="0">
+            <a:spAutoFit/>
+          </a:bodyPr>
+          <a:lstStyle/>
+          <a:p>
+            <a:r>
+              <a:rPr lang="fr-FR" dirty="0"/>
+              <a:t>Point &amp;</a:t>
+            </a:r>
+            <a:r>
+              <a:rPr lang="fr-FR" dirty="0" err="1"/>
+              <a:t>rp</a:t>
+            </a:r>
+            <a:endParaRPr lang="fr-FR" dirty="0"/>
+          </a:p>
+        </p:txBody>
+      </p:sp>
+      <p:sp>
+        <p:nvSpPr>
+          <p:cNvPr id="13" name="ZoneTexte 12">
+            <a:extLst>
+              <a:ext uri="{FF2B5EF4-FFF2-40B4-BE49-F238E27FC236}">
+                <a16:creationId xmlns:a16="http://schemas.microsoft.com/office/drawing/2014/main" id="{37A5B1BD-27F0-4D98-882E-72B57C083844}"/>
+              </a:ext>
+            </a:extLst>
+          </p:cNvPr>
+          <p:cNvSpPr txBox="1"/>
+          <p:nvPr/>
+        </p:nvSpPr>
+        <p:spPr>
+          <a:xfrm>
+            <a:off x="6228184" y="3573016"/>
+            <a:ext cx="2160240" cy="369332"/>
+          </a:xfrm>
+          <a:prstGeom prst="rect">
+            <a:avLst/>
+          </a:prstGeom>
+          <a:noFill/>
+        </p:spPr>
+        <p:txBody>
+          <a:bodyPr wrap="square" rtlCol="0">
+            <a:spAutoFit/>
+          </a:bodyPr>
+          <a:lstStyle/>
+          <a:p>
+            <a:r>
+              <a:rPr lang="fr-FR" dirty="0"/>
+              <a:t>Point *pp</a:t>
+            </a:r>
+          </a:p>
+        </p:txBody>
+      </p:sp>
+      <p:sp>
+        <p:nvSpPr>
+          <p:cNvPr id="14" name="Forme libre : forme 13">
+            <a:extLst>
+              <a:ext uri="{FF2B5EF4-FFF2-40B4-BE49-F238E27FC236}">
+                <a16:creationId xmlns:a16="http://schemas.microsoft.com/office/drawing/2014/main" id="{7A77885B-AB7B-4229-8E77-C47D9D2227D4}"/>
+              </a:ext>
+            </a:extLst>
+          </p:cNvPr>
+          <p:cNvSpPr/>
+          <p:nvPr/>
+        </p:nvSpPr>
+        <p:spPr>
+          <a:xfrm>
+            <a:off x="6223247" y="648069"/>
+            <a:ext cx="1740023" cy="2698813"/>
+          </a:xfrm>
+          <a:custGeom>
+            <a:avLst/>
+            <a:gdLst>
+              <a:gd name="connsiteX0" fmla="*/ 1074198 w 1740023"/>
+              <a:gd name="connsiteY0" fmla="*/ 2698813 h 2698813"/>
+              <a:gd name="connsiteX1" fmla="*/ 1145219 w 1740023"/>
+              <a:gd name="connsiteY1" fmla="*/ 2689935 h 2698813"/>
+              <a:gd name="connsiteX2" fmla="*/ 1171852 w 1740023"/>
+              <a:gd name="connsiteY2" fmla="*/ 2681057 h 2698813"/>
+              <a:gd name="connsiteX3" fmla="*/ 1207363 w 1740023"/>
+              <a:gd name="connsiteY3" fmla="*/ 2645547 h 2698813"/>
+              <a:gd name="connsiteX4" fmla="*/ 1251751 w 1740023"/>
+              <a:gd name="connsiteY4" fmla="*/ 2618914 h 2698813"/>
+              <a:gd name="connsiteX5" fmla="*/ 1287262 w 1740023"/>
+              <a:gd name="connsiteY5" fmla="*/ 2574525 h 2698813"/>
+              <a:gd name="connsiteX6" fmla="*/ 1349405 w 1740023"/>
+              <a:gd name="connsiteY6" fmla="*/ 2494626 h 2698813"/>
+              <a:gd name="connsiteX7" fmla="*/ 1393794 w 1740023"/>
+              <a:gd name="connsiteY7" fmla="*/ 2441360 h 2698813"/>
+              <a:gd name="connsiteX8" fmla="*/ 1438182 w 1740023"/>
+              <a:gd name="connsiteY8" fmla="*/ 2370339 h 2698813"/>
+              <a:gd name="connsiteX9" fmla="*/ 1464815 w 1740023"/>
+              <a:gd name="connsiteY9" fmla="*/ 2334828 h 2698813"/>
+              <a:gd name="connsiteX10" fmla="*/ 1491448 w 1740023"/>
+              <a:gd name="connsiteY10" fmla="*/ 2246051 h 2698813"/>
+              <a:gd name="connsiteX11" fmla="*/ 1500326 w 1740023"/>
+              <a:gd name="connsiteY11" fmla="*/ 2192785 h 2698813"/>
+              <a:gd name="connsiteX12" fmla="*/ 1535836 w 1740023"/>
+              <a:gd name="connsiteY12" fmla="*/ 2077376 h 2698813"/>
+              <a:gd name="connsiteX13" fmla="*/ 1562470 w 1740023"/>
+              <a:gd name="connsiteY13" fmla="*/ 1970844 h 2698813"/>
+              <a:gd name="connsiteX14" fmla="*/ 1606858 w 1740023"/>
+              <a:gd name="connsiteY14" fmla="*/ 1784413 h 2698813"/>
+              <a:gd name="connsiteX15" fmla="*/ 1624613 w 1740023"/>
+              <a:gd name="connsiteY15" fmla="*/ 1713391 h 2698813"/>
+              <a:gd name="connsiteX16" fmla="*/ 1642369 w 1740023"/>
+              <a:gd name="connsiteY16" fmla="*/ 1633492 h 2698813"/>
+              <a:gd name="connsiteX17" fmla="*/ 1677879 w 1740023"/>
+              <a:gd name="connsiteY17" fmla="*/ 1535838 h 2698813"/>
+              <a:gd name="connsiteX18" fmla="*/ 1731145 w 1740023"/>
+              <a:gd name="connsiteY18" fmla="*/ 1216242 h 2698813"/>
+              <a:gd name="connsiteX19" fmla="*/ 1740023 w 1740023"/>
+              <a:gd name="connsiteY19" fmla="*/ 1083077 h 2698813"/>
+              <a:gd name="connsiteX20" fmla="*/ 1731145 w 1740023"/>
+              <a:gd name="connsiteY20" fmla="*/ 727970 h 2698813"/>
+              <a:gd name="connsiteX21" fmla="*/ 1713390 w 1740023"/>
+              <a:gd name="connsiteY21" fmla="*/ 674704 h 2698813"/>
+              <a:gd name="connsiteX22" fmla="*/ 1677879 w 1740023"/>
+              <a:gd name="connsiteY22" fmla="*/ 621438 h 2698813"/>
+              <a:gd name="connsiteX23" fmla="*/ 1633491 w 1740023"/>
+              <a:gd name="connsiteY23" fmla="*/ 568172 h 2698813"/>
+              <a:gd name="connsiteX24" fmla="*/ 1615736 w 1740023"/>
+              <a:gd name="connsiteY24" fmla="*/ 532661 h 2698813"/>
+              <a:gd name="connsiteX25" fmla="*/ 1491448 w 1740023"/>
+              <a:gd name="connsiteY25" fmla="*/ 426129 h 2698813"/>
+              <a:gd name="connsiteX26" fmla="*/ 1455937 w 1740023"/>
+              <a:gd name="connsiteY26" fmla="*/ 399496 h 2698813"/>
+              <a:gd name="connsiteX27" fmla="*/ 1411549 w 1740023"/>
+              <a:gd name="connsiteY27" fmla="*/ 363985 h 2698813"/>
+              <a:gd name="connsiteX28" fmla="*/ 1358283 w 1740023"/>
+              <a:gd name="connsiteY28" fmla="*/ 328475 h 2698813"/>
+              <a:gd name="connsiteX29" fmla="*/ 1322772 w 1740023"/>
+              <a:gd name="connsiteY29" fmla="*/ 310719 h 2698813"/>
+              <a:gd name="connsiteX30" fmla="*/ 1233996 w 1740023"/>
+              <a:gd name="connsiteY30" fmla="*/ 257453 h 2698813"/>
+              <a:gd name="connsiteX31" fmla="*/ 1171852 w 1740023"/>
+              <a:gd name="connsiteY31" fmla="*/ 230820 h 2698813"/>
+              <a:gd name="connsiteX32" fmla="*/ 1109708 w 1740023"/>
+              <a:gd name="connsiteY32" fmla="*/ 195310 h 2698813"/>
+              <a:gd name="connsiteX33" fmla="*/ 1056442 w 1740023"/>
+              <a:gd name="connsiteY33" fmla="*/ 177554 h 2698813"/>
+              <a:gd name="connsiteX34" fmla="*/ 985421 w 1740023"/>
+              <a:gd name="connsiteY34" fmla="*/ 142044 h 2698813"/>
+              <a:gd name="connsiteX35" fmla="*/ 949910 w 1740023"/>
+              <a:gd name="connsiteY35" fmla="*/ 124288 h 2698813"/>
+              <a:gd name="connsiteX36" fmla="*/ 807868 w 1740023"/>
+              <a:gd name="connsiteY36" fmla="*/ 71022 h 2698813"/>
+              <a:gd name="connsiteX37" fmla="*/ 781235 w 1740023"/>
+              <a:gd name="connsiteY37" fmla="*/ 62145 h 2698813"/>
+              <a:gd name="connsiteX38" fmla="*/ 710213 w 1740023"/>
+              <a:gd name="connsiteY38" fmla="*/ 44389 h 2698813"/>
+              <a:gd name="connsiteX39" fmla="*/ 665825 w 1740023"/>
+              <a:gd name="connsiteY39" fmla="*/ 35512 h 2698813"/>
+              <a:gd name="connsiteX40" fmla="*/ 639192 w 1740023"/>
+              <a:gd name="connsiteY40" fmla="*/ 26634 h 2698813"/>
+              <a:gd name="connsiteX41" fmla="*/ 559293 w 1740023"/>
+              <a:gd name="connsiteY41" fmla="*/ 17756 h 2698813"/>
+              <a:gd name="connsiteX42" fmla="*/ 532660 w 1740023"/>
+              <a:gd name="connsiteY42" fmla="*/ 8879 h 2698813"/>
+              <a:gd name="connsiteX43" fmla="*/ 230819 w 1740023"/>
+              <a:gd name="connsiteY43" fmla="*/ 8879 h 2698813"/>
+              <a:gd name="connsiteX44" fmla="*/ 177553 w 1740023"/>
+              <a:gd name="connsiteY44" fmla="*/ 17756 h 2698813"/>
+              <a:gd name="connsiteX45" fmla="*/ 88776 w 1740023"/>
+              <a:gd name="connsiteY45" fmla="*/ 44389 h 2698813"/>
+              <a:gd name="connsiteX46" fmla="*/ 62143 w 1740023"/>
+              <a:gd name="connsiteY46" fmla="*/ 53267 h 2698813"/>
+              <a:gd name="connsiteX47" fmla="*/ 35510 w 1740023"/>
+              <a:gd name="connsiteY47" fmla="*/ 62145 h 2698813"/>
+              <a:gd name="connsiteX48" fmla="*/ 0 w 1740023"/>
+              <a:gd name="connsiteY48" fmla="*/ 97655 h 2698813"/>
+            </a:gdLst>
+            <a:ahLst/>
+            <a:cxnLst>
+              <a:cxn ang="0">
+                <a:pos x="connsiteX0" y="connsiteY0"/>
+              </a:cxn>
+              <a:cxn ang="0">
+                <a:pos x="connsiteX1" y="connsiteY1"/>
+              </a:cxn>
+              <a:cxn ang="0">
+                <a:pos x="connsiteX2" y="connsiteY2"/>
+              </a:cxn>
+              <a:cxn ang="0">
+                <a:pos x="connsiteX3" y="connsiteY3"/>
+              </a:cxn>
+              <a:cxn ang="0">
+                <a:pos x="connsiteX4" y="connsiteY4"/>
+              </a:cxn>
+              <a:cxn ang="0">
+                <a:pos x="connsiteX5" y="connsiteY5"/>
+              </a:cxn>
+              <a:cxn ang="0">
+                <a:pos x="connsiteX6" y="connsiteY6"/>
+              </a:cxn>
+              <a:cxn ang="0">
+                <a:pos x="connsiteX7" y="connsiteY7"/>
+              </a:cxn>
+              <a:cxn ang="0">
+                <a:pos x="connsiteX8" y="connsiteY8"/>
+              </a:cxn>
+              <a:cxn ang="0">
+                <a:pos x="connsiteX9" y="connsiteY9"/>
+              </a:cxn>
+              <a:cxn ang="0">
+                <a:pos x="connsiteX10" y="connsiteY10"/>
+              </a:cxn>
+              <a:cxn ang="0">
+                <a:pos x="connsiteX11" y="connsiteY11"/>
+              </a:cxn>
+              <a:cxn ang="0">
+                <a:pos x="connsiteX12" y="connsiteY12"/>
+              </a:cxn>
+              <a:cxn ang="0">
+                <a:pos x="connsiteX13" y="connsiteY13"/>
+              </a:cxn>
+              <a:cxn ang="0">
+                <a:pos x="connsiteX14" y="connsiteY14"/>
+              </a:cxn>
+              <a:cxn ang="0">
+                <a:pos x="connsiteX15" y="connsiteY15"/>
+              </a:cxn>
+              <a:cxn ang="0">
+                <a:pos x="connsiteX16" y="connsiteY16"/>
+              </a:cxn>
+              <a:cxn ang="0">
+                <a:pos x="connsiteX17" y="connsiteY17"/>
+              </a:cxn>
+              <a:cxn ang="0">
+                <a:pos x="connsiteX18" y="connsiteY18"/>
+              </a:cxn>
+              <a:cxn ang="0">
+                <a:pos x="connsiteX19" y="connsiteY19"/>
+              </a:cxn>
+              <a:cxn ang="0">
+                <a:pos x="connsiteX20" y="connsiteY20"/>
+              </a:cxn>
+              <a:cxn ang="0">
+                <a:pos x="connsiteX21" y="connsiteY21"/>
+              </a:cxn>
+              <a:cxn ang="0">
+                <a:pos x="connsiteX22" y="connsiteY22"/>
+              </a:cxn>
+              <a:cxn ang="0">
+                <a:pos x="connsiteX23" y="connsiteY23"/>
+              </a:cxn>
+              <a:cxn ang="0">
+                <a:pos x="connsiteX24" y="connsiteY24"/>
+              </a:cxn>
+              <a:cxn ang="0">
+                <a:pos x="connsiteX25" y="connsiteY25"/>
+              </a:cxn>
+              <a:cxn ang="0">
+                <a:pos x="connsiteX26" y="connsiteY26"/>
+              </a:cxn>
+              <a:cxn ang="0">
+                <a:pos x="connsiteX27" y="connsiteY27"/>
+              </a:cxn>
+              <a:cxn ang="0">
+                <a:pos x="connsiteX28" y="connsiteY28"/>
+              </a:cxn>
+              <a:cxn ang="0">
+                <a:pos x="connsiteX29" y="connsiteY29"/>
+              </a:cxn>
+              <a:cxn ang="0">
+                <a:pos x="connsiteX30" y="connsiteY30"/>
+              </a:cxn>
+              <a:cxn ang="0">
+                <a:pos x="connsiteX31" y="connsiteY31"/>
+              </a:cxn>
+              <a:cxn ang="0">
+                <a:pos x="connsiteX32" y="connsiteY32"/>
+              </a:cxn>
+              <a:cxn ang="0">
+                <a:pos x="connsiteX33" y="connsiteY33"/>
+              </a:cxn>
+              <a:cxn ang="0">
+                <a:pos x="connsiteX34" y="connsiteY34"/>
+              </a:cxn>
+              <a:cxn ang="0">
+                <a:pos x="connsiteX35" y="connsiteY35"/>
+              </a:cxn>
+              <a:cxn ang="0">
+                <a:pos x="connsiteX36" y="connsiteY36"/>
+              </a:cxn>
+              <a:cxn ang="0">
+                <a:pos x="connsiteX37" y="connsiteY37"/>
+              </a:cxn>
+              <a:cxn ang="0">
+                <a:pos x="connsiteX38" y="connsiteY38"/>
+              </a:cxn>
+              <a:cxn ang="0">
+                <a:pos x="connsiteX39" y="connsiteY39"/>
+              </a:cxn>
+              <a:cxn ang="0">
+                <a:pos x="connsiteX40" y="connsiteY40"/>
+              </a:cxn>
+              <a:cxn ang="0">
+                <a:pos x="connsiteX41" y="connsiteY41"/>
+              </a:cxn>
+              <a:cxn ang="0">
+                <a:pos x="connsiteX42" y="connsiteY42"/>
+              </a:cxn>
+              <a:cxn ang="0">
+                <a:pos x="connsiteX43" y="connsiteY43"/>
+              </a:cxn>
+              <a:cxn ang="0">
+                <a:pos x="connsiteX44" y="connsiteY44"/>
+              </a:cxn>
+              <a:cxn ang="0">
+                <a:pos x="connsiteX45" y="connsiteY45"/>
+              </a:cxn>
+              <a:cxn ang="0">
+                <a:pos x="connsiteX46" y="connsiteY46"/>
+              </a:cxn>
+              <a:cxn ang="0">
+                <a:pos x="connsiteX47" y="connsiteY47"/>
+              </a:cxn>
+              <a:cxn ang="0">
+                <a:pos x="connsiteX48" y="connsiteY48"/>
+              </a:cxn>
+            </a:cxnLst>
+            <a:rect l="l" t="t" r="r" b="b"/>
+            <a:pathLst>
+              <a:path w="1740023" h="2698813">
+                <a:moveTo>
+                  <a:pt x="1074198" y="2698813"/>
+                </a:moveTo>
+                <a:cubicBezTo>
+                  <a:pt x="1097872" y="2695854"/>
+                  <a:pt x="1121746" y="2694203"/>
+                  <a:pt x="1145219" y="2689935"/>
+                </a:cubicBezTo>
+                <a:cubicBezTo>
+                  <a:pt x="1154426" y="2688261"/>
+                  <a:pt x="1164237" y="2686496"/>
+                  <a:pt x="1171852" y="2681057"/>
+                </a:cubicBezTo>
+                <a:cubicBezTo>
+                  <a:pt x="1185474" y="2671327"/>
+                  <a:pt x="1194149" y="2655824"/>
+                  <a:pt x="1207363" y="2645547"/>
+                </a:cubicBezTo>
+                <a:cubicBezTo>
+                  <a:pt x="1220983" y="2634954"/>
+                  <a:pt x="1236955" y="2627792"/>
+                  <a:pt x="1251751" y="2618914"/>
+                </a:cubicBezTo>
+                <a:cubicBezTo>
+                  <a:pt x="1299949" y="2546616"/>
+                  <a:pt x="1241722" y="2630186"/>
+                  <a:pt x="1287262" y="2574525"/>
+                </a:cubicBezTo>
+                <a:cubicBezTo>
+                  <a:pt x="1308627" y="2548411"/>
+                  <a:pt x="1349405" y="2494626"/>
+                  <a:pt x="1349405" y="2494626"/>
+                </a:cubicBezTo>
+                <a:cubicBezTo>
+                  <a:pt x="1366362" y="2443758"/>
+                  <a:pt x="1345422" y="2489732"/>
+                  <a:pt x="1393794" y="2441360"/>
+                </a:cubicBezTo>
+                <a:cubicBezTo>
+                  <a:pt x="1427325" y="2407829"/>
+                  <a:pt x="1414742" y="2407843"/>
+                  <a:pt x="1438182" y="2370339"/>
+                </a:cubicBezTo>
+                <a:cubicBezTo>
+                  <a:pt x="1446024" y="2357792"/>
+                  <a:pt x="1455937" y="2346665"/>
+                  <a:pt x="1464815" y="2334828"/>
+                </a:cubicBezTo>
+                <a:cubicBezTo>
+                  <a:pt x="1474989" y="2304308"/>
+                  <a:pt x="1483824" y="2279090"/>
+                  <a:pt x="1491448" y="2246051"/>
+                </a:cubicBezTo>
+                <a:cubicBezTo>
+                  <a:pt x="1495496" y="2228512"/>
+                  <a:pt x="1496278" y="2210324"/>
+                  <a:pt x="1500326" y="2192785"/>
+                </a:cubicBezTo>
+                <a:cubicBezTo>
+                  <a:pt x="1520339" y="2106064"/>
+                  <a:pt x="1513774" y="2156798"/>
+                  <a:pt x="1535836" y="2077376"/>
+                </a:cubicBezTo>
+                <a:cubicBezTo>
+                  <a:pt x="1545633" y="2042108"/>
+                  <a:pt x="1553592" y="2006355"/>
+                  <a:pt x="1562470" y="1970844"/>
+                </a:cubicBezTo>
+                <a:cubicBezTo>
+                  <a:pt x="1577739" y="1848678"/>
+                  <a:pt x="1561968" y="1941529"/>
+                  <a:pt x="1606858" y="1784413"/>
+                </a:cubicBezTo>
+                <a:cubicBezTo>
+                  <a:pt x="1613562" y="1760949"/>
+                  <a:pt x="1619024" y="1737145"/>
+                  <a:pt x="1624613" y="1713391"/>
+                </a:cubicBezTo>
+                <a:cubicBezTo>
+                  <a:pt x="1630862" y="1686834"/>
+                  <a:pt x="1634529" y="1659624"/>
+                  <a:pt x="1642369" y="1633492"/>
+                </a:cubicBezTo>
+                <a:cubicBezTo>
+                  <a:pt x="1652322" y="1600316"/>
+                  <a:pt x="1669224" y="1569376"/>
+                  <a:pt x="1677879" y="1535838"/>
+                </a:cubicBezTo>
+                <a:cubicBezTo>
+                  <a:pt x="1698122" y="1457397"/>
+                  <a:pt x="1725372" y="1302830"/>
+                  <a:pt x="1731145" y="1216242"/>
+                </a:cubicBezTo>
+                <a:lnTo>
+                  <a:pt x="1740023" y="1083077"/>
+                </a:lnTo>
+                <a:cubicBezTo>
+                  <a:pt x="1737064" y="964708"/>
+                  <a:pt x="1738851" y="846125"/>
+                  <a:pt x="1731145" y="727970"/>
+                </a:cubicBezTo>
+                <a:cubicBezTo>
+                  <a:pt x="1729927" y="709294"/>
+                  <a:pt x="1723772" y="690276"/>
+                  <a:pt x="1713390" y="674704"/>
+                </a:cubicBezTo>
+                <a:cubicBezTo>
+                  <a:pt x="1701553" y="656949"/>
+                  <a:pt x="1687422" y="640525"/>
+                  <a:pt x="1677879" y="621438"/>
+                </a:cubicBezTo>
+                <a:cubicBezTo>
+                  <a:pt x="1655353" y="576384"/>
+                  <a:pt x="1671135" y="593268"/>
+                  <a:pt x="1633491" y="568172"/>
+                </a:cubicBezTo>
+                <a:cubicBezTo>
+                  <a:pt x="1627573" y="556335"/>
+                  <a:pt x="1624003" y="542995"/>
+                  <a:pt x="1615736" y="532661"/>
+                </a:cubicBezTo>
+                <a:cubicBezTo>
+                  <a:pt x="1578641" y="486292"/>
+                  <a:pt x="1538840" y="461673"/>
+                  <a:pt x="1491448" y="426129"/>
+                </a:cubicBezTo>
+                <a:cubicBezTo>
+                  <a:pt x="1479611" y="417251"/>
+                  <a:pt x="1467616" y="408580"/>
+                  <a:pt x="1455937" y="399496"/>
+                </a:cubicBezTo>
+                <a:cubicBezTo>
+                  <a:pt x="1440980" y="387863"/>
+                  <a:pt x="1427315" y="374495"/>
+                  <a:pt x="1411549" y="363985"/>
+                </a:cubicBezTo>
+                <a:cubicBezTo>
+                  <a:pt x="1393794" y="352148"/>
+                  <a:pt x="1377369" y="338018"/>
+                  <a:pt x="1358283" y="328475"/>
+                </a:cubicBezTo>
+                <a:cubicBezTo>
+                  <a:pt x="1346446" y="322556"/>
+                  <a:pt x="1334263" y="317285"/>
+                  <a:pt x="1322772" y="310719"/>
+                </a:cubicBezTo>
+                <a:cubicBezTo>
+                  <a:pt x="1292809" y="293597"/>
+                  <a:pt x="1266735" y="268365"/>
+                  <a:pt x="1233996" y="257453"/>
+                </a:cubicBezTo>
+                <a:cubicBezTo>
+                  <a:pt x="1204114" y="247493"/>
+                  <a:pt x="1202572" y="248375"/>
+                  <a:pt x="1171852" y="230820"/>
+                </a:cubicBezTo>
+                <a:cubicBezTo>
+                  <a:pt x="1134482" y="209466"/>
+                  <a:pt x="1154421" y="213195"/>
+                  <a:pt x="1109708" y="195310"/>
+                </a:cubicBezTo>
+                <a:cubicBezTo>
+                  <a:pt x="1092331" y="188359"/>
+                  <a:pt x="1073645" y="184927"/>
+                  <a:pt x="1056442" y="177554"/>
+                </a:cubicBezTo>
+                <a:cubicBezTo>
+                  <a:pt x="1032114" y="167128"/>
+                  <a:pt x="1009095" y="153881"/>
+                  <a:pt x="985421" y="142044"/>
+                </a:cubicBezTo>
+                <a:cubicBezTo>
+                  <a:pt x="973584" y="136125"/>
+                  <a:pt x="962198" y="129203"/>
+                  <a:pt x="949910" y="124288"/>
+                </a:cubicBezTo>
+                <a:cubicBezTo>
+                  <a:pt x="843783" y="81838"/>
+                  <a:pt x="891354" y="98851"/>
+                  <a:pt x="807868" y="71022"/>
+                </a:cubicBezTo>
+                <a:cubicBezTo>
+                  <a:pt x="798990" y="68063"/>
+                  <a:pt x="790313" y="64415"/>
+                  <a:pt x="781235" y="62145"/>
+                </a:cubicBezTo>
+                <a:cubicBezTo>
+                  <a:pt x="757561" y="56226"/>
+                  <a:pt x="734142" y="49174"/>
+                  <a:pt x="710213" y="44389"/>
+                </a:cubicBezTo>
+                <a:cubicBezTo>
+                  <a:pt x="695417" y="41430"/>
+                  <a:pt x="680463" y="39172"/>
+                  <a:pt x="665825" y="35512"/>
+                </a:cubicBezTo>
+                <a:cubicBezTo>
+                  <a:pt x="656746" y="33242"/>
+                  <a:pt x="648423" y="28172"/>
+                  <a:pt x="639192" y="26634"/>
+                </a:cubicBezTo>
+                <a:cubicBezTo>
+                  <a:pt x="612760" y="22228"/>
+                  <a:pt x="585926" y="20715"/>
+                  <a:pt x="559293" y="17756"/>
+                </a:cubicBezTo>
+                <a:cubicBezTo>
+                  <a:pt x="550415" y="14797"/>
+                  <a:pt x="541954" y="9972"/>
+                  <a:pt x="532660" y="8879"/>
+                </a:cubicBezTo>
+                <a:cubicBezTo>
+                  <a:pt x="399819" y="-6749"/>
+                  <a:pt x="377728" y="1533"/>
+                  <a:pt x="230819" y="8879"/>
+                </a:cubicBezTo>
+                <a:cubicBezTo>
+                  <a:pt x="213064" y="11838"/>
+                  <a:pt x="195204" y="14226"/>
+                  <a:pt x="177553" y="17756"/>
+                </a:cubicBezTo>
+                <a:cubicBezTo>
+                  <a:pt x="144017" y="24463"/>
+                  <a:pt x="122737" y="33069"/>
+                  <a:pt x="88776" y="44389"/>
+                </a:cubicBezTo>
+                <a:lnTo>
+                  <a:pt x="62143" y="53267"/>
+                </a:lnTo>
+                <a:lnTo>
+                  <a:pt x="35510" y="62145"/>
+                </a:lnTo>
+                <a:lnTo>
+                  <a:pt x="0" y="97655"/>
+                </a:lnTo>
+              </a:path>
+            </a:pathLst>
+          </a:custGeom>
+          <a:noFill/>
+        </p:spPr>
+        <p:style>
+          <a:lnRef idx="2">
+            <a:schemeClr val="accent1">
+              <a:shade val="50000"/>
+            </a:schemeClr>
+          </a:lnRef>
+          <a:fillRef idx="1">
+            <a:schemeClr val="accent1"/>
+          </a:fillRef>
+          <a:effectRef idx="0">
+            <a:schemeClr val="accent1"/>
+          </a:effectRef>
+          <a:fontRef idx="minor">
+            <a:schemeClr val="lt1"/>
+          </a:fontRef>
+        </p:style>
+        <p:txBody>
+          <a:bodyPr rtlCol="0" anchor="ctr"/>
+          <a:lstStyle/>
+          <a:p>
+            <a:pPr algn="ctr"/>
+            <a:endParaRPr lang="fr-FR"/>
+          </a:p>
+        </p:txBody>
+      </p:sp>
+      <p:sp>
+        <p:nvSpPr>
+          <p:cNvPr id="15" name="Forme libre : forme 14">
+            <a:extLst>
+              <a:ext uri="{FF2B5EF4-FFF2-40B4-BE49-F238E27FC236}">
+                <a16:creationId xmlns:a16="http://schemas.microsoft.com/office/drawing/2014/main" id="{65CEEF34-17F8-4162-B9D1-75C26E0B3B0C}"/>
+              </a:ext>
+            </a:extLst>
+          </p:cNvPr>
+          <p:cNvSpPr/>
+          <p:nvPr/>
+        </p:nvSpPr>
+        <p:spPr>
+          <a:xfrm>
+            <a:off x="6187736" y="672570"/>
+            <a:ext cx="2024109" cy="3118195"/>
+          </a:xfrm>
+          <a:custGeom>
+            <a:avLst/>
+            <a:gdLst>
+              <a:gd name="connsiteX0" fmla="*/ 1100831 w 2024109"/>
+              <a:gd name="connsiteY0" fmla="*/ 3109317 h 3118195"/>
+              <a:gd name="connsiteX1" fmla="*/ 1171852 w 2024109"/>
+              <a:gd name="connsiteY1" fmla="*/ 3118195 h 3118195"/>
+              <a:gd name="connsiteX2" fmla="*/ 1269507 w 2024109"/>
+              <a:gd name="connsiteY2" fmla="*/ 3100440 h 3118195"/>
+              <a:gd name="connsiteX3" fmla="*/ 1322773 w 2024109"/>
+              <a:gd name="connsiteY3" fmla="*/ 3091562 h 3118195"/>
+              <a:gd name="connsiteX4" fmla="*/ 1376039 w 2024109"/>
+              <a:gd name="connsiteY4" fmla="*/ 3073807 h 3118195"/>
+              <a:gd name="connsiteX5" fmla="*/ 1491448 w 2024109"/>
+              <a:gd name="connsiteY5" fmla="*/ 3038296 h 3118195"/>
+              <a:gd name="connsiteX6" fmla="*/ 1544714 w 2024109"/>
+              <a:gd name="connsiteY6" fmla="*/ 3002785 h 3118195"/>
+              <a:gd name="connsiteX7" fmla="*/ 1571347 w 2024109"/>
+              <a:gd name="connsiteY7" fmla="*/ 2967275 h 3118195"/>
+              <a:gd name="connsiteX8" fmla="*/ 1624614 w 2024109"/>
+              <a:gd name="connsiteY8" fmla="*/ 2922886 h 3118195"/>
+              <a:gd name="connsiteX9" fmla="*/ 1651247 w 2024109"/>
+              <a:gd name="connsiteY9" fmla="*/ 2896253 h 3118195"/>
+              <a:gd name="connsiteX10" fmla="*/ 1704513 w 2024109"/>
+              <a:gd name="connsiteY10" fmla="*/ 2860743 h 3118195"/>
+              <a:gd name="connsiteX11" fmla="*/ 1766656 w 2024109"/>
+              <a:gd name="connsiteY11" fmla="*/ 2763088 h 3118195"/>
+              <a:gd name="connsiteX12" fmla="*/ 1811045 w 2024109"/>
+              <a:gd name="connsiteY12" fmla="*/ 2638801 h 3118195"/>
+              <a:gd name="connsiteX13" fmla="*/ 1828800 w 2024109"/>
+              <a:gd name="connsiteY13" fmla="*/ 2585535 h 3118195"/>
+              <a:gd name="connsiteX14" fmla="*/ 1864311 w 2024109"/>
+              <a:gd name="connsiteY14" fmla="*/ 2496758 h 3118195"/>
+              <a:gd name="connsiteX15" fmla="*/ 1882066 w 2024109"/>
+              <a:gd name="connsiteY15" fmla="*/ 2407981 h 3118195"/>
+              <a:gd name="connsiteX16" fmla="*/ 1899821 w 2024109"/>
+              <a:gd name="connsiteY16" fmla="*/ 2301449 h 3118195"/>
+              <a:gd name="connsiteX17" fmla="*/ 1917577 w 2024109"/>
+              <a:gd name="connsiteY17" fmla="*/ 2212673 h 3118195"/>
+              <a:gd name="connsiteX18" fmla="*/ 1926454 w 2024109"/>
+              <a:gd name="connsiteY18" fmla="*/ 2132774 h 3118195"/>
+              <a:gd name="connsiteX19" fmla="*/ 1944210 w 2024109"/>
+              <a:gd name="connsiteY19" fmla="*/ 2043997 h 3118195"/>
+              <a:gd name="connsiteX20" fmla="*/ 1953087 w 2024109"/>
+              <a:gd name="connsiteY20" fmla="*/ 1990731 h 3118195"/>
+              <a:gd name="connsiteX21" fmla="*/ 1970843 w 2024109"/>
+              <a:gd name="connsiteY21" fmla="*/ 1795422 h 3118195"/>
+              <a:gd name="connsiteX22" fmla="*/ 1979720 w 2024109"/>
+              <a:gd name="connsiteY22" fmla="*/ 1768789 h 3118195"/>
+              <a:gd name="connsiteX23" fmla="*/ 1988598 w 2024109"/>
+              <a:gd name="connsiteY23" fmla="*/ 1529092 h 3118195"/>
+              <a:gd name="connsiteX24" fmla="*/ 1997476 w 2024109"/>
+              <a:gd name="connsiteY24" fmla="*/ 1502459 h 3118195"/>
+              <a:gd name="connsiteX25" fmla="*/ 2006353 w 2024109"/>
+              <a:gd name="connsiteY25" fmla="*/ 1422560 h 3118195"/>
+              <a:gd name="connsiteX26" fmla="*/ 2024109 w 2024109"/>
+              <a:gd name="connsiteY26" fmla="*/ 1316028 h 3118195"/>
+              <a:gd name="connsiteX27" fmla="*/ 2015231 w 2024109"/>
+              <a:gd name="connsiteY27" fmla="*/ 747857 h 3118195"/>
+              <a:gd name="connsiteX28" fmla="*/ 1997476 w 2024109"/>
+              <a:gd name="connsiteY28" fmla="*/ 712347 h 3118195"/>
+              <a:gd name="connsiteX29" fmla="*/ 1988598 w 2024109"/>
+              <a:gd name="connsiteY29" fmla="*/ 667958 h 3118195"/>
+              <a:gd name="connsiteX30" fmla="*/ 1961965 w 2024109"/>
+              <a:gd name="connsiteY30" fmla="*/ 614692 h 3118195"/>
+              <a:gd name="connsiteX31" fmla="*/ 1926454 w 2024109"/>
+              <a:gd name="connsiteY31" fmla="*/ 552548 h 3118195"/>
+              <a:gd name="connsiteX32" fmla="*/ 1873188 w 2024109"/>
+              <a:gd name="connsiteY32" fmla="*/ 508160 h 3118195"/>
+              <a:gd name="connsiteX33" fmla="*/ 1846555 w 2024109"/>
+              <a:gd name="connsiteY33" fmla="*/ 481527 h 3118195"/>
+              <a:gd name="connsiteX34" fmla="*/ 1811045 w 2024109"/>
+              <a:gd name="connsiteY34" fmla="*/ 463772 h 3118195"/>
+              <a:gd name="connsiteX35" fmla="*/ 1757779 w 2024109"/>
+              <a:gd name="connsiteY35" fmla="*/ 437139 h 3118195"/>
+              <a:gd name="connsiteX36" fmla="*/ 1695635 w 2024109"/>
+              <a:gd name="connsiteY36" fmla="*/ 392750 h 3118195"/>
+              <a:gd name="connsiteX37" fmla="*/ 1669002 w 2024109"/>
+              <a:gd name="connsiteY37" fmla="*/ 383873 h 3118195"/>
+              <a:gd name="connsiteX38" fmla="*/ 1589103 w 2024109"/>
+              <a:gd name="connsiteY38" fmla="*/ 339484 h 3118195"/>
+              <a:gd name="connsiteX39" fmla="*/ 1553592 w 2024109"/>
+              <a:gd name="connsiteY39" fmla="*/ 330607 h 3118195"/>
+              <a:gd name="connsiteX40" fmla="*/ 1482571 w 2024109"/>
+              <a:gd name="connsiteY40" fmla="*/ 295096 h 3118195"/>
+              <a:gd name="connsiteX41" fmla="*/ 1384916 w 2024109"/>
+              <a:gd name="connsiteY41" fmla="*/ 250708 h 3118195"/>
+              <a:gd name="connsiteX42" fmla="*/ 1358283 w 2024109"/>
+              <a:gd name="connsiteY42" fmla="*/ 232952 h 3118195"/>
+              <a:gd name="connsiteX43" fmla="*/ 1331650 w 2024109"/>
+              <a:gd name="connsiteY43" fmla="*/ 224075 h 3118195"/>
+              <a:gd name="connsiteX44" fmla="*/ 1313895 w 2024109"/>
+              <a:gd name="connsiteY44" fmla="*/ 206319 h 3118195"/>
+              <a:gd name="connsiteX45" fmla="*/ 1260629 w 2024109"/>
+              <a:gd name="connsiteY45" fmla="*/ 188564 h 3118195"/>
+              <a:gd name="connsiteX46" fmla="*/ 1162975 w 2024109"/>
+              <a:gd name="connsiteY46" fmla="*/ 144176 h 3118195"/>
+              <a:gd name="connsiteX47" fmla="*/ 1136342 w 2024109"/>
+              <a:gd name="connsiteY47" fmla="*/ 126420 h 3118195"/>
+              <a:gd name="connsiteX48" fmla="*/ 1065320 w 2024109"/>
+              <a:gd name="connsiteY48" fmla="*/ 108665 h 3118195"/>
+              <a:gd name="connsiteX49" fmla="*/ 1038687 w 2024109"/>
+              <a:gd name="connsiteY49" fmla="*/ 99787 h 3118195"/>
+              <a:gd name="connsiteX50" fmla="*/ 914400 w 2024109"/>
+              <a:gd name="connsiteY50" fmla="*/ 73154 h 3118195"/>
+              <a:gd name="connsiteX51" fmla="*/ 834501 w 2024109"/>
+              <a:gd name="connsiteY51" fmla="*/ 64277 h 3118195"/>
+              <a:gd name="connsiteX52" fmla="*/ 781235 w 2024109"/>
+              <a:gd name="connsiteY52" fmla="*/ 55399 h 3118195"/>
+              <a:gd name="connsiteX53" fmla="*/ 621437 w 2024109"/>
+              <a:gd name="connsiteY53" fmla="*/ 37644 h 3118195"/>
+              <a:gd name="connsiteX54" fmla="*/ 497149 w 2024109"/>
+              <a:gd name="connsiteY54" fmla="*/ 19888 h 3118195"/>
+              <a:gd name="connsiteX55" fmla="*/ 301841 w 2024109"/>
+              <a:gd name="connsiteY55" fmla="*/ 11011 h 3118195"/>
+              <a:gd name="connsiteX56" fmla="*/ 159798 w 2024109"/>
+              <a:gd name="connsiteY56" fmla="*/ 11011 h 3118195"/>
+              <a:gd name="connsiteX57" fmla="*/ 88777 w 2024109"/>
+              <a:gd name="connsiteY57" fmla="*/ 28766 h 3118195"/>
+              <a:gd name="connsiteX58" fmla="*/ 62144 w 2024109"/>
+              <a:gd name="connsiteY58" fmla="*/ 46521 h 3118195"/>
+              <a:gd name="connsiteX59" fmla="*/ 0 w 2024109"/>
+              <a:gd name="connsiteY59" fmla="*/ 73154 h 3118195"/>
+            </a:gdLst>
+            <a:ahLst/>
+            <a:cxnLst>
+              <a:cxn ang="0">
+                <a:pos x="connsiteX0" y="connsiteY0"/>
+              </a:cxn>
+              <a:cxn ang="0">
+                <a:pos x="connsiteX1" y="connsiteY1"/>
+              </a:cxn>
+              <a:cxn ang="0">
+                <a:pos x="connsiteX2" y="connsiteY2"/>
+              </a:cxn>
+              <a:cxn ang="0">
+                <a:pos x="connsiteX3" y="connsiteY3"/>
+              </a:cxn>
+              <a:cxn ang="0">
+                <a:pos x="connsiteX4" y="connsiteY4"/>
+              </a:cxn>
+              <a:cxn ang="0">
+                <a:pos x="connsiteX5" y="connsiteY5"/>
+              </a:cxn>
+              <a:cxn ang="0">
+                <a:pos x="connsiteX6" y="connsiteY6"/>
+              </a:cxn>
+              <a:cxn ang="0">
+                <a:pos x="connsiteX7" y="connsiteY7"/>
+              </a:cxn>
+              <a:cxn ang="0">
+                <a:pos x="connsiteX8" y="connsiteY8"/>
+              </a:cxn>
+              <a:cxn ang="0">
+                <a:pos x="connsiteX9" y="connsiteY9"/>
+              </a:cxn>
+              <a:cxn ang="0">
+                <a:pos x="connsiteX10" y="connsiteY10"/>
+              </a:cxn>
+              <a:cxn ang="0">
+                <a:pos x="connsiteX11" y="connsiteY11"/>
+              </a:cxn>
+              <a:cxn ang="0">
+                <a:pos x="connsiteX12" y="connsiteY12"/>
+              </a:cxn>
+              <a:cxn ang="0">
+                <a:pos x="connsiteX13" y="connsiteY13"/>
+              </a:cxn>
+              <a:cxn ang="0">
+                <a:pos x="connsiteX14" y="connsiteY14"/>
+              </a:cxn>
+              <a:cxn ang="0">
+                <a:pos x="connsiteX15" y="connsiteY15"/>
+              </a:cxn>
+              <a:cxn ang="0">
+                <a:pos x="connsiteX16" y="connsiteY16"/>
+              </a:cxn>
+              <a:cxn ang="0">
+                <a:pos x="connsiteX17" y="connsiteY17"/>
+              </a:cxn>
+              <a:cxn ang="0">
+                <a:pos x="connsiteX18" y="connsiteY18"/>
+              </a:cxn>
+              <a:cxn ang="0">
+                <a:pos x="connsiteX19" y="connsiteY19"/>
+              </a:cxn>
+              <a:cxn ang="0">
+                <a:pos x="connsiteX20" y="connsiteY20"/>
+              </a:cxn>
+              <a:cxn ang="0">
+                <a:pos x="connsiteX21" y="connsiteY21"/>
+              </a:cxn>
+              <a:cxn ang="0">
+                <a:pos x="connsiteX22" y="connsiteY22"/>
+              </a:cxn>
+              <a:cxn ang="0">
+                <a:pos x="connsiteX23" y="connsiteY23"/>
+              </a:cxn>
+              <a:cxn ang="0">
+                <a:pos x="connsiteX24" y="connsiteY24"/>
+              </a:cxn>
+              <a:cxn ang="0">
+                <a:pos x="connsiteX25" y="connsiteY25"/>
+              </a:cxn>
+              <a:cxn ang="0">
+                <a:pos x="connsiteX26" y="connsiteY26"/>
+              </a:cxn>
+              <a:cxn ang="0">
+                <a:pos x="connsiteX27" y="connsiteY27"/>
+              </a:cxn>
+              <a:cxn ang="0">
+                <a:pos x="connsiteX28" y="connsiteY28"/>
+              </a:cxn>
+              <a:cxn ang="0">
+                <a:pos x="connsiteX29" y="connsiteY29"/>
+              </a:cxn>
+              <a:cxn ang="0">
+                <a:pos x="connsiteX30" y="connsiteY30"/>
+              </a:cxn>
+              <a:cxn ang="0">
+                <a:pos x="connsiteX31" y="connsiteY31"/>
+              </a:cxn>
+              <a:cxn ang="0">
+                <a:pos x="connsiteX32" y="connsiteY32"/>
+              </a:cxn>
+              <a:cxn ang="0">
+                <a:pos x="connsiteX33" y="connsiteY33"/>
+              </a:cxn>
+              <a:cxn ang="0">
+                <a:pos x="connsiteX34" y="connsiteY34"/>
+              </a:cxn>
+              <a:cxn ang="0">
+                <a:pos x="connsiteX35" y="connsiteY35"/>
+              </a:cxn>
+              <a:cxn ang="0">
+                <a:pos x="connsiteX36" y="connsiteY36"/>
+              </a:cxn>
+              <a:cxn ang="0">
+                <a:pos x="connsiteX37" y="connsiteY37"/>
+              </a:cxn>
+              <a:cxn ang="0">
+                <a:pos x="connsiteX38" y="connsiteY38"/>
+              </a:cxn>
+              <a:cxn ang="0">
+                <a:pos x="connsiteX39" y="connsiteY39"/>
+              </a:cxn>
+              <a:cxn ang="0">
+                <a:pos x="connsiteX40" y="connsiteY40"/>
+              </a:cxn>
+              <a:cxn ang="0">
+                <a:pos x="connsiteX41" y="connsiteY41"/>
+              </a:cxn>
+              <a:cxn ang="0">
+                <a:pos x="connsiteX42" y="connsiteY42"/>
+              </a:cxn>
+              <a:cxn ang="0">
+                <a:pos x="connsiteX43" y="connsiteY43"/>
+              </a:cxn>
+              <a:cxn ang="0">
+                <a:pos x="connsiteX44" y="connsiteY44"/>
+              </a:cxn>
+              <a:cxn ang="0">
+                <a:pos x="connsiteX45" y="connsiteY45"/>
+              </a:cxn>
+              <a:cxn ang="0">
+                <a:pos x="connsiteX46" y="connsiteY46"/>
+              </a:cxn>
+              <a:cxn ang="0">
+                <a:pos x="connsiteX47" y="connsiteY47"/>
+              </a:cxn>
+              <a:cxn ang="0">
+                <a:pos x="connsiteX48" y="connsiteY48"/>
+              </a:cxn>
+              <a:cxn ang="0">
+                <a:pos x="connsiteX49" y="connsiteY49"/>
+              </a:cxn>
+              <a:cxn ang="0">
+                <a:pos x="connsiteX50" y="connsiteY50"/>
+              </a:cxn>
+              <a:cxn ang="0">
+                <a:pos x="connsiteX51" y="connsiteY51"/>
+              </a:cxn>
+              <a:cxn ang="0">
+                <a:pos x="connsiteX52" y="connsiteY52"/>
+              </a:cxn>
+              <a:cxn ang="0">
+                <a:pos x="connsiteX53" y="connsiteY53"/>
+              </a:cxn>
+              <a:cxn ang="0">
+                <a:pos x="connsiteX54" y="connsiteY54"/>
+              </a:cxn>
+              <a:cxn ang="0">
+                <a:pos x="connsiteX55" y="connsiteY55"/>
+              </a:cxn>
+              <a:cxn ang="0">
+                <a:pos x="connsiteX56" y="connsiteY56"/>
+              </a:cxn>
+              <a:cxn ang="0">
+                <a:pos x="connsiteX57" y="connsiteY57"/>
+              </a:cxn>
+              <a:cxn ang="0">
+                <a:pos x="connsiteX58" y="connsiteY58"/>
+              </a:cxn>
+              <a:cxn ang="0">
+                <a:pos x="connsiteX59" y="connsiteY59"/>
+              </a:cxn>
+            </a:cxnLst>
+            <a:rect l="l" t="t" r="r" b="b"/>
+            <a:pathLst>
+              <a:path w="2024109" h="3118195">
+                <a:moveTo>
+                  <a:pt x="1100831" y="3109317"/>
+                </a:moveTo>
+                <a:cubicBezTo>
+                  <a:pt x="1124505" y="3112276"/>
+                  <a:pt x="1147994" y="3118195"/>
+                  <a:pt x="1171852" y="3118195"/>
+                </a:cubicBezTo>
+                <a:cubicBezTo>
+                  <a:pt x="1184923" y="3118195"/>
+                  <a:pt x="1253639" y="3103325"/>
+                  <a:pt x="1269507" y="3100440"/>
+                </a:cubicBezTo>
+                <a:cubicBezTo>
+                  <a:pt x="1287217" y="3097220"/>
+                  <a:pt x="1305310" y="3095928"/>
+                  <a:pt x="1322773" y="3091562"/>
+                </a:cubicBezTo>
+                <a:cubicBezTo>
+                  <a:pt x="1340930" y="3087023"/>
+                  <a:pt x="1358151" y="3079311"/>
+                  <a:pt x="1376039" y="3073807"/>
+                </a:cubicBezTo>
+                <a:cubicBezTo>
+                  <a:pt x="1524868" y="3028013"/>
+                  <a:pt x="1358069" y="3082755"/>
+                  <a:pt x="1491448" y="3038296"/>
+                </a:cubicBezTo>
+                <a:cubicBezTo>
+                  <a:pt x="1509203" y="3026459"/>
+                  <a:pt x="1528765" y="3016962"/>
+                  <a:pt x="1544714" y="3002785"/>
+                </a:cubicBezTo>
+                <a:cubicBezTo>
+                  <a:pt x="1555773" y="2992955"/>
+                  <a:pt x="1560885" y="2977737"/>
+                  <a:pt x="1571347" y="2967275"/>
+                </a:cubicBezTo>
+                <a:cubicBezTo>
+                  <a:pt x="1587690" y="2950932"/>
+                  <a:pt x="1607339" y="2938241"/>
+                  <a:pt x="1624614" y="2922886"/>
+                </a:cubicBezTo>
+                <a:cubicBezTo>
+                  <a:pt x="1633998" y="2914545"/>
+                  <a:pt x="1641337" y="2903961"/>
+                  <a:pt x="1651247" y="2896253"/>
+                </a:cubicBezTo>
+                <a:cubicBezTo>
+                  <a:pt x="1668091" y="2883152"/>
+                  <a:pt x="1704513" y="2860743"/>
+                  <a:pt x="1704513" y="2860743"/>
+                </a:cubicBezTo>
+                <a:cubicBezTo>
+                  <a:pt x="1732874" y="2822928"/>
+                  <a:pt x="1744101" y="2811017"/>
+                  <a:pt x="1766656" y="2763088"/>
+                </a:cubicBezTo>
+                <a:cubicBezTo>
+                  <a:pt x="1818204" y="2653548"/>
+                  <a:pt x="1790032" y="2708844"/>
+                  <a:pt x="1811045" y="2638801"/>
+                </a:cubicBezTo>
+                <a:cubicBezTo>
+                  <a:pt x="1816423" y="2620875"/>
+                  <a:pt x="1822228" y="2603059"/>
+                  <a:pt x="1828800" y="2585535"/>
+                </a:cubicBezTo>
+                <a:cubicBezTo>
+                  <a:pt x="1839991" y="2555692"/>
+                  <a:pt x="1864311" y="2496758"/>
+                  <a:pt x="1864311" y="2496758"/>
+                </a:cubicBezTo>
+                <a:cubicBezTo>
+                  <a:pt x="1870229" y="2467166"/>
+                  <a:pt x="1877105" y="2437749"/>
+                  <a:pt x="1882066" y="2407981"/>
+                </a:cubicBezTo>
+                <a:cubicBezTo>
+                  <a:pt x="1887984" y="2372470"/>
+                  <a:pt x="1891089" y="2336374"/>
+                  <a:pt x="1899821" y="2301449"/>
+                </a:cubicBezTo>
+                <a:cubicBezTo>
+                  <a:pt x="1909903" y="2261124"/>
+                  <a:pt x="1911358" y="2259314"/>
+                  <a:pt x="1917577" y="2212673"/>
+                </a:cubicBezTo>
+                <a:cubicBezTo>
+                  <a:pt x="1921119" y="2186111"/>
+                  <a:pt x="1922912" y="2159336"/>
+                  <a:pt x="1926454" y="2132774"/>
+                </a:cubicBezTo>
+                <a:cubicBezTo>
+                  <a:pt x="1938623" y="2041505"/>
+                  <a:pt x="1930095" y="2114573"/>
+                  <a:pt x="1944210" y="2043997"/>
+                </a:cubicBezTo>
+                <a:cubicBezTo>
+                  <a:pt x="1947740" y="2026346"/>
+                  <a:pt x="1950128" y="2008486"/>
+                  <a:pt x="1953087" y="1990731"/>
+                </a:cubicBezTo>
+                <a:cubicBezTo>
+                  <a:pt x="1956907" y="1933426"/>
+                  <a:pt x="1958707" y="1856103"/>
+                  <a:pt x="1970843" y="1795422"/>
+                </a:cubicBezTo>
+                <a:cubicBezTo>
+                  <a:pt x="1972678" y="1786246"/>
+                  <a:pt x="1976761" y="1777667"/>
+                  <a:pt x="1979720" y="1768789"/>
+                </a:cubicBezTo>
+                <a:cubicBezTo>
+                  <a:pt x="1982679" y="1688890"/>
+                  <a:pt x="1983279" y="1608869"/>
+                  <a:pt x="1988598" y="1529092"/>
+                </a:cubicBezTo>
+                <a:cubicBezTo>
+                  <a:pt x="1989221" y="1519755"/>
+                  <a:pt x="1995938" y="1511690"/>
+                  <a:pt x="1997476" y="1502459"/>
+                </a:cubicBezTo>
+                <a:cubicBezTo>
+                  <a:pt x="2001881" y="1476027"/>
+                  <a:pt x="2003029" y="1449150"/>
+                  <a:pt x="2006353" y="1422560"/>
+                </a:cubicBezTo>
+                <a:cubicBezTo>
+                  <a:pt x="2013693" y="1363836"/>
+                  <a:pt x="2013775" y="1367697"/>
+                  <a:pt x="2024109" y="1316028"/>
+                </a:cubicBezTo>
+                <a:cubicBezTo>
+                  <a:pt x="2021150" y="1126638"/>
+                  <a:pt x="2023579" y="937086"/>
+                  <a:pt x="2015231" y="747857"/>
+                </a:cubicBezTo>
+                <a:cubicBezTo>
+                  <a:pt x="2014648" y="734636"/>
+                  <a:pt x="2001661" y="724902"/>
+                  <a:pt x="1997476" y="712347"/>
+                </a:cubicBezTo>
+                <a:cubicBezTo>
+                  <a:pt x="1992704" y="698032"/>
+                  <a:pt x="1992258" y="682597"/>
+                  <a:pt x="1988598" y="667958"/>
+                </a:cubicBezTo>
+                <a:cubicBezTo>
+                  <a:pt x="1979555" y="631788"/>
+                  <a:pt x="1981252" y="648444"/>
+                  <a:pt x="1961965" y="614692"/>
+                </a:cubicBezTo>
+                <a:cubicBezTo>
+                  <a:pt x="1946175" y="587059"/>
+                  <a:pt x="1946120" y="576147"/>
+                  <a:pt x="1926454" y="552548"/>
+                </a:cubicBezTo>
+                <a:cubicBezTo>
+                  <a:pt x="1891084" y="510104"/>
+                  <a:pt x="1911281" y="539904"/>
+                  <a:pt x="1873188" y="508160"/>
+                </a:cubicBezTo>
+                <a:cubicBezTo>
+                  <a:pt x="1863543" y="500123"/>
+                  <a:pt x="1856771" y="488824"/>
+                  <a:pt x="1846555" y="481527"/>
+                </a:cubicBezTo>
+                <a:cubicBezTo>
+                  <a:pt x="1835786" y="473835"/>
+                  <a:pt x="1822535" y="470338"/>
+                  <a:pt x="1811045" y="463772"/>
+                </a:cubicBezTo>
+                <a:cubicBezTo>
+                  <a:pt x="1762858" y="436236"/>
+                  <a:pt x="1806609" y="453414"/>
+                  <a:pt x="1757779" y="437139"/>
+                </a:cubicBezTo>
+                <a:cubicBezTo>
+                  <a:pt x="1749742" y="431111"/>
+                  <a:pt x="1708612" y="399238"/>
+                  <a:pt x="1695635" y="392750"/>
+                </a:cubicBezTo>
+                <a:cubicBezTo>
+                  <a:pt x="1687265" y="388565"/>
+                  <a:pt x="1677880" y="386832"/>
+                  <a:pt x="1669002" y="383873"/>
+                </a:cubicBezTo>
+                <a:cubicBezTo>
+                  <a:pt x="1621317" y="352083"/>
+                  <a:pt x="1630118" y="351202"/>
+                  <a:pt x="1589103" y="339484"/>
+                </a:cubicBezTo>
+                <a:cubicBezTo>
+                  <a:pt x="1577371" y="336132"/>
+                  <a:pt x="1565429" y="333566"/>
+                  <a:pt x="1553592" y="330607"/>
+                </a:cubicBezTo>
+                <a:cubicBezTo>
+                  <a:pt x="1435108" y="259516"/>
+                  <a:pt x="1561406" y="330930"/>
+                  <a:pt x="1482571" y="295096"/>
+                </a:cubicBezTo>
+                <a:cubicBezTo>
+                  <a:pt x="1373417" y="245480"/>
+                  <a:pt x="1447182" y="271462"/>
+                  <a:pt x="1384916" y="250708"/>
+                </a:cubicBezTo>
+                <a:cubicBezTo>
+                  <a:pt x="1376038" y="244789"/>
+                  <a:pt x="1367826" y="237724"/>
+                  <a:pt x="1358283" y="232952"/>
+                </a:cubicBezTo>
+                <a:cubicBezTo>
+                  <a:pt x="1349913" y="228767"/>
+                  <a:pt x="1339674" y="228890"/>
+                  <a:pt x="1331650" y="224075"/>
+                </a:cubicBezTo>
+                <a:cubicBezTo>
+                  <a:pt x="1324473" y="219769"/>
+                  <a:pt x="1321381" y="210062"/>
+                  <a:pt x="1313895" y="206319"/>
+                </a:cubicBezTo>
+                <a:cubicBezTo>
+                  <a:pt x="1297155" y="197949"/>
+                  <a:pt x="1277369" y="196934"/>
+                  <a:pt x="1260629" y="188564"/>
+                </a:cubicBezTo>
+                <a:cubicBezTo>
+                  <a:pt x="1181238" y="148868"/>
+                  <a:pt x="1214718" y="161422"/>
+                  <a:pt x="1162975" y="144176"/>
+                </a:cubicBezTo>
+                <a:cubicBezTo>
+                  <a:pt x="1154097" y="138257"/>
+                  <a:pt x="1145885" y="131192"/>
+                  <a:pt x="1136342" y="126420"/>
+                </a:cubicBezTo>
+                <a:cubicBezTo>
+                  <a:pt x="1116053" y="116276"/>
+                  <a:pt x="1085572" y="113728"/>
+                  <a:pt x="1065320" y="108665"/>
+                </a:cubicBezTo>
+                <a:cubicBezTo>
+                  <a:pt x="1056242" y="106395"/>
+                  <a:pt x="1047685" y="102358"/>
+                  <a:pt x="1038687" y="99787"/>
+                </a:cubicBezTo>
+                <a:cubicBezTo>
+                  <a:pt x="1007893" y="90989"/>
+                  <a:pt x="931060" y="75005"/>
+                  <a:pt x="914400" y="73154"/>
+                </a:cubicBezTo>
+                <a:cubicBezTo>
+                  <a:pt x="887767" y="70195"/>
+                  <a:pt x="861063" y="67819"/>
+                  <a:pt x="834501" y="64277"/>
+                </a:cubicBezTo>
+                <a:cubicBezTo>
+                  <a:pt x="816659" y="61898"/>
+                  <a:pt x="799096" y="57632"/>
+                  <a:pt x="781235" y="55399"/>
+                </a:cubicBezTo>
+                <a:cubicBezTo>
+                  <a:pt x="728055" y="48752"/>
+                  <a:pt x="674302" y="46455"/>
+                  <a:pt x="621437" y="37644"/>
+                </a:cubicBezTo>
+                <a:cubicBezTo>
+                  <a:pt x="583756" y="31364"/>
+                  <a:pt x="534183" y="22357"/>
+                  <a:pt x="497149" y="19888"/>
+                </a:cubicBezTo>
+                <a:cubicBezTo>
+                  <a:pt x="432123" y="15553"/>
+                  <a:pt x="366944" y="13970"/>
+                  <a:pt x="301841" y="11011"/>
+                </a:cubicBezTo>
+                <a:cubicBezTo>
+                  <a:pt x="235553" y="-5562"/>
+                  <a:pt x="267413" y="-1649"/>
+                  <a:pt x="159798" y="11011"/>
+                </a:cubicBezTo>
+                <a:cubicBezTo>
+                  <a:pt x="146547" y="12570"/>
+                  <a:pt x="104723" y="20793"/>
+                  <a:pt x="88777" y="28766"/>
+                </a:cubicBezTo>
+                <a:cubicBezTo>
+                  <a:pt x="79234" y="33538"/>
+                  <a:pt x="71894" y="42188"/>
+                  <a:pt x="62144" y="46521"/>
+                </a:cubicBezTo>
+                <a:cubicBezTo>
+                  <a:pt x="-6541" y="77048"/>
+                  <a:pt x="24673" y="48484"/>
+                  <a:pt x="0" y="73154"/>
+                </a:cubicBezTo>
+              </a:path>
+            </a:pathLst>
+          </a:custGeom>
+          <a:noFill/>
+        </p:spPr>
+        <p:style>
+          <a:lnRef idx="2">
+            <a:schemeClr val="accent1">
+              <a:shade val="50000"/>
+            </a:schemeClr>
+          </a:lnRef>
+          <a:fillRef idx="1">
+            <a:schemeClr val="accent1"/>
+          </a:fillRef>
+          <a:effectRef idx="0">
+            <a:schemeClr val="accent1"/>
+          </a:effectRef>
+          <a:fontRef idx="minor">
+            <a:schemeClr val="lt1"/>
+          </a:fontRef>
+        </p:style>
+        <p:txBody>
+          <a:bodyPr rtlCol="0" anchor="ctr"/>
+          <a:lstStyle/>
+          <a:p>
+            <a:pPr algn="ctr"/>
+            <a:endParaRPr lang="fr-FR"/>
+          </a:p>
+        </p:txBody>
+      </p:sp>
+      <p:sp>
+        <p:nvSpPr>
+          <p:cNvPr id="16" name="Rectangle 15">
+            <a:extLst>
+              <a:ext uri="{FF2B5EF4-FFF2-40B4-BE49-F238E27FC236}">
+                <a16:creationId xmlns:a16="http://schemas.microsoft.com/office/drawing/2014/main" id="{D78204BF-5694-487A-A109-B65591A549CD}"/>
+              </a:ext>
+            </a:extLst>
+          </p:cNvPr>
+          <p:cNvSpPr/>
+          <p:nvPr/>
+        </p:nvSpPr>
+        <p:spPr>
+          <a:xfrm>
+            <a:off x="3059832" y="620687"/>
+            <a:ext cx="3127904" cy="1481801"/>
+          </a:xfrm>
+          <a:prstGeom prst="rect">
+            <a:avLst/>
+          </a:prstGeom>
+          <a:noFill/>
+          <a:ln>
+            <a:prstDash val="sysDash"/>
+          </a:ln>
+        </p:spPr>
+        <p:style>
+          <a:lnRef idx="2">
+            <a:schemeClr val="accent1">
+              <a:shade val="50000"/>
+            </a:schemeClr>
+          </a:lnRef>
+          <a:fillRef idx="1">
+            <a:schemeClr val="accent1"/>
+          </a:fillRef>
+          <a:effectRef idx="0">
+            <a:schemeClr val="accent1"/>
+          </a:effectRef>
+          <a:fontRef idx="minor">
+            <a:schemeClr val="lt1"/>
+          </a:fontRef>
+        </p:style>
+        <p:txBody>
+          <a:bodyPr rtlCol="0" anchor="ctr"/>
+          <a:lstStyle/>
+          <a:p>
+            <a:pPr algn="ctr"/>
+            <a:endParaRPr lang="fr-FR"/>
+          </a:p>
+        </p:txBody>
+      </p:sp>
+      <p:sp>
+        <p:nvSpPr>
+          <p:cNvPr id="17" name="ZoneTexte 16">
+            <a:extLst>
+              <a:ext uri="{FF2B5EF4-FFF2-40B4-BE49-F238E27FC236}">
+                <a16:creationId xmlns:a16="http://schemas.microsoft.com/office/drawing/2014/main" id="{A6CF88FE-48C8-4AAA-AB80-8C9DB0A0C90B}"/>
+              </a:ext>
+            </a:extLst>
+          </p:cNvPr>
+          <p:cNvSpPr txBox="1"/>
+          <p:nvPr/>
+        </p:nvSpPr>
+        <p:spPr>
+          <a:xfrm>
+            <a:off x="1979712" y="4571836"/>
+            <a:ext cx="2160240" cy="369332"/>
+          </a:xfrm>
+          <a:prstGeom prst="rect">
+            <a:avLst/>
+          </a:prstGeom>
+          <a:noFill/>
+        </p:spPr>
+        <p:txBody>
+          <a:bodyPr wrap="square" rtlCol="0">
+            <a:spAutoFit/>
+          </a:bodyPr>
+          <a:lstStyle/>
+          <a:p>
+            <a:r>
+              <a:rPr lang="fr-FR" dirty="0"/>
+              <a:t>Point p</a:t>
+            </a:r>
+          </a:p>
+        </p:txBody>
+      </p:sp>
+      <p:sp>
+        <p:nvSpPr>
+          <p:cNvPr id="18" name="ZoneTexte 17">
+            <a:extLst>
+              <a:ext uri="{FF2B5EF4-FFF2-40B4-BE49-F238E27FC236}">
+                <a16:creationId xmlns:a16="http://schemas.microsoft.com/office/drawing/2014/main" id="{CA1511E7-ADE9-4821-8751-06DC28C0263C}"/>
+              </a:ext>
+            </a:extLst>
+          </p:cNvPr>
+          <p:cNvSpPr txBox="1"/>
+          <p:nvPr/>
+        </p:nvSpPr>
+        <p:spPr>
+          <a:xfrm>
+            <a:off x="3275856" y="4554994"/>
+            <a:ext cx="2880320" cy="1477328"/>
+          </a:xfrm>
+          <a:prstGeom prst="rect">
+            <a:avLst/>
+          </a:prstGeom>
+          <a:noFill/>
+          <a:ln w="28575">
+            <a:solidFill>
+              <a:schemeClr val="accent1"/>
+            </a:solidFill>
+          </a:ln>
+        </p:spPr>
+        <p:txBody>
+          <a:bodyPr wrap="square" rtlCol="0">
+            <a:spAutoFit/>
+          </a:bodyPr>
+          <a:lstStyle/>
+          <a:p>
+            <a:r>
+              <a:rPr lang="fr-FR" dirty="0"/>
+              <a:t>: Point</a:t>
+            </a:r>
+          </a:p>
+          <a:p>
+            <a:endParaRPr lang="fr-FR" dirty="0"/>
+          </a:p>
+          <a:p>
+            <a:r>
+              <a:rPr lang="fr-FR" dirty="0"/>
+              <a:t>nom = "H"</a:t>
+            </a:r>
+          </a:p>
+          <a:p>
+            <a:r>
+              <a:rPr lang="fr-FR" dirty="0"/>
+              <a:t>x = 3.4</a:t>
+            </a:r>
+          </a:p>
+          <a:p>
+            <a:r>
+              <a:rPr lang="fr-FR" dirty="0"/>
+              <a:t>y = 5.7</a:t>
+            </a:r>
+          </a:p>
+        </p:txBody>
+      </p:sp>
+      <p:cxnSp>
+        <p:nvCxnSpPr>
+          <p:cNvPr id="19" name="Connecteur droit 18">
+            <a:extLst>
+              <a:ext uri="{FF2B5EF4-FFF2-40B4-BE49-F238E27FC236}">
+                <a16:creationId xmlns:a16="http://schemas.microsoft.com/office/drawing/2014/main" id="{BFDE1505-D3C8-476E-84E5-E34AC5CBDD85}"/>
+              </a:ext>
+            </a:extLst>
+          </p:cNvPr>
+          <p:cNvCxnSpPr/>
+          <p:nvPr/>
+        </p:nvCxnSpPr>
+        <p:spPr>
+          <a:xfrm>
+            <a:off x="3275856" y="5013176"/>
+            <a:ext cx="2880320" cy="0"/>
+          </a:xfrm>
+          <a:prstGeom prst="line">
+            <a:avLst/>
+          </a:prstGeom>
+          <a:ln w="19050"/>
+        </p:spPr>
+        <p:style>
+          <a:lnRef idx="1">
+            <a:schemeClr val="accent1"/>
+          </a:lnRef>
+          <a:fillRef idx="0">
+            <a:schemeClr val="accent1"/>
+          </a:fillRef>
+          <a:effectRef idx="0">
+            <a:schemeClr val="accent1"/>
+          </a:effectRef>
+          <a:fontRef idx="minor">
+            <a:schemeClr val="tx1"/>
+          </a:fontRef>
+        </p:style>
+      </p:cxnSp>
+      <p:cxnSp>
+        <p:nvCxnSpPr>
+          <p:cNvPr id="21" name="Connecteur droit avec flèche 20">
+            <a:extLst>
+              <a:ext uri="{FF2B5EF4-FFF2-40B4-BE49-F238E27FC236}">
+                <a16:creationId xmlns:a16="http://schemas.microsoft.com/office/drawing/2014/main" id="{85D94309-06CA-49DA-8333-9F60EDA07DBE}"/>
+              </a:ext>
+            </a:extLst>
+          </p:cNvPr>
+          <p:cNvCxnSpPr/>
+          <p:nvPr/>
+        </p:nvCxnSpPr>
+        <p:spPr>
+          <a:xfrm>
+            <a:off x="4572000" y="2812286"/>
+            <a:ext cx="0" cy="1552818"/>
+          </a:xfrm>
+          <a:prstGeom prst="straightConnector1">
+            <a:avLst/>
+          </a:prstGeom>
+          <a:ln>
+            <a:tailEnd type="triangle"/>
+          </a:ln>
+        </p:spPr>
+        <p:style>
+          <a:lnRef idx="1">
+            <a:schemeClr val="accent6"/>
+          </a:lnRef>
+          <a:fillRef idx="0">
+            <a:schemeClr val="accent6"/>
+          </a:fillRef>
+          <a:effectRef idx="0">
+            <a:schemeClr val="accent6"/>
+          </a:effectRef>
+          <a:fontRef idx="minor">
+            <a:schemeClr val="tx1"/>
+          </a:fontRef>
+        </p:style>
+      </p:cxnSp>
+      <p:sp>
+        <p:nvSpPr>
+          <p:cNvPr id="22" name="ZoneTexte 21">
+            <a:extLst>
+              <a:ext uri="{FF2B5EF4-FFF2-40B4-BE49-F238E27FC236}">
+                <a16:creationId xmlns:a16="http://schemas.microsoft.com/office/drawing/2014/main" id="{D842A7D7-84F5-4447-AC2D-38809F28B142}"/>
+              </a:ext>
+            </a:extLst>
+          </p:cNvPr>
+          <p:cNvSpPr txBox="1"/>
+          <p:nvPr/>
+        </p:nvSpPr>
+        <p:spPr>
+          <a:xfrm>
+            <a:off x="4675569" y="3346882"/>
+            <a:ext cx="1048557" cy="369332"/>
+          </a:xfrm>
+          <a:prstGeom prst="rect">
+            <a:avLst/>
+          </a:prstGeom>
+          <a:noFill/>
+        </p:spPr>
+        <p:txBody>
+          <a:bodyPr wrap="square" rtlCol="0">
+            <a:spAutoFit/>
+          </a:bodyPr>
+          <a:lstStyle/>
+          <a:p>
+            <a:r>
+              <a:rPr lang="fr-FR" dirty="0"/>
+              <a:t>copy</a:t>
+            </a:r>
+          </a:p>
+        </p:txBody>
+      </p:sp>
+    </p:spTree>
+    <p:extLst>
+      <p:ext uri="{BB962C8B-B14F-4D97-AF65-F5344CB8AC3E}">
+        <p14:creationId xmlns:p14="http://schemas.microsoft.com/office/powerpoint/2010/main" val="2786005884"/>
+      </p:ext>
+    </p:extLst>
+  </p:cSld>
+  <p:clrMapOvr>
+    <a:masterClrMapping/>
+  </p:clrMapOvr>
+</p:sld>
+</file>
+
+<file path=ppt/slides/slide27.xml><?xml version="1.0" encoding="utf-8"?>
+<p:sld xmlns:a="http://schemas.openxmlformats.org/drawingml/2006/main" xmlns:r="http://schemas.openxmlformats.org/officeDocument/2006/relationships" xmlns:p="http://schemas.openxmlformats.org/presentationml/2006/main">
+  <p:cSld>
+    <p:spTree>
+      <p:nvGrpSpPr>
+        <p:cNvPr id="1" name=""/>
+        <p:cNvGrpSpPr/>
+        <p:nvPr/>
+      </p:nvGrpSpPr>
+      <p:grpSpPr>
+        <a:xfrm>
+          <a:off x="0" y="0"/>
+          <a:ext cx="0" cy="0"/>
+          <a:chOff x="0" y="0"/>
+          <a:chExt cx="0" cy="0"/>
+        </a:xfrm>
+      </p:grpSpPr>
+      <p:sp>
+        <p:nvSpPr>
+          <p:cNvPr id="5" name="Espace réservé du contenu 4">
+            <a:extLst>
+              <a:ext uri="{FF2B5EF4-FFF2-40B4-BE49-F238E27FC236}">
+                <a16:creationId xmlns:a16="http://schemas.microsoft.com/office/drawing/2014/main" id="{CA1B5AE5-2F8E-4D1C-803B-8C13B01F50F3}"/>
+              </a:ext>
+            </a:extLst>
+          </p:cNvPr>
+          <p:cNvSpPr>
+            <a:spLocks noGrp="1"/>
+          </p:cNvSpPr>
+          <p:nvPr>
+            <p:ph idx="1"/>
+          </p:nvPr>
+        </p:nvSpPr>
+        <p:spPr/>
+        <p:txBody>
+          <a:bodyPr/>
+          <a:lstStyle/>
+          <a:p>
+            <a:endParaRPr lang="fr-FR" dirty="0"/>
+          </a:p>
+        </p:txBody>
+      </p:sp>
+      <p:pic>
+        <p:nvPicPr>
+          <p:cNvPr id="8" name="Image 7">
+            <a:extLst>
+              <a:ext uri="{FF2B5EF4-FFF2-40B4-BE49-F238E27FC236}">
+                <a16:creationId xmlns:a16="http://schemas.microsoft.com/office/drawing/2014/main" id="{430156E3-ADB6-4822-9B2E-E919DB38CE32}"/>
+              </a:ext>
+            </a:extLst>
+          </p:cNvPr>
+          <p:cNvPicPr>
+            <a:picLocks noChangeAspect="1"/>
+          </p:cNvPicPr>
+          <p:nvPr/>
+        </p:nvPicPr>
+        <p:blipFill>
+          <a:blip r:embed="rId2"/>
+          <a:stretch>
+            <a:fillRect/>
+          </a:stretch>
+        </p:blipFill>
+        <p:spPr>
+          <a:xfrm>
+            <a:off x="200025" y="481012"/>
+            <a:ext cx="8743950" cy="5895975"/>
+          </a:xfrm>
+          <a:prstGeom prst="rect">
+            <a:avLst/>
+          </a:prstGeom>
+        </p:spPr>
+      </p:pic>
+    </p:spTree>
+    <p:extLst>
+      <p:ext uri="{BB962C8B-B14F-4D97-AF65-F5344CB8AC3E}">
+        <p14:creationId xmlns:p14="http://schemas.microsoft.com/office/powerpoint/2010/main" val="4017396087"/>
+      </p:ext>
+    </p:extLst>
+  </p:cSld>
+  <p:clrMapOvr>
+    <a:masterClrMapping/>
+  </p:clrMapOvr>
+</p:sld>
+</file>
+
 <file path=ppt/slides/slide3.xml><?xml version="1.0" encoding="utf-8"?>
 <p:sld xmlns:a="http://schemas.openxmlformats.org/drawingml/2006/main" xmlns:r="http://schemas.openxmlformats.org/officeDocument/2006/relationships" xmlns:p="http://schemas.openxmlformats.org/presentationml/2006/main">
   <p:cSld>
